--- a/PalMod2022/docs/ppt/5_Fesom.pptx
+++ b/PalMod2022/docs/ppt/5_Fesom.pptx
@@ -163,7 +163,7 @@
           </a:lstStyle>
           <a:p>
             <a:r>
-              <a:rPr lang="en-US" smtClean="0"/>
+              <a:rPr lang="en-US"/>
               <a:t>Click to edit Master title style</a:t>
             </a:r>
             <a:endParaRPr lang="tr-TR"/>
@@ -228,7 +228,7 @@
           </a:lstStyle>
           <a:p>
             <a:r>
-              <a:rPr lang="en-US" smtClean="0"/>
+              <a:rPr lang="en-US"/>
               <a:t>Click to edit Master subtitle style</a:t>
             </a:r>
             <a:endParaRPr lang="tr-TR"/>
@@ -346,7 +346,7 @@
           <a:lstStyle/>
           <a:p>
             <a:r>
-              <a:rPr lang="en-US" smtClean="0"/>
+              <a:rPr lang="en-US"/>
               <a:t>Click to edit Master title style</a:t>
             </a:r>
             <a:endParaRPr lang="tr-TR"/>
@@ -370,35 +370,35 @@
           <a:p>
             <a:pPr lvl="0"/>
             <a:r>
-              <a:rPr lang="en-US" smtClean="0"/>
+              <a:rPr lang="en-US"/>
               <a:t>Click to edit Master text styles</a:t>
             </a:r>
           </a:p>
           <a:p>
             <a:pPr lvl="1"/>
             <a:r>
-              <a:rPr lang="en-US" smtClean="0"/>
+              <a:rPr lang="en-US"/>
               <a:t>Second level</a:t>
             </a:r>
           </a:p>
           <a:p>
             <a:pPr lvl="2"/>
             <a:r>
-              <a:rPr lang="en-US" smtClean="0"/>
+              <a:rPr lang="en-US"/>
               <a:t>Third level</a:t>
             </a:r>
           </a:p>
           <a:p>
             <a:pPr lvl="3"/>
             <a:r>
-              <a:rPr lang="en-US" smtClean="0"/>
+              <a:rPr lang="en-US"/>
               <a:t>Fourth level</a:t>
             </a:r>
           </a:p>
           <a:p>
             <a:pPr lvl="4"/>
             <a:r>
-              <a:rPr lang="en-US" smtClean="0"/>
+              <a:rPr lang="en-US"/>
               <a:t>Fifth level</a:t>
             </a:r>
             <a:endParaRPr lang="tr-TR"/>
@@ -521,7 +521,7 @@
           <a:lstStyle/>
           <a:p>
             <a:r>
-              <a:rPr lang="en-US" smtClean="0"/>
+              <a:rPr lang="en-US"/>
               <a:t>Click to edit Master title style</a:t>
             </a:r>
             <a:endParaRPr lang="tr-TR"/>
@@ -550,35 +550,35 @@
           <a:p>
             <a:pPr lvl="0"/>
             <a:r>
-              <a:rPr lang="en-US" smtClean="0"/>
+              <a:rPr lang="en-US"/>
               <a:t>Click to edit Master text styles</a:t>
             </a:r>
           </a:p>
           <a:p>
             <a:pPr lvl="1"/>
             <a:r>
-              <a:rPr lang="en-US" smtClean="0"/>
+              <a:rPr lang="en-US"/>
               <a:t>Second level</a:t>
             </a:r>
           </a:p>
           <a:p>
             <a:pPr lvl="2"/>
             <a:r>
-              <a:rPr lang="en-US" smtClean="0"/>
+              <a:rPr lang="en-US"/>
               <a:t>Third level</a:t>
             </a:r>
           </a:p>
           <a:p>
             <a:pPr lvl="3"/>
             <a:r>
-              <a:rPr lang="en-US" smtClean="0"/>
+              <a:rPr lang="en-US"/>
               <a:t>Fourth level</a:t>
             </a:r>
           </a:p>
           <a:p>
             <a:pPr lvl="4"/>
             <a:r>
-              <a:rPr lang="en-US" smtClean="0"/>
+              <a:rPr lang="en-US"/>
               <a:t>Fifth level</a:t>
             </a:r>
             <a:endParaRPr lang="tr-TR"/>
@@ -696,7 +696,7 @@
           <a:lstStyle/>
           <a:p>
             <a:r>
-              <a:rPr lang="en-US" smtClean="0"/>
+              <a:rPr lang="en-US"/>
               <a:t>Click to edit Master title style</a:t>
             </a:r>
             <a:endParaRPr lang="tr-TR"/>
@@ -720,35 +720,35 @@
           <a:p>
             <a:pPr lvl="0"/>
             <a:r>
-              <a:rPr lang="en-US" smtClean="0"/>
+              <a:rPr lang="en-US"/>
               <a:t>Click to edit Master text styles</a:t>
             </a:r>
           </a:p>
           <a:p>
             <a:pPr lvl="1"/>
             <a:r>
-              <a:rPr lang="en-US" smtClean="0"/>
+              <a:rPr lang="en-US"/>
               <a:t>Second level</a:t>
             </a:r>
           </a:p>
           <a:p>
             <a:pPr lvl="2"/>
             <a:r>
-              <a:rPr lang="en-US" smtClean="0"/>
+              <a:rPr lang="en-US"/>
               <a:t>Third level</a:t>
             </a:r>
           </a:p>
           <a:p>
             <a:pPr lvl="3"/>
             <a:r>
-              <a:rPr lang="en-US" smtClean="0"/>
+              <a:rPr lang="en-US"/>
               <a:t>Fourth level</a:t>
             </a:r>
           </a:p>
           <a:p>
             <a:pPr lvl="4"/>
             <a:r>
-              <a:rPr lang="en-US" smtClean="0"/>
+              <a:rPr lang="en-US"/>
               <a:t>Fifth level</a:t>
             </a:r>
             <a:endParaRPr lang="tr-TR"/>
@@ -875,7 +875,7 @@
           </a:lstStyle>
           <a:p>
             <a:r>
-              <a:rPr lang="en-US" smtClean="0"/>
+              <a:rPr lang="en-US"/>
               <a:t>Click to edit Master title style</a:t>
             </a:r>
             <a:endParaRPr lang="tr-TR"/>
@@ -995,7 +995,7 @@
           <a:p>
             <a:pPr lvl="0"/>
             <a:r>
-              <a:rPr lang="en-US" smtClean="0"/>
+              <a:rPr lang="en-US"/>
               <a:t>Click to edit Master text styles</a:t>
             </a:r>
           </a:p>
@@ -1112,7 +1112,7 @@
           <a:lstStyle/>
           <a:p>
             <a:r>
-              <a:rPr lang="en-US" smtClean="0"/>
+              <a:rPr lang="en-US"/>
               <a:t>Click to edit Master title style</a:t>
             </a:r>
             <a:endParaRPr lang="tr-TR"/>
@@ -1141,35 +1141,35 @@
           <a:p>
             <a:pPr lvl="0"/>
             <a:r>
-              <a:rPr lang="en-US" smtClean="0"/>
+              <a:rPr lang="en-US"/>
               <a:t>Click to edit Master text styles</a:t>
             </a:r>
           </a:p>
           <a:p>
             <a:pPr lvl="1"/>
             <a:r>
-              <a:rPr lang="en-US" smtClean="0"/>
+              <a:rPr lang="en-US"/>
               <a:t>Second level</a:t>
             </a:r>
           </a:p>
           <a:p>
             <a:pPr lvl="2"/>
             <a:r>
-              <a:rPr lang="en-US" smtClean="0"/>
+              <a:rPr lang="en-US"/>
               <a:t>Third level</a:t>
             </a:r>
           </a:p>
           <a:p>
             <a:pPr lvl="3"/>
             <a:r>
-              <a:rPr lang="en-US" smtClean="0"/>
+              <a:rPr lang="en-US"/>
               <a:t>Fourth level</a:t>
             </a:r>
           </a:p>
           <a:p>
             <a:pPr lvl="4"/>
             <a:r>
-              <a:rPr lang="en-US" smtClean="0"/>
+              <a:rPr lang="en-US"/>
               <a:t>Fifth level</a:t>
             </a:r>
             <a:endParaRPr lang="tr-TR"/>
@@ -1198,35 +1198,35 @@
           <a:p>
             <a:pPr lvl="0"/>
             <a:r>
-              <a:rPr lang="en-US" smtClean="0"/>
+              <a:rPr lang="en-US"/>
               <a:t>Click to edit Master text styles</a:t>
             </a:r>
           </a:p>
           <a:p>
             <a:pPr lvl="1"/>
             <a:r>
-              <a:rPr lang="en-US" smtClean="0"/>
+              <a:rPr lang="en-US"/>
               <a:t>Second level</a:t>
             </a:r>
           </a:p>
           <a:p>
             <a:pPr lvl="2"/>
             <a:r>
-              <a:rPr lang="en-US" smtClean="0"/>
+              <a:rPr lang="en-US"/>
               <a:t>Third level</a:t>
             </a:r>
           </a:p>
           <a:p>
             <a:pPr lvl="3"/>
             <a:r>
-              <a:rPr lang="en-US" smtClean="0"/>
+              <a:rPr lang="en-US"/>
               <a:t>Fourth level</a:t>
             </a:r>
           </a:p>
           <a:p>
             <a:pPr lvl="4"/>
             <a:r>
-              <a:rPr lang="en-US" smtClean="0"/>
+              <a:rPr lang="en-US"/>
               <a:t>Fifth level</a:t>
             </a:r>
             <a:endParaRPr lang="tr-TR"/>
@@ -1349,7 +1349,7 @@
           <a:lstStyle/>
           <a:p>
             <a:r>
-              <a:rPr lang="en-US" smtClean="0"/>
+              <a:rPr lang="en-US"/>
               <a:t>Click to edit Master title style</a:t>
             </a:r>
             <a:endParaRPr lang="tr-TR"/>
@@ -1415,7 +1415,7 @@
           <a:p>
             <a:pPr lvl="0"/>
             <a:r>
-              <a:rPr lang="en-US" smtClean="0"/>
+              <a:rPr lang="en-US"/>
               <a:t>Click to edit Master text styles</a:t>
             </a:r>
           </a:p>
@@ -1443,35 +1443,35 @@
           <a:p>
             <a:pPr lvl="0"/>
             <a:r>
-              <a:rPr lang="en-US" smtClean="0"/>
+              <a:rPr lang="en-US"/>
               <a:t>Click to edit Master text styles</a:t>
             </a:r>
           </a:p>
           <a:p>
             <a:pPr lvl="1"/>
             <a:r>
-              <a:rPr lang="en-US" smtClean="0"/>
+              <a:rPr lang="en-US"/>
               <a:t>Second level</a:t>
             </a:r>
           </a:p>
           <a:p>
             <a:pPr lvl="2"/>
             <a:r>
-              <a:rPr lang="en-US" smtClean="0"/>
+              <a:rPr lang="en-US"/>
               <a:t>Third level</a:t>
             </a:r>
           </a:p>
           <a:p>
             <a:pPr lvl="3"/>
             <a:r>
-              <a:rPr lang="en-US" smtClean="0"/>
+              <a:rPr lang="en-US"/>
               <a:t>Fourth level</a:t>
             </a:r>
           </a:p>
           <a:p>
             <a:pPr lvl="4"/>
             <a:r>
-              <a:rPr lang="en-US" smtClean="0"/>
+              <a:rPr lang="en-US"/>
               <a:t>Fifth level</a:t>
             </a:r>
             <a:endParaRPr lang="tr-TR"/>
@@ -1537,7 +1537,7 @@
           <a:p>
             <a:pPr lvl="0"/>
             <a:r>
-              <a:rPr lang="en-US" smtClean="0"/>
+              <a:rPr lang="en-US"/>
               <a:t>Click to edit Master text styles</a:t>
             </a:r>
           </a:p>
@@ -1565,35 +1565,35 @@
           <a:p>
             <a:pPr lvl="0"/>
             <a:r>
-              <a:rPr lang="en-US" smtClean="0"/>
+              <a:rPr lang="en-US"/>
               <a:t>Click to edit Master text styles</a:t>
             </a:r>
           </a:p>
           <a:p>
             <a:pPr lvl="1"/>
             <a:r>
-              <a:rPr lang="en-US" smtClean="0"/>
+              <a:rPr lang="en-US"/>
               <a:t>Second level</a:t>
             </a:r>
           </a:p>
           <a:p>
             <a:pPr lvl="2"/>
             <a:r>
-              <a:rPr lang="en-US" smtClean="0"/>
+              <a:rPr lang="en-US"/>
               <a:t>Third level</a:t>
             </a:r>
           </a:p>
           <a:p>
             <a:pPr lvl="3"/>
             <a:r>
-              <a:rPr lang="en-US" smtClean="0"/>
+              <a:rPr lang="en-US"/>
               <a:t>Fourth level</a:t>
             </a:r>
           </a:p>
           <a:p>
             <a:pPr lvl="4"/>
             <a:r>
-              <a:rPr lang="en-US" smtClean="0"/>
+              <a:rPr lang="en-US"/>
               <a:t>Fifth level</a:t>
             </a:r>
             <a:endParaRPr lang="tr-TR"/>
@@ -1711,7 +1711,7 @@
           <a:lstStyle/>
           <a:p>
             <a:r>
-              <a:rPr lang="en-US" smtClean="0"/>
+              <a:rPr lang="en-US"/>
               <a:t>Click to edit Master title style</a:t>
             </a:r>
             <a:endParaRPr lang="tr-TR"/>
@@ -1933,7 +1933,7 @@
           </a:lstStyle>
           <a:p>
             <a:r>
-              <a:rPr lang="en-US" smtClean="0"/>
+              <a:rPr lang="en-US"/>
               <a:t>Click to edit Master title style</a:t>
             </a:r>
             <a:endParaRPr lang="tr-TR"/>
@@ -1990,35 +1990,35 @@
           <a:p>
             <a:pPr lvl="0"/>
             <a:r>
-              <a:rPr lang="en-US" smtClean="0"/>
+              <a:rPr lang="en-US"/>
               <a:t>Click to edit Master text styles</a:t>
             </a:r>
           </a:p>
           <a:p>
             <a:pPr lvl="1"/>
             <a:r>
-              <a:rPr lang="en-US" smtClean="0"/>
+              <a:rPr lang="en-US"/>
               <a:t>Second level</a:t>
             </a:r>
           </a:p>
           <a:p>
             <a:pPr lvl="2"/>
             <a:r>
-              <a:rPr lang="en-US" smtClean="0"/>
+              <a:rPr lang="en-US"/>
               <a:t>Third level</a:t>
             </a:r>
           </a:p>
           <a:p>
             <a:pPr lvl="3"/>
             <a:r>
-              <a:rPr lang="en-US" smtClean="0"/>
+              <a:rPr lang="en-US"/>
               <a:t>Fourth level</a:t>
             </a:r>
           </a:p>
           <a:p>
             <a:pPr lvl="4"/>
             <a:r>
-              <a:rPr lang="en-US" smtClean="0"/>
+              <a:rPr lang="en-US"/>
               <a:t>Fifth level</a:t>
             </a:r>
             <a:endParaRPr lang="tr-TR"/>
@@ -2084,7 +2084,7 @@
           <a:p>
             <a:pPr lvl="0"/>
             <a:r>
-              <a:rPr lang="en-US" smtClean="0"/>
+              <a:rPr lang="en-US"/>
               <a:t>Click to edit Master text styles</a:t>
             </a:r>
           </a:p>
@@ -2210,7 +2210,7 @@
           </a:lstStyle>
           <a:p>
             <a:r>
-              <a:rPr lang="en-US" smtClean="0"/>
+              <a:rPr lang="en-US"/>
               <a:t>Click to edit Master title style</a:t>
             </a:r>
             <a:endParaRPr lang="tr-TR"/>
@@ -2337,7 +2337,7 @@
           <a:p>
             <a:pPr lvl="0"/>
             <a:r>
-              <a:rPr lang="en-US" smtClean="0"/>
+              <a:rPr lang="en-US"/>
               <a:t>Click to edit Master text styles</a:t>
             </a:r>
           </a:p>
@@ -2469,7 +2469,7 @@
           <a:lstStyle/>
           <a:p>
             <a:r>
-              <a:rPr lang="en-US" smtClean="0"/>
+              <a:rPr lang="en-US"/>
               <a:t>Click to edit Master title style</a:t>
             </a:r>
             <a:endParaRPr lang="tr-TR"/>
@@ -2503,35 +2503,35 @@
           <a:p>
             <a:pPr lvl="0"/>
             <a:r>
-              <a:rPr lang="en-US" smtClean="0"/>
+              <a:rPr lang="en-US"/>
               <a:t>Click to edit Master text styles</a:t>
             </a:r>
           </a:p>
           <a:p>
             <a:pPr lvl="1"/>
             <a:r>
-              <a:rPr lang="en-US" smtClean="0"/>
+              <a:rPr lang="en-US"/>
               <a:t>Second level</a:t>
             </a:r>
           </a:p>
           <a:p>
             <a:pPr lvl="2"/>
             <a:r>
-              <a:rPr lang="en-US" smtClean="0"/>
+              <a:rPr lang="en-US"/>
               <a:t>Third level</a:t>
             </a:r>
           </a:p>
           <a:p>
             <a:pPr lvl="3"/>
             <a:r>
-              <a:rPr lang="en-US" smtClean="0"/>
+              <a:rPr lang="en-US"/>
               <a:t>Fourth level</a:t>
             </a:r>
           </a:p>
           <a:p>
             <a:pPr lvl="4"/>
             <a:r>
-              <a:rPr lang="en-US" smtClean="0"/>
+              <a:rPr lang="en-US"/>
               <a:t>Fifth level</a:t>
             </a:r>
             <a:endParaRPr lang="tr-TR"/>
@@ -3021,7 +3021,7 @@
           <a:p>
             <a:pPr algn="ctr"/>
             <a:r>
-              <a:rPr lang="tr-TR" sz="4800" b="1" smtClean="0">
+              <a:rPr lang="tr-TR" sz="4800" b="1">
                 <a:solidFill>
                   <a:prstClr val="white"/>
                 </a:solidFill>
@@ -3032,18 +3032,13 @@
           <a:p>
             <a:pPr algn="ctr"/>
             <a:r>
-              <a:rPr lang="tr-TR" sz="4800" b="1" smtClean="0">
+              <a:rPr lang="tr-TR" sz="4800" b="1">
                 <a:solidFill>
                   <a:schemeClr val="bg1"/>
                 </a:solidFill>
               </a:rPr>
               <a:t>Hands-on Practice with FESOM 2</a:t>
             </a:r>
-            <a:endParaRPr lang="tr-TR" sz="4800" b="1">
-              <a:solidFill>
-                <a:schemeClr val="bg1"/>
-              </a:solidFill>
-            </a:endParaRPr>
           </a:p>
         </p:txBody>
       </p:sp>
@@ -3114,20 +3109,12 @@
           <a:p>
             <a:pPr algn="just"/>
             <a:r>
-              <a:rPr lang="tr-TR" sz="2000" smtClean="0">
+              <a:rPr lang="tr-TR" sz="2000">
                 <a:solidFill>
                   <a:srgbClr val="00ACE6"/>
                 </a:solidFill>
               </a:rPr>
-              <a:t>Submit </a:t>
-            </a:r>
-            <a:r>
-              <a:rPr lang="tr-TR" sz="2000">
-                <a:solidFill>
-                  <a:srgbClr val="00ACE6"/>
-                </a:solidFill>
-              </a:rPr>
-              <a:t>our simulation (Mistral, Levante)</a:t>
+              <a:t>Submit our simulation (Mistral, Levante)</a:t>
             </a:r>
           </a:p>
           <a:p>
@@ -3186,18 +3173,13 @@
           <a:p>
             <a:pPr algn="ctr"/>
             <a:r>
-              <a:rPr lang="tr-TR" sz="4800" b="1" smtClean="0">
+              <a:rPr lang="tr-TR" sz="4800" b="1">
                 <a:solidFill>
                   <a:srgbClr val="00ACE6"/>
                 </a:solidFill>
               </a:rPr>
               <a:t>5</a:t>
             </a:r>
-            <a:endParaRPr lang="tr-TR" sz="4800" b="1">
-              <a:solidFill>
-                <a:srgbClr val="00ACE6"/>
-              </a:solidFill>
-            </a:endParaRPr>
           </a:p>
         </p:txBody>
       </p:sp>
@@ -3227,13 +3209,8 @@
             <a:pPr algn="ctr"/>
             <a:r>
               <a:rPr lang="tr-TR" sz="1000"/>
-              <a:t>1</a:t>
-            </a:r>
-            <a:r>
-              <a:rPr lang="tr-TR" sz="1000" smtClean="0"/>
-              <a:t> / 10</a:t>
-            </a:r>
-            <a:endParaRPr lang="tr-TR" sz="1000"/>
+              <a:t>1 / 10</a:t>
+            </a:r>
           </a:p>
         </p:txBody>
       </p:sp>
@@ -3247,13 +3224,6 @@
   <p:clrMapOvr>
     <a:masterClrMapping/>
   </p:clrMapOvr>
-  <p:timing>
-    <p:tnLst>
-      <p:par>
-        <p:cTn id="1" dur="indefinite" restart="never" nodeType="tmRoot"/>
-      </p:par>
-    </p:tnLst>
-  </p:timing>
 </p:sld>
 </file>
 
@@ -3316,10 +3286,9 @@
           <a:lstStyle/>
           <a:p>
             <a:r>
-              <a:rPr lang="tr-TR" sz="4800" b="1" smtClean="0"/>
+              <a:rPr lang="tr-TR" sz="4800" b="1"/>
               <a:t>      Hands-on Practice with FESOM</a:t>
             </a:r>
-            <a:endParaRPr lang="tr-TR" sz="4800" b="1"/>
           </a:p>
         </p:txBody>
       </p:sp>
@@ -3366,18 +3335,13 @@
           <a:p>
             <a:pPr algn="ctr"/>
             <a:r>
-              <a:rPr lang="tr-TR" sz="3600" b="1" smtClean="0">
+              <a:rPr lang="tr-TR" sz="3600" b="1">
                 <a:solidFill>
                   <a:srgbClr val="00ACE6"/>
                 </a:solidFill>
               </a:rPr>
               <a:t>5</a:t>
             </a:r>
-            <a:endParaRPr lang="tr-TR" sz="3600" b="1">
-              <a:solidFill>
-                <a:srgbClr val="00ACE6"/>
-              </a:solidFill>
-            </a:endParaRPr>
           </a:p>
         </p:txBody>
       </p:sp>
@@ -3406,22 +3370,9 @@
           <a:p>
             <a:pPr algn="ctr"/>
             <a:r>
-              <a:rPr lang="tr-TR" sz="1000" smtClean="0"/>
-              <a:t>10</a:t>
-            </a:r>
-            <a:r>
-              <a:rPr lang="tr-TR" sz="1000" smtClean="0"/>
-              <a:t> </a:t>
-            </a:r>
-            <a:r>
-              <a:rPr lang="tr-TR" sz="1000" smtClean="0"/>
-              <a:t>/ </a:t>
-            </a:r>
-            <a:r>
-              <a:rPr lang="tr-TR" sz="1000" smtClean="0"/>
-              <a:t>10</a:t>
-            </a:r>
-            <a:endParaRPr lang="tr-TR" sz="1000"/>
+              <a:rPr lang="tr-TR" sz="1000"/>
+              <a:t>10 / 10</a:t>
+            </a:r>
           </a:p>
         </p:txBody>
       </p:sp>
@@ -3490,7 +3441,7 @@
           <p:cNvPr id="10" name="Title 1">
             <a:extLst>
               <a:ext uri="{FF2B5EF4-FFF2-40B4-BE49-F238E27FC236}">
-                <a16:creationId xmlns="" xmlns:a16="http://schemas.microsoft.com/office/drawing/2014/main" id="{1049E8DC-5F37-594E-BD4A-0E7E77983795}"/>
+                <a16:creationId xmlns:a16="http://schemas.microsoft.com/office/drawing/2014/main" id="{1049E8DC-5F37-594E-BD4A-0E7E77983795}"/>
               </a:ext>
             </a:extLst>
           </p:cNvPr>
@@ -3543,13 +3494,13 @@
               </a:lnSpc>
             </a:pPr>
             <a:r>
-              <a:rPr lang="en-US" sz="1600" smtClean="0">
+              <a:rPr lang="en-US" sz="1600">
                 <a:latin typeface="Consolas" panose="020B0609020204030204" pitchFamily="49" charset="0"/>
               </a:rPr>
               <a:t>esm_runscripts -e tutorial fesom_run_initial_monthly.yaml</a:t>
             </a:r>
             <a:r>
-              <a:rPr lang="tr-TR" sz="1600" smtClean="0">
+              <a:rPr lang="tr-TR" sz="1600">
                 <a:solidFill>
                   <a:schemeClr val="accent2"/>
                 </a:solidFill>
@@ -3589,7 +3540,7 @@
           <a:p>
             <a:pPr algn="just"/>
             <a:r>
-              <a:rPr lang="tr-TR" smtClean="0">
+              <a:rPr lang="tr-TR">
                 <a:solidFill>
                   <a:srgbClr val="000000"/>
                 </a:solidFill>
@@ -3597,7 +3548,7 @@
               <a:t>Just drop the </a:t>
             </a:r>
             <a:r>
-              <a:rPr lang="tr-TR" smtClean="0">
+              <a:rPr lang="tr-TR">
                 <a:solidFill>
                   <a:srgbClr val="000000"/>
                 </a:solidFill>
@@ -3679,7 +3630,7 @@
           <a:lstStyle/>
           <a:p>
             <a:r>
-              <a:rPr lang="tr-TR" sz="2000" b="1" smtClean="0">
+              <a:rPr lang="tr-TR" sz="2000" b="1">
                 <a:solidFill>
                   <a:srgbClr val="000000"/>
                 </a:solidFill>
@@ -3713,7 +3664,7 @@
           <a:p>
             <a:pPr algn="just"/>
             <a:r>
-              <a:rPr lang="tr-TR" b="1" smtClean="0">
+              <a:rPr lang="tr-TR" b="1">
                 <a:solidFill>
                   <a:srgbClr val="FF0000"/>
                 </a:solidFill>
@@ -3721,7 +3672,7 @@
               <a:t>Exercise: </a:t>
             </a:r>
             <a:r>
-              <a:rPr lang="tr-TR" smtClean="0"/>
+              <a:rPr lang="tr-TR"/>
               <a:t>Submit and Monitor your run. </a:t>
             </a:r>
             <a:r>
@@ -3730,44 +3681,36 @@
                   <a:srgbClr val="000000"/>
                 </a:solidFill>
               </a:rPr>
-              <a:t>W</a:t>
-            </a:r>
-            <a:r>
-              <a:rPr lang="tr-TR" smtClean="0">
+              <a:t>Watch (</a:t>
+            </a:r>
+            <a:r>
+              <a:rPr lang="tr-TR">
                 <a:solidFill>
                   <a:srgbClr val="000000"/>
                 </a:solidFill>
-              </a:rPr>
-              <a:t>atch (</a:t>
-            </a:r>
-            <a:r>
-              <a:rPr lang="tr-TR" smtClean="0">
+                <a:latin typeface="Consolas" panose="020B0609020204030204" pitchFamily="49" charset="0"/>
+              </a:rPr>
+              <a:t>tail -f</a:t>
+            </a:r>
+            <a:r>
+              <a:rPr lang="tr-TR">
                 <a:solidFill>
                   <a:srgbClr val="000000"/>
                 </a:solidFill>
+              </a:rPr>
+              <a:t>) the log files in </a:t>
+            </a:r>
+            <a:r>
+              <a:rPr lang="tr-TR">
+                <a:solidFill>
+                  <a:schemeClr val="accent2"/>
+                </a:solidFill>
                 <a:latin typeface="Consolas" panose="020B0609020204030204" pitchFamily="49" charset="0"/>
               </a:rPr>
-              <a:t>tail -f</a:t>
-            </a:r>
-            <a:r>
-              <a:rPr lang="tr-TR" smtClean="0">
-                <a:solidFill>
-                  <a:srgbClr val="000000"/>
-                </a:solidFill>
-              </a:rPr>
-              <a:t>) the log files in </a:t>
-            </a:r>
-            <a:r>
-              <a:rPr lang="tr-TR" smtClean="0">
-                <a:solidFill>
-                  <a:schemeClr val="accent2"/>
-                </a:solidFill>
-                <a:latin typeface="Consolas" panose="020B0609020204030204" pitchFamily="49" charset="0"/>
-              </a:rPr>
               <a:t>exp_id/log/</a:t>
             </a:r>
             <a:r>
-              <a:rPr lang="tr-TR" smtClean="0">
+              <a:rPr lang="tr-TR">
                 <a:solidFill>
                   <a:srgbClr val="000000"/>
                 </a:solidFill>
@@ -3821,7 +3764,7 @@
           <p:cNvPr id="18" name="Title 1">
             <a:extLst>
               <a:ext uri="{FF2B5EF4-FFF2-40B4-BE49-F238E27FC236}">
-                <a16:creationId xmlns="" xmlns:a16="http://schemas.microsoft.com/office/drawing/2014/main" id="{1049E8DC-5F37-594E-BD4A-0E7E77983795}"/>
+                <a16:creationId xmlns:a16="http://schemas.microsoft.com/office/drawing/2014/main" id="{1049E8DC-5F37-594E-BD4A-0E7E77983795}"/>
               </a:ext>
             </a:extLst>
           </p:cNvPr>
@@ -3874,19 +3817,19 @@
               </a:lnSpc>
             </a:pPr>
             <a:r>
-              <a:rPr lang="en-US" sz="1600" smtClean="0">
+              <a:rPr lang="en-US" sz="1600">
                 <a:latin typeface="Consolas" panose="020B0609020204030204" pitchFamily="49" charset="0"/>
               </a:rPr>
               <a:t>esm_runscripts -e tutorial fesom_run_initial_monthly.yaml</a:t>
             </a:r>
             <a:r>
-              <a:rPr lang="tr-TR" sz="1600" smtClean="0">
+              <a:rPr lang="tr-TR" sz="1600">
                 <a:latin typeface="Consolas" panose="020B0609020204030204" pitchFamily="49" charset="0"/>
               </a:rPr>
               <a:t> </a:t>
             </a:r>
             <a:r>
-              <a:rPr lang="tr-TR" sz="1600" smtClean="0">
+              <a:rPr lang="tr-TR" sz="1600">
                 <a:solidFill>
                   <a:schemeClr val="accent2"/>
                 </a:solidFill>
@@ -3926,7 +3869,7 @@
           <a:p>
             <a:pPr algn="just"/>
             <a:r>
-              <a:rPr lang="tr-TR" smtClean="0">
+              <a:rPr lang="tr-TR">
                 <a:solidFill>
                   <a:srgbClr val="000000"/>
                 </a:solidFill>
@@ -3934,7 +3877,7 @@
               <a:t>You can also use </a:t>
             </a:r>
             <a:r>
-              <a:rPr lang="tr-TR" smtClean="0">
+              <a:rPr lang="tr-TR">
                 <a:solidFill>
                   <a:srgbClr val="000000"/>
                 </a:solidFill>
@@ -3943,7 +3886,7 @@
               <a:t>--update </a:t>
             </a:r>
             <a:r>
-              <a:rPr lang="tr-TR" smtClean="0">
+              <a:rPr lang="tr-TR">
                 <a:solidFill>
                   <a:srgbClr val="000000"/>
                 </a:solidFill>
@@ -4034,13 +3977,6 @@
   <p:clrMapOvr>
     <a:masterClrMapping/>
   </p:clrMapOvr>
-  <p:timing>
-    <p:tnLst>
-      <p:par>
-        <p:cTn id="1" dur="indefinite" restart="never" nodeType="tmRoot"/>
-      </p:par>
-    </p:tnLst>
-  </p:timing>
 </p:sld>
 </file>
 
@@ -4103,10 +4039,9 @@
           <a:lstStyle/>
           <a:p>
             <a:r>
-              <a:rPr lang="tr-TR" sz="4800" b="1" smtClean="0"/>
+              <a:rPr lang="tr-TR" sz="4800" b="1"/>
               <a:t>      Short Briefing</a:t>
             </a:r>
-            <a:endParaRPr lang="tr-TR" sz="4800" b="1"/>
           </a:p>
         </p:txBody>
       </p:sp>
@@ -4153,18 +4088,13 @@
           <a:p>
             <a:pPr algn="ctr"/>
             <a:r>
-              <a:rPr lang="tr-TR" sz="3600" b="1" smtClean="0">
+              <a:rPr lang="tr-TR" sz="3600" b="1">
                 <a:solidFill>
                   <a:srgbClr val="00ACE6"/>
                 </a:solidFill>
               </a:rPr>
               <a:t>5</a:t>
             </a:r>
-            <a:endParaRPr lang="tr-TR" sz="3600" b="1">
-              <a:solidFill>
-                <a:srgbClr val="00ACE6"/>
-              </a:solidFill>
-            </a:endParaRPr>
           </a:p>
         </p:txBody>
       </p:sp>
@@ -4266,16 +4196,8 @@
           <a:p>
             <a:pPr algn="just"/>
             <a:r>
-              <a:rPr lang="tr-TR" smtClean="0"/>
-              <a:t>FESOM </a:t>
-            </a:r>
-            <a:r>
               <a:rPr lang="tr-TR"/>
-              <a:t>is developed and supported at the Alfred Wegener Institute, Helmholtz Centre for Polar and Marine Research (AWI</a:t>
-            </a:r>
-            <a:r>
-              <a:rPr lang="tr-TR" smtClean="0"/>
-              <a:t>).</a:t>
+              <a:t>FESOM is developed and supported at the Alfred Wegener Institute, Helmholtz Centre for Polar and Marine Research (AWI).</a:t>
             </a:r>
           </a:p>
           <a:p>
@@ -4290,21 +4212,8 @@
                   <a:srgbClr val="00ACE6"/>
                 </a:solidFill>
               </a:rPr>
-              <a:t>https://fesom.de</a:t>
-            </a:r>
-            <a:r>
-              <a:rPr lang="tr-TR" smtClean="0">
-                <a:solidFill>
-                  <a:srgbClr val="00ACE6"/>
-                </a:solidFill>
-              </a:rPr>
-              <a:t>/</a:t>
-            </a:r>
-            <a:endParaRPr lang="tr-TR">
-              <a:solidFill>
-                <a:srgbClr val="00ACE6"/>
-              </a:solidFill>
-            </a:endParaRPr>
+              <a:t>https://fesom.de/</a:t>
+            </a:r>
           </a:p>
         </p:txBody>
       </p:sp>
@@ -4490,23 +4399,7 @@
                   <a:srgbClr val="000000"/>
                 </a:solidFill>
               </a:rPr>
-              <a:t>was initially used for experiments designed according to CORE II protocol. Later it become a basis mesh for climate </a:t>
-            </a:r>
-            <a:r>
-              <a:rPr lang="en-US" smtClean="0">
-                <a:solidFill>
-                  <a:srgbClr val="000000"/>
-                </a:solidFill>
-              </a:rPr>
-              <a:t>simulations </a:t>
-            </a:r>
-            <a:r>
-              <a:rPr lang="en-US">
-                <a:solidFill>
-                  <a:srgbClr val="000000"/>
-                </a:solidFill>
-              </a:rPr>
-              <a:t>with </a:t>
+              <a:t>was initially used for experiments designed according to CORE II protocol. Later it become a basis mesh for climate simulations with </a:t>
             </a:r>
             <a:r>
               <a:rPr lang="en-US" b="1">
@@ -4600,21 +4493,8 @@
             <a:pPr algn="ctr"/>
             <a:r>
               <a:rPr lang="tr-TR" sz="1000"/>
-              <a:t>2</a:t>
-            </a:r>
-            <a:r>
-              <a:rPr lang="tr-TR" sz="1000" smtClean="0"/>
-              <a:t> </a:t>
-            </a:r>
-            <a:r>
-              <a:rPr lang="tr-TR" sz="1000" smtClean="0"/>
-              <a:t>/ </a:t>
-            </a:r>
-            <a:r>
-              <a:rPr lang="tr-TR" sz="1000" smtClean="0"/>
-              <a:t>10</a:t>
-            </a:r>
-            <a:endParaRPr lang="tr-TR" sz="1000"/>
+              <a:t>2 / 10</a:t>
+            </a:r>
           </a:p>
         </p:txBody>
       </p:sp>
@@ -4628,13 +4508,6 @@
   <p:clrMapOvr>
     <a:masterClrMapping/>
   </p:clrMapOvr>
-  <p:timing>
-    <p:tnLst>
-      <p:par>
-        <p:cTn id="1" dur="indefinite" restart="never" nodeType="tmRoot"/>
-      </p:par>
-    </p:tnLst>
-  </p:timing>
 </p:sld>
 </file>
 
@@ -4688,22 +4561,13 @@
               </a:lnSpc>
             </a:pPr>
             <a:r>
-              <a:rPr lang="tr-TR" smtClean="0">
+              <a:rPr lang="tr-TR">
                 <a:solidFill>
                   <a:srgbClr val="657B83"/>
                 </a:solidFill>
                 <a:latin typeface="Consolas" panose="020B0609020204030204" pitchFamily="49" charset="0"/>
               </a:rPr>
-              <a:t>mkdir </a:t>
-            </a:r>
-            <a:r>
-              <a:rPr lang="tr-TR">
-                <a:solidFill>
-                  <a:srgbClr val="657B83"/>
-                </a:solidFill>
-                <a:latin typeface="Consolas" panose="020B0609020204030204" pitchFamily="49" charset="0"/>
-              </a:rPr>
-              <a:t>Workshop</a:t>
+              <a:t>mkdir Workshop</a:t>
             </a:r>
           </a:p>
           <a:p>
@@ -4815,15 +4679,6 @@
                 <a:spcPct val="150000"/>
               </a:lnSpc>
             </a:pPr>
-            <a:r>
-              <a:rPr lang="tr-TR">
-                <a:solidFill>
-                  <a:srgbClr val="657B83"/>
-                </a:solidFill>
-                <a:latin typeface="Consolas" panose="020B0609020204030204" pitchFamily="49" charset="0"/>
-              </a:rPr>
-              <a:t/>
-            </a:r>
             <a:br>
               <a:rPr lang="tr-TR">
                 <a:solidFill>
@@ -4949,10 +4804,9 @@
           <a:lstStyle/>
           <a:p>
             <a:r>
-              <a:rPr lang="tr-TR" sz="4800" b="1" smtClean="0"/>
+              <a:rPr lang="tr-TR" sz="4800" b="1"/>
               <a:t>      Installing FESOM2 using ESM-Tools</a:t>
             </a:r>
-            <a:endParaRPr lang="tr-TR" sz="4800" b="1"/>
           </a:p>
         </p:txBody>
       </p:sp>
@@ -4999,18 +4853,13 @@
           <a:p>
             <a:pPr algn="ctr"/>
             <a:r>
-              <a:rPr lang="tr-TR" sz="3600" b="1" smtClean="0">
+              <a:rPr lang="tr-TR" sz="3600" b="1">
                 <a:solidFill>
                   <a:srgbClr val="00ACE6"/>
                 </a:solidFill>
               </a:rPr>
               <a:t>5</a:t>
             </a:r>
-            <a:endParaRPr lang="tr-TR" sz="3600" b="1">
-              <a:solidFill>
-                <a:srgbClr val="00ACE6"/>
-              </a:solidFill>
-            </a:endParaRPr>
           </a:p>
         </p:txBody>
       </p:sp>
@@ -5070,21 +4919,8 @@
             <a:pPr algn="ctr"/>
             <a:r>
               <a:rPr lang="tr-TR" sz="1000"/>
-              <a:t>3</a:t>
-            </a:r>
-            <a:r>
-              <a:rPr lang="tr-TR" sz="1000" smtClean="0"/>
-              <a:t> </a:t>
-            </a:r>
-            <a:r>
-              <a:rPr lang="tr-TR" sz="1000" smtClean="0"/>
-              <a:t>/ </a:t>
-            </a:r>
-            <a:r>
-              <a:rPr lang="tr-TR" sz="1000" smtClean="0"/>
-              <a:t>10</a:t>
-            </a:r>
-            <a:endParaRPr lang="tr-TR" sz="1000"/>
+              <a:t>3 / 10</a:t>
+            </a:r>
           </a:p>
         </p:txBody>
       </p:sp>
@@ -5141,18 +4977,13 @@
           <a:lstStyle/>
           <a:p>
             <a:r>
-              <a:rPr lang="tr-TR" smtClean="0">
+              <a:rPr lang="tr-TR">
                 <a:solidFill>
                   <a:srgbClr val="FF0000"/>
                 </a:solidFill>
               </a:rPr>
               <a:t>Please don’t install model codes or write runscripts inside the ESM-Tools repository.</a:t>
             </a:r>
-            <a:endParaRPr lang="tr-TR">
-              <a:solidFill>
-                <a:srgbClr val="FF0000"/>
-              </a:solidFill>
-            </a:endParaRPr>
           </a:p>
         </p:txBody>
       </p:sp>
@@ -5198,7 +5029,7 @@
               </a:lnSpc>
             </a:pPr>
             <a:r>
-              <a:rPr lang="tr-TR" sz="1600" b="1" u="sng" smtClean="0">
+              <a:rPr lang="tr-TR" sz="1600" b="1" u="sng">
                 <a:solidFill>
                   <a:srgbClr val="586E75"/>
                 </a:solidFill>
@@ -5216,34 +5047,14 @@
               <a:buChar char="-"/>
             </a:pPr>
             <a:r>
-              <a:rPr lang="tr-TR" sz="1600" smtClean="0">
+              <a:rPr lang="tr-TR" sz="1600">
                 <a:solidFill>
                   <a:srgbClr val="586E75"/>
                 </a:solidFill>
                 <a:effectLst/>
                 <a:latin typeface="Bradley Hand ITC" panose="03070402050302030203" pitchFamily="66" charset="0"/>
               </a:rPr>
-              <a:t>install </a:t>
-            </a:r>
-            <a:r>
-              <a:rPr lang="tr-TR" sz="1600" smtClean="0">
-                <a:solidFill>
-                  <a:srgbClr val="586E75"/>
-                </a:solidFill>
-                <a:effectLst/>
-                <a:latin typeface="Bradley Hand ITC" panose="03070402050302030203" pitchFamily="66" charset="0"/>
-              </a:rPr>
-              <a:t>Fesom </a:t>
-            </a:r>
-            <a:r>
-              <a:rPr lang="tr-TR" sz="1600" smtClean="0">
-                <a:solidFill>
-                  <a:srgbClr val="586E75"/>
-                </a:solidFill>
-                <a:effectLst/>
-                <a:latin typeface="Bradley Hand ITC" panose="03070402050302030203" pitchFamily="66" charset="0"/>
-              </a:rPr>
-              <a:t>&amp; verify</a:t>
+              <a:t>install Fesom &amp; verify</a:t>
             </a:r>
           </a:p>
           <a:p>
@@ -5255,7 +5066,7 @@
               <a:buChar char="-"/>
             </a:pPr>
             <a:r>
-              <a:rPr lang="tr-TR" sz="1600" smtClean="0">
+              <a:rPr lang="tr-TR" sz="1600">
                 <a:solidFill>
                   <a:srgbClr val="586E75"/>
                 </a:solidFill>
@@ -5273,7 +5084,7 @@
               <a:buChar char="-"/>
             </a:pPr>
             <a:r>
-              <a:rPr lang="tr-TR" sz="1600" smtClean="0">
+              <a:rPr lang="tr-TR" sz="1600">
                 <a:solidFill>
                   <a:srgbClr val="586E75"/>
                 </a:solidFill>
@@ -5292,29 +5103,14 @@
               <a:buChar char="-"/>
             </a:pPr>
             <a:r>
-              <a:rPr lang="tr-TR" sz="1600" smtClean="0">
+              <a:rPr lang="tr-TR" sz="1600">
                 <a:solidFill>
                   <a:srgbClr val="586E75"/>
                 </a:solidFill>
                 <a:latin typeface="Bradley Hand ITC" panose="03070402050302030203" pitchFamily="66" charset="0"/>
               </a:rPr>
-              <a:t>run </a:t>
-            </a:r>
-            <a:r>
-              <a:rPr lang="tr-TR" sz="1600" smtClean="0">
-                <a:solidFill>
-                  <a:srgbClr val="586E75"/>
-                </a:solidFill>
-                <a:latin typeface="Bradley Hand ITC" panose="03070402050302030203" pitchFamily="66" charset="0"/>
-              </a:rPr>
-              <a:t>FESOM</a:t>
-            </a:r>
-            <a:endParaRPr lang="tr-TR" sz="1600" smtClean="0">
-              <a:solidFill>
-                <a:srgbClr val="586E75"/>
-              </a:solidFill>
-              <a:latin typeface="Bradley Hand ITC" panose="03070402050302030203" pitchFamily="66" charset="0"/>
-            </a:endParaRPr>
+              <a:t>run FESOM</a:t>
+            </a:r>
           </a:p>
           <a:p>
             <a:pPr marL="285750" indent="-285750">
@@ -5325,7 +5121,7 @@
               <a:buChar char="-"/>
             </a:pPr>
             <a:r>
-              <a:rPr lang="tr-TR" sz="1600" smtClean="0">
+              <a:rPr lang="tr-TR" sz="1600">
                 <a:solidFill>
                   <a:srgbClr val="586E75"/>
                 </a:solidFill>
@@ -5344,22 +5140,13 @@
               <a:buChar char="-"/>
             </a:pPr>
             <a:r>
-              <a:rPr lang="tr-TR" sz="1600" smtClean="0">
+              <a:rPr lang="tr-TR" sz="1600">
                 <a:solidFill>
                   <a:srgbClr val="586E75"/>
                 </a:solidFill>
                 <a:latin typeface="Bradley Hand ITC" panose="03070402050302030203" pitchFamily="66" charset="0"/>
               </a:rPr>
-              <a:t>[HW] </a:t>
-            </a:r>
-            <a:r>
-              <a:rPr lang="tr-TR" sz="1600" smtClean="0">
-                <a:solidFill>
-                  <a:srgbClr val="586E75"/>
-                </a:solidFill>
-                <a:latin typeface="Bradley Hand ITC" panose="03070402050302030203" pitchFamily="66" charset="0"/>
-              </a:rPr>
-              <a:t>visualize output: pyfesom2</a:t>
+              <a:t>[HW] visualize output: pyfesom2</a:t>
             </a:r>
             <a:endParaRPr lang="tr-TR" sz="1600">
               <a:solidFill>
@@ -5381,13 +5168,6 @@
   <p:clrMapOvr>
     <a:masterClrMapping/>
   </p:clrMapOvr>
-  <p:timing>
-    <p:tnLst>
-      <p:par>
-        <p:cTn id="1" dur="indefinite" restart="never" nodeType="tmRoot"/>
-      </p:par>
-    </p:tnLst>
-  </p:timing>
 </p:sld>
 </file>
 
@@ -5413,7 +5193,7 @@
           <p:cNvPr id="2" name="Title 1">
             <a:extLst>
               <a:ext uri="{FF2B5EF4-FFF2-40B4-BE49-F238E27FC236}">
-                <a16:creationId xmlns="" xmlns:a16="http://schemas.microsoft.com/office/drawing/2014/main" id="{C34CAF2C-5DD6-794F-AE09-E05723759005}"/>
+                <a16:creationId xmlns:a16="http://schemas.microsoft.com/office/drawing/2014/main" id="{C34CAF2C-5DD6-794F-AE09-E05723759005}"/>
               </a:ext>
             </a:extLst>
           </p:cNvPr>
@@ -5441,7 +5221,7 @@
           <p:cNvPr id="40" name="Group 39">
             <a:extLst>
               <a:ext uri="{FF2B5EF4-FFF2-40B4-BE49-F238E27FC236}">
-                <a16:creationId xmlns="" xmlns:a16="http://schemas.microsoft.com/office/drawing/2014/main" id="{B90FDCAD-EC0D-E444-91BE-88C9BA56857D}"/>
+                <a16:creationId xmlns:a16="http://schemas.microsoft.com/office/drawing/2014/main" id="{B90FDCAD-EC0D-E444-91BE-88C9BA56857D}"/>
               </a:ext>
             </a:extLst>
           </p:cNvPr>
@@ -5461,7 +5241,7 @@
             <p:cNvPr id="5" name="TextBox 4">
               <a:extLst>
                 <a:ext uri="{FF2B5EF4-FFF2-40B4-BE49-F238E27FC236}">
-                  <a16:creationId xmlns="" xmlns:a16="http://schemas.microsoft.com/office/drawing/2014/main" id="{5FA700C0-B29D-8744-8841-0217243C87CC}"/>
+                  <a16:creationId xmlns:a16="http://schemas.microsoft.com/office/drawing/2014/main" id="{5FA700C0-B29D-8744-8841-0217243C87CC}"/>
                 </a:ext>
               </a:extLst>
             </p:cNvPr>
@@ -5488,7 +5268,7 @@
             <a:p>
               <a:pPr algn="ctr"/>
               <a:r>
-                <a:rPr lang="en-US" sz="1400" smtClean="0">
+                <a:rPr lang="en-US" sz="1400">
                   <a:solidFill>
                     <a:prstClr val="black"/>
                   </a:solidFill>
@@ -5497,7 +5277,7 @@
                 <a:t>config</a:t>
               </a:r>
               <a:r>
-                <a:rPr lang="tr-TR" sz="1400" smtClean="0">
+                <a:rPr lang="tr-TR" sz="1400">
                   <a:solidFill>
                     <a:prstClr val="black"/>
                   </a:solidFill>
@@ -5519,7 +5299,7 @@
             <p:cNvPr id="6" name="TextBox 5">
               <a:extLst>
                 <a:ext uri="{FF2B5EF4-FFF2-40B4-BE49-F238E27FC236}">
-                  <a16:creationId xmlns="" xmlns:a16="http://schemas.microsoft.com/office/drawing/2014/main" id="{68BDDE2C-6AE8-BD47-B13E-2C17D30237B8}"/>
+                  <a16:creationId xmlns:a16="http://schemas.microsoft.com/office/drawing/2014/main" id="{68BDDE2C-6AE8-BD47-B13E-2C17D30237B8}"/>
                 </a:ext>
               </a:extLst>
             </p:cNvPr>
@@ -5546,7 +5326,7 @@
             <a:p>
               <a:pPr algn="ctr"/>
               <a:r>
-                <a:rPr lang="en-US" sz="1400" smtClean="0">
+                <a:rPr lang="en-US" sz="1400">
                   <a:solidFill>
                     <a:prstClr val="black"/>
                   </a:solidFill>
@@ -5555,7 +5335,7 @@
                 <a:t>analysis</a:t>
               </a:r>
               <a:r>
-                <a:rPr lang="tr-TR" sz="1400" smtClean="0">
+                <a:rPr lang="tr-TR" sz="1400">
                   <a:solidFill>
                     <a:prstClr val="black"/>
                   </a:solidFill>
@@ -5577,7 +5357,7 @@
             <p:cNvPr id="7" name="TextBox 6">
               <a:extLst>
                 <a:ext uri="{FF2B5EF4-FFF2-40B4-BE49-F238E27FC236}">
-                  <a16:creationId xmlns="" xmlns:a16="http://schemas.microsoft.com/office/drawing/2014/main" id="{3515CAE6-F7B2-D64B-AD37-681245F7EA8B}"/>
+                  <a16:creationId xmlns:a16="http://schemas.microsoft.com/office/drawing/2014/main" id="{3515CAE6-F7B2-D64B-AD37-681245F7EA8B}"/>
                 </a:ext>
               </a:extLst>
             </p:cNvPr>
@@ -5604,7 +5384,7 @@
             <a:p>
               <a:pPr algn="ctr"/>
               <a:r>
-                <a:rPr lang="en-US" sz="1400" smtClean="0">
+                <a:rPr lang="en-US" sz="1400">
                   <a:solidFill>
                     <a:prstClr val="black"/>
                   </a:solidFill>
@@ -5613,7 +5393,7 @@
                 <a:t>bin</a:t>
               </a:r>
               <a:r>
-                <a:rPr lang="tr-TR" sz="1400" smtClean="0">
+                <a:rPr lang="tr-TR" sz="1400">
                   <a:solidFill>
                     <a:prstClr val="black"/>
                   </a:solidFill>
@@ -5635,7 +5415,7 @@
             <p:cNvPr id="8" name="TextBox 7">
               <a:extLst>
                 <a:ext uri="{FF2B5EF4-FFF2-40B4-BE49-F238E27FC236}">
-                  <a16:creationId xmlns="" xmlns:a16="http://schemas.microsoft.com/office/drawing/2014/main" id="{0309B048-4601-554B-B819-5E424D3EA82B}"/>
+                  <a16:creationId xmlns:a16="http://schemas.microsoft.com/office/drawing/2014/main" id="{0309B048-4601-554B-B819-5E424D3EA82B}"/>
                 </a:ext>
               </a:extLst>
             </p:cNvPr>
@@ -5662,7 +5442,7 @@
             <a:p>
               <a:pPr algn="ctr"/>
               <a:r>
-                <a:rPr lang="en-US" sz="1400" smtClean="0">
+                <a:rPr lang="en-US" sz="1400">
                   <a:solidFill>
                     <a:prstClr val="black"/>
                   </a:solidFill>
@@ -5671,7 +5451,7 @@
                 <a:t>couple</a:t>
               </a:r>
               <a:r>
-                <a:rPr lang="tr-TR" sz="1400" smtClean="0">
+                <a:rPr lang="tr-TR" sz="1400">
                   <a:solidFill>
                     <a:prstClr val="black"/>
                   </a:solidFill>
@@ -5693,7 +5473,7 @@
             <p:cNvPr id="9" name="TextBox 8">
               <a:extLst>
                 <a:ext uri="{FF2B5EF4-FFF2-40B4-BE49-F238E27FC236}">
-                  <a16:creationId xmlns="" xmlns:a16="http://schemas.microsoft.com/office/drawing/2014/main" id="{27023699-3F88-844F-BB2C-08C957E4445B}"/>
+                  <a16:creationId xmlns:a16="http://schemas.microsoft.com/office/drawing/2014/main" id="{27023699-3F88-844F-BB2C-08C957E4445B}"/>
                 </a:ext>
               </a:extLst>
             </p:cNvPr>
@@ -5720,7 +5500,7 @@
             <a:p>
               <a:pPr algn="ctr"/>
               <a:r>
-                <a:rPr lang="en-US" sz="1400" smtClean="0">
+                <a:rPr lang="en-US" sz="1400">
                   <a:solidFill>
                     <a:prstClr val="black"/>
                   </a:solidFill>
@@ -5729,7 +5509,7 @@
                 <a:t>forcing</a:t>
               </a:r>
               <a:r>
-                <a:rPr lang="tr-TR" sz="1400" smtClean="0">
+                <a:rPr lang="tr-TR" sz="1400">
                   <a:solidFill>
                     <a:prstClr val="black"/>
                   </a:solidFill>
@@ -5751,7 +5531,7 @@
             <p:cNvPr id="10" name="TextBox 9">
               <a:extLst>
                 <a:ext uri="{FF2B5EF4-FFF2-40B4-BE49-F238E27FC236}">
-                  <a16:creationId xmlns="" xmlns:a16="http://schemas.microsoft.com/office/drawing/2014/main" id="{205BB8F7-9915-594A-A99D-719AF5D5B99F}"/>
+                  <a16:creationId xmlns:a16="http://schemas.microsoft.com/office/drawing/2014/main" id="{205BB8F7-9915-594A-A99D-719AF5D5B99F}"/>
                 </a:ext>
               </a:extLst>
             </p:cNvPr>
@@ -5778,7 +5558,7 @@
             <a:p>
               <a:pPr algn="ctr"/>
               <a:r>
-                <a:rPr lang="en-US" sz="1400" smtClean="0">
+                <a:rPr lang="en-US" sz="1400">
                   <a:solidFill>
                     <a:prstClr val="black"/>
                   </a:solidFill>
@@ -5787,7 +5567,7 @@
                 <a:t>input</a:t>
               </a:r>
               <a:r>
-                <a:rPr lang="tr-TR" sz="1400" smtClean="0">
+                <a:rPr lang="tr-TR" sz="1400">
                   <a:solidFill>
                     <a:prstClr val="black"/>
                   </a:solidFill>
@@ -5809,7 +5589,7 @@
             <p:cNvPr id="11" name="TextBox 10">
               <a:extLst>
                 <a:ext uri="{FF2B5EF4-FFF2-40B4-BE49-F238E27FC236}">
-                  <a16:creationId xmlns="" xmlns:a16="http://schemas.microsoft.com/office/drawing/2014/main" id="{B811468F-4AA6-6747-97E3-F3F0347D1E87}"/>
+                  <a16:creationId xmlns:a16="http://schemas.microsoft.com/office/drawing/2014/main" id="{B811468F-4AA6-6747-97E3-F3F0347D1E87}"/>
                 </a:ext>
               </a:extLst>
             </p:cNvPr>
@@ -5836,7 +5616,7 @@
             <a:p>
               <a:pPr algn="ctr"/>
               <a:r>
-                <a:rPr lang="en-US" sz="1400" smtClean="0">
+                <a:rPr lang="en-US" sz="1400">
                   <a:solidFill>
                     <a:prstClr val="black"/>
                   </a:solidFill>
@@ -5845,7 +5625,7 @@
                 <a:t>run_DATE</a:t>
               </a:r>
               <a:r>
-                <a:rPr lang="tr-TR" sz="1400" smtClean="0">
+                <a:rPr lang="tr-TR" sz="1400">
                   <a:solidFill>
                     <a:prstClr val="black"/>
                   </a:solidFill>
@@ -5867,7 +5647,7 @@
             <p:cNvPr id="12" name="TextBox 11">
               <a:extLst>
                 <a:ext uri="{FF2B5EF4-FFF2-40B4-BE49-F238E27FC236}">
-                  <a16:creationId xmlns="" xmlns:a16="http://schemas.microsoft.com/office/drawing/2014/main" id="{3454597B-E00D-C34E-B855-69BF54F50B79}"/>
+                  <a16:creationId xmlns:a16="http://schemas.microsoft.com/office/drawing/2014/main" id="{3454597B-E00D-C34E-B855-69BF54F50B79}"/>
                 </a:ext>
               </a:extLst>
             </p:cNvPr>
@@ -5910,7 +5690,7 @@
             <p:cNvPr id="13" name="TextBox 12">
               <a:extLst>
                 <a:ext uri="{FF2B5EF4-FFF2-40B4-BE49-F238E27FC236}">
-                  <a16:creationId xmlns="" xmlns:a16="http://schemas.microsoft.com/office/drawing/2014/main" id="{55C6F5D3-28D0-FC48-8D25-993234BD60D5}"/>
+                  <a16:creationId xmlns:a16="http://schemas.microsoft.com/office/drawing/2014/main" id="{55C6F5D3-28D0-FC48-8D25-993234BD60D5}"/>
                 </a:ext>
               </a:extLst>
             </p:cNvPr>
@@ -5937,7 +5717,7 @@
             <a:p>
               <a:pPr algn="ctr"/>
               <a:r>
-                <a:rPr lang="en-US" sz="1400" smtClean="0">
+                <a:rPr lang="en-US" sz="1400">
                   <a:solidFill>
                     <a:prstClr val="black"/>
                   </a:solidFill>
@@ -5946,7 +5726,7 @@
                 <a:t>outdata</a:t>
               </a:r>
               <a:r>
-                <a:rPr lang="tr-TR" sz="1400" smtClean="0">
+                <a:rPr lang="tr-TR" sz="1400">
                   <a:solidFill>
                     <a:prstClr val="black"/>
                   </a:solidFill>
@@ -5968,7 +5748,7 @@
             <p:cNvPr id="14" name="TextBox 13">
               <a:extLst>
                 <a:ext uri="{FF2B5EF4-FFF2-40B4-BE49-F238E27FC236}">
-                  <a16:creationId xmlns="" xmlns:a16="http://schemas.microsoft.com/office/drawing/2014/main" id="{35CC1ED3-2C06-1D45-81C4-83D9B46A0579}"/>
+                  <a16:creationId xmlns:a16="http://schemas.microsoft.com/office/drawing/2014/main" id="{35CC1ED3-2C06-1D45-81C4-83D9B46A0579}"/>
                 </a:ext>
               </a:extLst>
             </p:cNvPr>
@@ -5995,7 +5775,7 @@
             <a:p>
               <a:pPr algn="ctr"/>
               <a:r>
-                <a:rPr lang="en-US" sz="1400" smtClean="0">
+                <a:rPr lang="en-US" sz="1400">
                   <a:solidFill>
                     <a:prstClr val="black"/>
                   </a:solidFill>
@@ -6004,7 +5784,7 @@
                 <a:t>unknown</a:t>
               </a:r>
               <a:r>
-                <a:rPr lang="tr-TR" sz="1400" smtClean="0">
+                <a:rPr lang="tr-TR" sz="1400">
                   <a:solidFill>
                     <a:prstClr val="black"/>
                   </a:solidFill>
@@ -6027,7 +5807,7 @@
           <p:cNvPr id="15" name="TextBox 14">
             <a:extLst>
               <a:ext uri="{FF2B5EF4-FFF2-40B4-BE49-F238E27FC236}">
-                <a16:creationId xmlns="" xmlns:a16="http://schemas.microsoft.com/office/drawing/2014/main" id="{A2F89D73-C95F-E943-9A62-EDFFF37F37C8}"/>
+                <a16:creationId xmlns:a16="http://schemas.microsoft.com/office/drawing/2014/main" id="{A2F89D73-C95F-E943-9A62-EDFFF37F37C8}"/>
               </a:ext>
             </a:extLst>
           </p:cNvPr>
@@ -6103,10 +5883,9 @@
           <a:lstStyle/>
           <a:p>
             <a:r>
-              <a:rPr lang="tr-TR" sz="4800" b="1" smtClean="0"/>
+              <a:rPr lang="tr-TR" sz="4800" b="1"/>
               <a:t>      Folder Structure</a:t>
             </a:r>
-            <a:endParaRPr lang="tr-TR" sz="4800" b="1"/>
           </a:p>
         </p:txBody>
       </p:sp>
@@ -6219,21 +5998,8 @@
             <a:pPr algn="ctr"/>
             <a:r>
               <a:rPr lang="tr-TR" sz="1000"/>
-              <a:t>4</a:t>
-            </a:r>
-            <a:r>
-              <a:rPr lang="tr-TR" sz="1000" smtClean="0"/>
-              <a:t> </a:t>
-            </a:r>
-            <a:r>
-              <a:rPr lang="tr-TR" sz="1000" smtClean="0"/>
-              <a:t>/ </a:t>
-            </a:r>
-            <a:r>
-              <a:rPr lang="tr-TR" sz="1000" smtClean="0"/>
-              <a:t>10</a:t>
-            </a:r>
-            <a:endParaRPr lang="tr-TR" sz="1000"/>
+              <a:t>4 / 10</a:t>
+            </a:r>
           </a:p>
         </p:txBody>
       </p:sp>
@@ -6247,13 +6013,6 @@
   <p:clrMapOvr>
     <a:masterClrMapping/>
   </p:clrMapOvr>
-  <p:timing>
-    <p:tnLst>
-      <p:par>
-        <p:cTn id="1" dur="indefinite" restart="never" nodeType="tmRoot"/>
-      </p:par>
-    </p:tnLst>
-  </p:timing>
 </p:sld>
 </file>
 
@@ -6279,7 +6038,7 @@
           <p:cNvPr id="2" name="Title 1">
             <a:extLst>
               <a:ext uri="{FF2B5EF4-FFF2-40B4-BE49-F238E27FC236}">
-                <a16:creationId xmlns="" xmlns:a16="http://schemas.microsoft.com/office/drawing/2014/main" id="{C34CAF2C-5DD6-794F-AE09-E05723759005}"/>
+                <a16:creationId xmlns:a16="http://schemas.microsoft.com/office/drawing/2014/main" id="{C34CAF2C-5DD6-794F-AE09-E05723759005}"/>
               </a:ext>
             </a:extLst>
           </p:cNvPr>
@@ -6307,7 +6066,7 @@
           <p:cNvPr id="40" name="Group 39">
             <a:extLst>
               <a:ext uri="{FF2B5EF4-FFF2-40B4-BE49-F238E27FC236}">
-                <a16:creationId xmlns="" xmlns:a16="http://schemas.microsoft.com/office/drawing/2014/main" id="{B90FDCAD-EC0D-E444-91BE-88C9BA56857D}"/>
+                <a16:creationId xmlns:a16="http://schemas.microsoft.com/office/drawing/2014/main" id="{B90FDCAD-EC0D-E444-91BE-88C9BA56857D}"/>
               </a:ext>
             </a:extLst>
           </p:cNvPr>
@@ -6327,7 +6086,7 @@
             <p:cNvPr id="5" name="TextBox 4">
               <a:extLst>
                 <a:ext uri="{FF2B5EF4-FFF2-40B4-BE49-F238E27FC236}">
-                  <a16:creationId xmlns="" xmlns:a16="http://schemas.microsoft.com/office/drawing/2014/main" id="{5FA700C0-B29D-8744-8841-0217243C87CC}"/>
+                  <a16:creationId xmlns:a16="http://schemas.microsoft.com/office/drawing/2014/main" id="{5FA700C0-B29D-8744-8841-0217243C87CC}"/>
                 </a:ext>
               </a:extLst>
             </p:cNvPr>
@@ -6354,7 +6113,7 @@
             <a:p>
               <a:pPr algn="ctr"/>
               <a:r>
-                <a:rPr lang="en-US" sz="1400" smtClean="0">
+                <a:rPr lang="en-US" sz="1400">
                   <a:solidFill>
                     <a:prstClr val="black"/>
                   </a:solidFill>
@@ -6363,7 +6122,7 @@
                 <a:t>config</a:t>
               </a:r>
               <a:r>
-                <a:rPr lang="tr-TR" sz="1400" smtClean="0">
+                <a:rPr lang="tr-TR" sz="1400">
                   <a:solidFill>
                     <a:prstClr val="black"/>
                   </a:solidFill>
@@ -6385,7 +6144,7 @@
             <p:cNvPr id="6" name="TextBox 5">
               <a:extLst>
                 <a:ext uri="{FF2B5EF4-FFF2-40B4-BE49-F238E27FC236}">
-                  <a16:creationId xmlns="" xmlns:a16="http://schemas.microsoft.com/office/drawing/2014/main" id="{68BDDE2C-6AE8-BD47-B13E-2C17D30237B8}"/>
+                  <a16:creationId xmlns:a16="http://schemas.microsoft.com/office/drawing/2014/main" id="{68BDDE2C-6AE8-BD47-B13E-2C17D30237B8}"/>
                 </a:ext>
               </a:extLst>
             </p:cNvPr>
@@ -6412,7 +6171,7 @@
             <a:p>
               <a:pPr algn="ctr"/>
               <a:r>
-                <a:rPr lang="en-US" sz="1400" smtClean="0">
+                <a:rPr lang="en-US" sz="1400">
                   <a:solidFill>
                     <a:prstClr val="black"/>
                   </a:solidFill>
@@ -6421,7 +6180,7 @@
                 <a:t>analysis</a:t>
               </a:r>
               <a:r>
-                <a:rPr lang="tr-TR" sz="1400" smtClean="0">
+                <a:rPr lang="tr-TR" sz="1400">
                   <a:solidFill>
                     <a:prstClr val="black"/>
                   </a:solidFill>
@@ -6443,7 +6202,7 @@
             <p:cNvPr id="7" name="TextBox 6">
               <a:extLst>
                 <a:ext uri="{FF2B5EF4-FFF2-40B4-BE49-F238E27FC236}">
-                  <a16:creationId xmlns="" xmlns:a16="http://schemas.microsoft.com/office/drawing/2014/main" id="{3515CAE6-F7B2-D64B-AD37-681245F7EA8B}"/>
+                  <a16:creationId xmlns:a16="http://schemas.microsoft.com/office/drawing/2014/main" id="{3515CAE6-F7B2-D64B-AD37-681245F7EA8B}"/>
                 </a:ext>
               </a:extLst>
             </p:cNvPr>
@@ -6470,7 +6229,7 @@
             <a:p>
               <a:pPr algn="ctr"/>
               <a:r>
-                <a:rPr lang="en-US" sz="1400" smtClean="0">
+                <a:rPr lang="en-US" sz="1400">
                   <a:solidFill>
                     <a:prstClr val="black"/>
                   </a:solidFill>
@@ -6479,7 +6238,7 @@
                 <a:t>bin</a:t>
               </a:r>
               <a:r>
-                <a:rPr lang="tr-TR" sz="1400" smtClean="0">
+                <a:rPr lang="tr-TR" sz="1400">
                   <a:solidFill>
                     <a:prstClr val="black"/>
                   </a:solidFill>
@@ -6501,7 +6260,7 @@
             <p:cNvPr id="8" name="TextBox 7">
               <a:extLst>
                 <a:ext uri="{FF2B5EF4-FFF2-40B4-BE49-F238E27FC236}">
-                  <a16:creationId xmlns="" xmlns:a16="http://schemas.microsoft.com/office/drawing/2014/main" id="{0309B048-4601-554B-B819-5E424D3EA82B}"/>
+                  <a16:creationId xmlns:a16="http://schemas.microsoft.com/office/drawing/2014/main" id="{0309B048-4601-554B-B819-5E424D3EA82B}"/>
                 </a:ext>
               </a:extLst>
             </p:cNvPr>
@@ -6528,7 +6287,7 @@
             <a:p>
               <a:pPr algn="ctr"/>
               <a:r>
-                <a:rPr lang="en-US" sz="1400" smtClean="0">
+                <a:rPr lang="en-US" sz="1400">
                   <a:solidFill>
                     <a:prstClr val="black"/>
                   </a:solidFill>
@@ -6537,7 +6296,7 @@
                 <a:t>couple</a:t>
               </a:r>
               <a:r>
-                <a:rPr lang="tr-TR" sz="1400" smtClean="0">
+                <a:rPr lang="tr-TR" sz="1400">
                   <a:solidFill>
                     <a:prstClr val="black"/>
                   </a:solidFill>
@@ -6559,7 +6318,7 @@
             <p:cNvPr id="9" name="TextBox 8">
               <a:extLst>
                 <a:ext uri="{FF2B5EF4-FFF2-40B4-BE49-F238E27FC236}">
-                  <a16:creationId xmlns="" xmlns:a16="http://schemas.microsoft.com/office/drawing/2014/main" id="{27023699-3F88-844F-BB2C-08C957E4445B}"/>
+                  <a16:creationId xmlns:a16="http://schemas.microsoft.com/office/drawing/2014/main" id="{27023699-3F88-844F-BB2C-08C957E4445B}"/>
                 </a:ext>
               </a:extLst>
             </p:cNvPr>
@@ -6586,7 +6345,7 @@
             <a:p>
               <a:pPr algn="ctr"/>
               <a:r>
-                <a:rPr lang="en-US" sz="1400" smtClean="0">
+                <a:rPr lang="en-US" sz="1400">
                   <a:solidFill>
                     <a:prstClr val="black"/>
                   </a:solidFill>
@@ -6595,7 +6354,7 @@
                 <a:t>forcing</a:t>
               </a:r>
               <a:r>
-                <a:rPr lang="tr-TR" sz="1400" smtClean="0">
+                <a:rPr lang="tr-TR" sz="1400">
                   <a:solidFill>
                     <a:prstClr val="black"/>
                   </a:solidFill>
@@ -6617,7 +6376,7 @@
             <p:cNvPr id="10" name="TextBox 9">
               <a:extLst>
                 <a:ext uri="{FF2B5EF4-FFF2-40B4-BE49-F238E27FC236}">
-                  <a16:creationId xmlns="" xmlns:a16="http://schemas.microsoft.com/office/drawing/2014/main" id="{205BB8F7-9915-594A-A99D-719AF5D5B99F}"/>
+                  <a16:creationId xmlns:a16="http://schemas.microsoft.com/office/drawing/2014/main" id="{205BB8F7-9915-594A-A99D-719AF5D5B99F}"/>
                 </a:ext>
               </a:extLst>
             </p:cNvPr>
@@ -6644,7 +6403,7 @@
             <a:p>
               <a:pPr algn="ctr"/>
               <a:r>
-                <a:rPr lang="en-US" sz="1400" smtClean="0">
+                <a:rPr lang="en-US" sz="1400">
                   <a:solidFill>
                     <a:prstClr val="black"/>
                   </a:solidFill>
@@ -6653,7 +6412,7 @@
                 <a:t>input</a:t>
               </a:r>
               <a:r>
-                <a:rPr lang="tr-TR" sz="1400" smtClean="0">
+                <a:rPr lang="tr-TR" sz="1400">
                   <a:solidFill>
                     <a:prstClr val="black"/>
                   </a:solidFill>
@@ -6675,7 +6434,7 @@
             <p:cNvPr id="11" name="TextBox 10">
               <a:extLst>
                 <a:ext uri="{FF2B5EF4-FFF2-40B4-BE49-F238E27FC236}">
-                  <a16:creationId xmlns="" xmlns:a16="http://schemas.microsoft.com/office/drawing/2014/main" id="{B811468F-4AA6-6747-97E3-F3F0347D1E87}"/>
+                  <a16:creationId xmlns:a16="http://schemas.microsoft.com/office/drawing/2014/main" id="{B811468F-4AA6-6747-97E3-F3F0347D1E87}"/>
                 </a:ext>
               </a:extLst>
             </p:cNvPr>
@@ -6702,7 +6461,7 @@
             <a:p>
               <a:pPr algn="ctr"/>
               <a:r>
-                <a:rPr lang="en-US" sz="1400" smtClean="0">
+                <a:rPr lang="en-US" sz="1400">
                   <a:solidFill>
                     <a:prstClr val="black"/>
                   </a:solidFill>
@@ -6711,7 +6470,7 @@
                 <a:t>run_DATE</a:t>
               </a:r>
               <a:r>
-                <a:rPr lang="tr-TR" sz="1400" smtClean="0">
+                <a:rPr lang="tr-TR" sz="1400">
                   <a:solidFill>
                     <a:prstClr val="black"/>
                   </a:solidFill>
@@ -6733,7 +6492,7 @@
             <p:cNvPr id="12" name="TextBox 11">
               <a:extLst>
                 <a:ext uri="{FF2B5EF4-FFF2-40B4-BE49-F238E27FC236}">
-                  <a16:creationId xmlns="" xmlns:a16="http://schemas.microsoft.com/office/drawing/2014/main" id="{3454597B-E00D-C34E-B855-69BF54F50B79}"/>
+                  <a16:creationId xmlns:a16="http://schemas.microsoft.com/office/drawing/2014/main" id="{3454597B-E00D-C34E-B855-69BF54F50B79}"/>
                 </a:ext>
               </a:extLst>
             </p:cNvPr>
@@ -6776,7 +6535,7 @@
             <p:cNvPr id="13" name="TextBox 12">
               <a:extLst>
                 <a:ext uri="{FF2B5EF4-FFF2-40B4-BE49-F238E27FC236}">
-                  <a16:creationId xmlns="" xmlns:a16="http://schemas.microsoft.com/office/drawing/2014/main" id="{55C6F5D3-28D0-FC48-8D25-993234BD60D5}"/>
+                  <a16:creationId xmlns:a16="http://schemas.microsoft.com/office/drawing/2014/main" id="{55C6F5D3-28D0-FC48-8D25-993234BD60D5}"/>
                 </a:ext>
               </a:extLst>
             </p:cNvPr>
@@ -6803,7 +6562,7 @@
             <a:p>
               <a:pPr algn="ctr"/>
               <a:r>
-                <a:rPr lang="en-US" sz="1400" smtClean="0">
+                <a:rPr lang="en-US" sz="1400">
                   <a:solidFill>
                     <a:prstClr val="black"/>
                   </a:solidFill>
@@ -6812,7 +6571,7 @@
                 <a:t>outdata</a:t>
               </a:r>
               <a:r>
-                <a:rPr lang="tr-TR" sz="1400" smtClean="0">
+                <a:rPr lang="tr-TR" sz="1400">
                   <a:solidFill>
                     <a:prstClr val="black"/>
                   </a:solidFill>
@@ -6834,7 +6593,7 @@
             <p:cNvPr id="14" name="TextBox 13">
               <a:extLst>
                 <a:ext uri="{FF2B5EF4-FFF2-40B4-BE49-F238E27FC236}">
-                  <a16:creationId xmlns="" xmlns:a16="http://schemas.microsoft.com/office/drawing/2014/main" id="{35CC1ED3-2C06-1D45-81C4-83D9B46A0579}"/>
+                  <a16:creationId xmlns:a16="http://schemas.microsoft.com/office/drawing/2014/main" id="{35CC1ED3-2C06-1D45-81C4-83D9B46A0579}"/>
                 </a:ext>
               </a:extLst>
             </p:cNvPr>
@@ -6861,7 +6620,7 @@
             <a:p>
               <a:pPr algn="ctr"/>
               <a:r>
-                <a:rPr lang="en-US" sz="1400" smtClean="0">
+                <a:rPr lang="en-US" sz="1400">
                   <a:solidFill>
                     <a:prstClr val="black"/>
                   </a:solidFill>
@@ -6870,7 +6629,7 @@
                 <a:t>unknown</a:t>
               </a:r>
               <a:r>
-                <a:rPr lang="tr-TR" sz="1400" smtClean="0">
+                <a:rPr lang="tr-TR" sz="1400">
                   <a:solidFill>
                     <a:prstClr val="black"/>
                   </a:solidFill>
@@ -6893,7 +6652,7 @@
           <p:cNvPr id="15" name="TextBox 14">
             <a:extLst>
               <a:ext uri="{FF2B5EF4-FFF2-40B4-BE49-F238E27FC236}">
-                <a16:creationId xmlns="" xmlns:a16="http://schemas.microsoft.com/office/drawing/2014/main" id="{A2F89D73-C95F-E943-9A62-EDFFF37F37C8}"/>
+                <a16:creationId xmlns:a16="http://schemas.microsoft.com/office/drawing/2014/main" id="{A2F89D73-C95F-E943-9A62-EDFFF37F37C8}"/>
               </a:ext>
             </a:extLst>
           </p:cNvPr>
@@ -6932,7 +6691,7 @@
           <p:cNvPr id="17" name="TextBox 16">
             <a:extLst>
               <a:ext uri="{FF2B5EF4-FFF2-40B4-BE49-F238E27FC236}">
-                <a16:creationId xmlns="" xmlns:a16="http://schemas.microsoft.com/office/drawing/2014/main" id="{F85F4FE5-8509-2947-842B-A357260A65CB}"/>
+                <a16:creationId xmlns:a16="http://schemas.microsoft.com/office/drawing/2014/main" id="{F85F4FE5-8509-2947-842B-A357260A65CB}"/>
               </a:ext>
             </a:extLst>
           </p:cNvPr>
@@ -6961,15 +6720,7 @@
                   <a:prstClr val="black"/>
                 </a:solidFill>
               </a:rPr>
-              <a:t>Run </a:t>
-            </a:r>
-            <a:r>
-              <a:rPr lang="en-US" sz="2400" b="1" smtClean="0">
-                <a:solidFill>
-                  <a:prstClr val="black"/>
-                </a:solidFill>
-              </a:rPr>
-              <a:t>folder</a:t>
+              <a:t>Run folder</a:t>
             </a:r>
             <a:endParaRPr lang="en-US" sz="2400" b="1" dirty="0">
               <a:solidFill>
@@ -6984,7 +6735,7 @@
           <p:cNvPr id="51" name="Group 50">
             <a:extLst>
               <a:ext uri="{FF2B5EF4-FFF2-40B4-BE49-F238E27FC236}">
-                <a16:creationId xmlns="" xmlns:a16="http://schemas.microsoft.com/office/drawing/2014/main" id="{1B72B37A-0771-3C4D-9DDB-DB626307C315}"/>
+                <a16:creationId xmlns:a16="http://schemas.microsoft.com/office/drawing/2014/main" id="{1B72B37A-0771-3C4D-9DDB-DB626307C315}"/>
               </a:ext>
             </a:extLst>
           </p:cNvPr>
@@ -7004,7 +6755,7 @@
             <p:cNvPr id="28" name="TextBox 27">
               <a:extLst>
                 <a:ext uri="{FF2B5EF4-FFF2-40B4-BE49-F238E27FC236}">
-                  <a16:creationId xmlns="" xmlns:a16="http://schemas.microsoft.com/office/drawing/2014/main" id="{98A2E6B4-64DF-1045-8700-16A757530026}"/>
+                  <a16:creationId xmlns:a16="http://schemas.microsoft.com/office/drawing/2014/main" id="{98A2E6B4-64DF-1045-8700-16A757530026}"/>
                 </a:ext>
               </a:extLst>
             </p:cNvPr>
@@ -7031,7 +6782,7 @@
             <a:p>
               <a:pPr algn="ctr"/>
               <a:r>
-                <a:rPr lang="en-US" sz="1400" smtClean="0">
+                <a:rPr lang="en-US" sz="1400">
                   <a:solidFill>
                     <a:prstClr val="black"/>
                   </a:solidFill>
@@ -7040,7 +6791,7 @@
                 <a:t>config</a:t>
               </a:r>
               <a:r>
-                <a:rPr lang="tr-TR" sz="1400" smtClean="0">
+                <a:rPr lang="tr-TR" sz="1400">
                   <a:solidFill>
                     <a:prstClr val="black"/>
                   </a:solidFill>
@@ -7062,7 +6813,7 @@
             <p:cNvPr id="29" name="TextBox 28">
               <a:extLst>
                 <a:ext uri="{FF2B5EF4-FFF2-40B4-BE49-F238E27FC236}">
-                  <a16:creationId xmlns="" xmlns:a16="http://schemas.microsoft.com/office/drawing/2014/main" id="{5917BE89-7557-1640-9B01-F58D6A568E85}"/>
+                  <a16:creationId xmlns:a16="http://schemas.microsoft.com/office/drawing/2014/main" id="{5917BE89-7557-1640-9B01-F58D6A568E85}"/>
                 </a:ext>
               </a:extLst>
             </p:cNvPr>
@@ -7089,7 +6840,7 @@
             <a:p>
               <a:pPr algn="ctr"/>
               <a:r>
-                <a:rPr lang="en-US" sz="1400" smtClean="0">
+                <a:rPr lang="en-US" sz="1400">
                   <a:solidFill>
                     <a:prstClr val="black"/>
                   </a:solidFill>
@@ -7098,7 +6849,7 @@
                 <a:t>analysis</a:t>
               </a:r>
               <a:r>
-                <a:rPr lang="tr-TR" sz="1400" smtClean="0">
+                <a:rPr lang="tr-TR" sz="1400">
                   <a:solidFill>
                     <a:prstClr val="black"/>
                   </a:solidFill>
@@ -7120,7 +6871,7 @@
             <p:cNvPr id="30" name="TextBox 29">
               <a:extLst>
                 <a:ext uri="{FF2B5EF4-FFF2-40B4-BE49-F238E27FC236}">
-                  <a16:creationId xmlns="" xmlns:a16="http://schemas.microsoft.com/office/drawing/2014/main" id="{1F46CDD2-E1BB-D844-B23E-232DD02119B3}"/>
+                  <a16:creationId xmlns:a16="http://schemas.microsoft.com/office/drawing/2014/main" id="{1F46CDD2-E1BB-D844-B23E-232DD02119B3}"/>
                 </a:ext>
               </a:extLst>
             </p:cNvPr>
@@ -7147,7 +6898,7 @@
             <a:p>
               <a:pPr algn="ctr"/>
               <a:r>
-                <a:rPr lang="en-US" sz="1400" smtClean="0">
+                <a:rPr lang="en-US" sz="1400">
                   <a:solidFill>
                     <a:prstClr val="black"/>
                   </a:solidFill>
@@ -7156,7 +6907,7 @@
                 <a:t>bin</a:t>
               </a:r>
               <a:r>
-                <a:rPr lang="tr-TR" sz="1400" smtClean="0">
+                <a:rPr lang="tr-TR" sz="1400">
                   <a:solidFill>
                     <a:prstClr val="black"/>
                   </a:solidFill>
@@ -7178,7 +6929,7 @@
             <p:cNvPr id="31" name="TextBox 30">
               <a:extLst>
                 <a:ext uri="{FF2B5EF4-FFF2-40B4-BE49-F238E27FC236}">
-                  <a16:creationId xmlns="" xmlns:a16="http://schemas.microsoft.com/office/drawing/2014/main" id="{CC8DF00E-FAF2-E745-B1D4-EA42F9419E56}"/>
+                  <a16:creationId xmlns:a16="http://schemas.microsoft.com/office/drawing/2014/main" id="{CC8DF00E-FAF2-E745-B1D4-EA42F9419E56}"/>
                 </a:ext>
               </a:extLst>
             </p:cNvPr>
@@ -7205,7 +6956,7 @@
             <a:p>
               <a:pPr algn="ctr"/>
               <a:r>
-                <a:rPr lang="en-US" sz="1400" smtClean="0">
+                <a:rPr lang="en-US" sz="1400">
                   <a:solidFill>
                     <a:prstClr val="black"/>
                   </a:solidFill>
@@ -7214,7 +6965,7 @@
                 <a:t>couple</a:t>
               </a:r>
               <a:r>
-                <a:rPr lang="tr-TR" sz="1400" smtClean="0">
+                <a:rPr lang="tr-TR" sz="1400">
                   <a:solidFill>
                     <a:prstClr val="black"/>
                   </a:solidFill>
@@ -7236,7 +6987,7 @@
             <p:cNvPr id="32" name="TextBox 31">
               <a:extLst>
                 <a:ext uri="{FF2B5EF4-FFF2-40B4-BE49-F238E27FC236}">
-                  <a16:creationId xmlns="" xmlns:a16="http://schemas.microsoft.com/office/drawing/2014/main" id="{B6086CAD-CFA8-E244-8287-3B4E811E3407}"/>
+                  <a16:creationId xmlns:a16="http://schemas.microsoft.com/office/drawing/2014/main" id="{B6086CAD-CFA8-E244-8287-3B4E811E3407}"/>
                 </a:ext>
               </a:extLst>
             </p:cNvPr>
@@ -7266,7 +7017,7 @@
             <a:p>
               <a:pPr algn="ctr"/>
               <a:r>
-                <a:rPr lang="en-US" sz="1400" smtClean="0">
+                <a:rPr lang="en-US" sz="1400">
                   <a:solidFill>
                     <a:prstClr val="black"/>
                   </a:solidFill>
@@ -7275,7 +7026,7 @@
                 <a:t>work</a:t>
               </a:r>
               <a:r>
-                <a:rPr lang="tr-TR" sz="1400" smtClean="0">
+                <a:rPr lang="tr-TR" sz="1400">
                   <a:solidFill>
                     <a:prstClr val="black"/>
                   </a:solidFill>
@@ -7297,7 +7048,7 @@
             <p:cNvPr id="33" name="TextBox 32">
               <a:extLst>
                 <a:ext uri="{FF2B5EF4-FFF2-40B4-BE49-F238E27FC236}">
-                  <a16:creationId xmlns="" xmlns:a16="http://schemas.microsoft.com/office/drawing/2014/main" id="{BB1AC1B3-DFF3-C147-A790-4881893E3652}"/>
+                  <a16:creationId xmlns:a16="http://schemas.microsoft.com/office/drawing/2014/main" id="{BB1AC1B3-DFF3-C147-A790-4881893E3652}"/>
                 </a:ext>
               </a:extLst>
             </p:cNvPr>
@@ -7324,7 +7075,7 @@
             <a:p>
               <a:pPr algn="ctr"/>
               <a:r>
-                <a:rPr lang="en-US" sz="1400" smtClean="0">
+                <a:rPr lang="en-US" sz="1400">
                   <a:solidFill>
                     <a:prstClr val="black"/>
                   </a:solidFill>
@@ -7333,7 +7084,7 @@
                 <a:t>input</a:t>
               </a:r>
               <a:r>
-                <a:rPr lang="tr-TR" sz="1400" smtClean="0">
+                <a:rPr lang="tr-TR" sz="1400">
                   <a:solidFill>
                     <a:prstClr val="black"/>
                   </a:solidFill>
@@ -7355,7 +7106,7 @@
             <p:cNvPr id="35" name="TextBox 34">
               <a:extLst>
                 <a:ext uri="{FF2B5EF4-FFF2-40B4-BE49-F238E27FC236}">
-                  <a16:creationId xmlns="" xmlns:a16="http://schemas.microsoft.com/office/drawing/2014/main" id="{EDAF48B9-26B6-3642-BB9C-5DE48D3ACE23}"/>
+                  <a16:creationId xmlns:a16="http://schemas.microsoft.com/office/drawing/2014/main" id="{EDAF48B9-26B6-3642-BB9C-5DE48D3ACE23}"/>
                 </a:ext>
               </a:extLst>
             </p:cNvPr>
@@ -7382,7 +7133,7 @@
             <a:p>
               <a:pPr algn="ctr"/>
               <a:r>
-                <a:rPr lang="en-US" sz="1400" smtClean="0">
+                <a:rPr lang="en-US" sz="1400">
                   <a:solidFill>
                     <a:prstClr val="black"/>
                   </a:solidFill>
@@ -7391,7 +7142,7 @@
                 <a:t>restart</a:t>
               </a:r>
               <a:r>
-                <a:rPr lang="tr-TR" sz="1400" smtClean="0">
+                <a:rPr lang="tr-TR" sz="1400">
                   <a:solidFill>
                     <a:prstClr val="black"/>
                   </a:solidFill>
@@ -7413,7 +7164,7 @@
             <p:cNvPr id="36" name="TextBox 35">
               <a:extLst>
                 <a:ext uri="{FF2B5EF4-FFF2-40B4-BE49-F238E27FC236}">
-                  <a16:creationId xmlns="" xmlns:a16="http://schemas.microsoft.com/office/drawing/2014/main" id="{E9B59AD7-EB7C-7C47-AB8C-E586A646D249}"/>
+                  <a16:creationId xmlns:a16="http://schemas.microsoft.com/office/drawing/2014/main" id="{E9B59AD7-EB7C-7C47-AB8C-E586A646D249}"/>
                 </a:ext>
               </a:extLst>
             </p:cNvPr>
@@ -7440,7 +7191,7 @@
             <a:p>
               <a:pPr algn="ctr"/>
               <a:r>
-                <a:rPr lang="en-US" sz="1400" smtClean="0">
+                <a:rPr lang="en-US" sz="1400">
                   <a:solidFill>
                     <a:prstClr val="black"/>
                   </a:solidFill>
@@ -7449,7 +7200,7 @@
                 <a:t>outdata</a:t>
               </a:r>
               <a:r>
-                <a:rPr lang="tr-TR" sz="1400" smtClean="0">
+                <a:rPr lang="tr-TR" sz="1400">
                   <a:solidFill>
                     <a:prstClr val="black"/>
                   </a:solidFill>
@@ -7471,7 +7222,7 @@
             <p:cNvPr id="37" name="TextBox 36">
               <a:extLst>
                 <a:ext uri="{FF2B5EF4-FFF2-40B4-BE49-F238E27FC236}">
-                  <a16:creationId xmlns="" xmlns:a16="http://schemas.microsoft.com/office/drawing/2014/main" id="{FC311768-AE5E-7A47-A3B4-E6D842E167F9}"/>
+                  <a16:creationId xmlns:a16="http://schemas.microsoft.com/office/drawing/2014/main" id="{FC311768-AE5E-7A47-A3B4-E6D842E167F9}"/>
                 </a:ext>
               </a:extLst>
             </p:cNvPr>
@@ -7498,7 +7249,7 @@
             <a:p>
               <a:pPr algn="ctr"/>
               <a:r>
-                <a:rPr lang="en-US" sz="1400" smtClean="0">
+                <a:rPr lang="en-US" sz="1400">
                   <a:solidFill>
                     <a:prstClr val="black"/>
                   </a:solidFill>
@@ -7507,7 +7258,7 @@
                 <a:t>unknown</a:t>
               </a:r>
               <a:r>
-                <a:rPr lang="tr-TR" sz="1400" smtClean="0">
+                <a:rPr lang="tr-TR" sz="1400">
                   <a:solidFill>
                     <a:prstClr val="black"/>
                   </a:solidFill>
@@ -7529,7 +7280,7 @@
             <p:cNvPr id="49" name="TextBox 48">
               <a:extLst>
                 <a:ext uri="{FF2B5EF4-FFF2-40B4-BE49-F238E27FC236}">
-                  <a16:creationId xmlns="" xmlns:a16="http://schemas.microsoft.com/office/drawing/2014/main" id="{CF5FF889-727C-3C48-A044-6E1916D7825E}"/>
+                  <a16:creationId xmlns:a16="http://schemas.microsoft.com/office/drawing/2014/main" id="{CF5FF889-727C-3C48-A044-6E1916D7825E}"/>
                 </a:ext>
               </a:extLst>
             </p:cNvPr>
@@ -7556,7 +7307,7 @@
             <a:p>
               <a:pPr algn="ctr"/>
               <a:r>
-                <a:rPr lang="en-US" sz="1400" smtClean="0">
+                <a:rPr lang="en-US" sz="1400">
                   <a:solidFill>
                     <a:prstClr val="black"/>
                   </a:solidFill>
@@ -7565,7 +7316,7 @@
                 <a:t>forcing</a:t>
               </a:r>
               <a:r>
-                <a:rPr lang="tr-TR" sz="1400" smtClean="0">
+                <a:rPr lang="tr-TR" sz="1400">
                   <a:solidFill>
                     <a:prstClr val="black"/>
                   </a:solidFill>
@@ -7625,10 +7376,9 @@
           <a:lstStyle/>
           <a:p>
             <a:r>
-              <a:rPr lang="tr-TR" sz="4800" b="1" smtClean="0"/>
+              <a:rPr lang="tr-TR" sz="4800" b="1"/>
               <a:t>      Folder Structure</a:t>
             </a:r>
-            <a:endParaRPr lang="tr-TR" sz="4800" b="1"/>
           </a:p>
         </p:txBody>
       </p:sp>
@@ -7777,21 +7527,8 @@
             <a:pPr algn="ctr"/>
             <a:r>
               <a:rPr lang="tr-TR" sz="1000"/>
-              <a:t>5</a:t>
-            </a:r>
-            <a:r>
-              <a:rPr lang="tr-TR" sz="1000" smtClean="0"/>
-              <a:t> </a:t>
-            </a:r>
-            <a:r>
-              <a:rPr lang="tr-TR" sz="1000" smtClean="0"/>
-              <a:t>/ </a:t>
-            </a:r>
-            <a:r>
-              <a:rPr lang="tr-TR" sz="1000" smtClean="0"/>
-              <a:t>10</a:t>
-            </a:r>
-            <a:endParaRPr lang="tr-TR" sz="1000"/>
+              <a:t>5 / 10</a:t>
+            </a:r>
           </a:p>
         </p:txBody>
       </p:sp>
@@ -7805,13 +7542,6 @@
   <p:clrMapOvr>
     <a:masterClrMapping/>
   </p:clrMapOvr>
-  <p:timing>
-    <p:tnLst>
-      <p:par>
-        <p:cTn id="1" dur="indefinite" restart="never" nodeType="tmRoot"/>
-      </p:par>
-    </p:tnLst>
-  </p:timing>
 </p:sld>
 </file>
 
@@ -7837,7 +7567,7 @@
           <p:cNvPr id="2" name="Title 1">
             <a:extLst>
               <a:ext uri="{FF2B5EF4-FFF2-40B4-BE49-F238E27FC236}">
-                <a16:creationId xmlns="" xmlns:a16="http://schemas.microsoft.com/office/drawing/2014/main" id="{C34CAF2C-5DD6-794F-AE09-E05723759005}"/>
+                <a16:creationId xmlns:a16="http://schemas.microsoft.com/office/drawing/2014/main" id="{C34CAF2C-5DD6-794F-AE09-E05723759005}"/>
               </a:ext>
             </a:extLst>
           </p:cNvPr>
@@ -7865,7 +7595,7 @@
           <p:cNvPr id="40" name="Group 39">
             <a:extLst>
               <a:ext uri="{FF2B5EF4-FFF2-40B4-BE49-F238E27FC236}">
-                <a16:creationId xmlns="" xmlns:a16="http://schemas.microsoft.com/office/drawing/2014/main" id="{B90FDCAD-EC0D-E444-91BE-88C9BA56857D}"/>
+                <a16:creationId xmlns:a16="http://schemas.microsoft.com/office/drawing/2014/main" id="{B90FDCAD-EC0D-E444-91BE-88C9BA56857D}"/>
               </a:ext>
             </a:extLst>
           </p:cNvPr>
@@ -7885,7 +7615,7 @@
             <p:cNvPr id="5" name="TextBox 4">
               <a:extLst>
                 <a:ext uri="{FF2B5EF4-FFF2-40B4-BE49-F238E27FC236}">
-                  <a16:creationId xmlns="" xmlns:a16="http://schemas.microsoft.com/office/drawing/2014/main" id="{5FA700C0-B29D-8744-8841-0217243C87CC}"/>
+                  <a16:creationId xmlns:a16="http://schemas.microsoft.com/office/drawing/2014/main" id="{5FA700C0-B29D-8744-8841-0217243C87CC}"/>
                 </a:ext>
               </a:extLst>
             </p:cNvPr>
@@ -7912,7 +7642,7 @@
             <a:p>
               <a:pPr algn="ctr"/>
               <a:r>
-                <a:rPr lang="en-US" sz="1400" smtClean="0">
+                <a:rPr lang="en-US" sz="1400">
                   <a:solidFill>
                     <a:prstClr val="black"/>
                   </a:solidFill>
@@ -7921,7 +7651,7 @@
                 <a:t>config</a:t>
               </a:r>
               <a:r>
-                <a:rPr lang="tr-TR" sz="1400" smtClean="0">
+                <a:rPr lang="tr-TR" sz="1400">
                   <a:solidFill>
                     <a:prstClr val="black"/>
                   </a:solidFill>
@@ -7943,7 +7673,7 @@
             <p:cNvPr id="6" name="TextBox 5">
               <a:extLst>
                 <a:ext uri="{FF2B5EF4-FFF2-40B4-BE49-F238E27FC236}">
-                  <a16:creationId xmlns="" xmlns:a16="http://schemas.microsoft.com/office/drawing/2014/main" id="{68BDDE2C-6AE8-BD47-B13E-2C17D30237B8}"/>
+                  <a16:creationId xmlns:a16="http://schemas.microsoft.com/office/drawing/2014/main" id="{68BDDE2C-6AE8-BD47-B13E-2C17D30237B8}"/>
                 </a:ext>
               </a:extLst>
             </p:cNvPr>
@@ -7970,7 +7700,7 @@
             <a:p>
               <a:pPr algn="ctr"/>
               <a:r>
-                <a:rPr lang="en-US" sz="1400" smtClean="0">
+                <a:rPr lang="en-US" sz="1400">
                   <a:solidFill>
                     <a:prstClr val="black"/>
                   </a:solidFill>
@@ -7979,7 +7709,7 @@
                 <a:t>analysis</a:t>
               </a:r>
               <a:r>
-                <a:rPr lang="tr-TR" sz="1400" smtClean="0">
+                <a:rPr lang="tr-TR" sz="1400">
                   <a:solidFill>
                     <a:prstClr val="black"/>
                   </a:solidFill>
@@ -8001,7 +7731,7 @@
             <p:cNvPr id="7" name="TextBox 6">
               <a:extLst>
                 <a:ext uri="{FF2B5EF4-FFF2-40B4-BE49-F238E27FC236}">
-                  <a16:creationId xmlns="" xmlns:a16="http://schemas.microsoft.com/office/drawing/2014/main" id="{3515CAE6-F7B2-D64B-AD37-681245F7EA8B}"/>
+                  <a16:creationId xmlns:a16="http://schemas.microsoft.com/office/drawing/2014/main" id="{3515CAE6-F7B2-D64B-AD37-681245F7EA8B}"/>
                 </a:ext>
               </a:extLst>
             </p:cNvPr>
@@ -8028,7 +7758,7 @@
             <a:p>
               <a:pPr algn="ctr"/>
               <a:r>
-                <a:rPr lang="en-US" sz="1400" smtClean="0">
+                <a:rPr lang="en-US" sz="1400">
                   <a:solidFill>
                     <a:prstClr val="black"/>
                   </a:solidFill>
@@ -8037,7 +7767,7 @@
                 <a:t>bin</a:t>
               </a:r>
               <a:r>
-                <a:rPr lang="tr-TR" sz="1400" smtClean="0">
+                <a:rPr lang="tr-TR" sz="1400">
                   <a:solidFill>
                     <a:prstClr val="black"/>
                   </a:solidFill>
@@ -8059,7 +7789,7 @@
             <p:cNvPr id="8" name="TextBox 7">
               <a:extLst>
                 <a:ext uri="{FF2B5EF4-FFF2-40B4-BE49-F238E27FC236}">
-                  <a16:creationId xmlns="" xmlns:a16="http://schemas.microsoft.com/office/drawing/2014/main" id="{0309B048-4601-554B-B819-5E424D3EA82B}"/>
+                  <a16:creationId xmlns:a16="http://schemas.microsoft.com/office/drawing/2014/main" id="{0309B048-4601-554B-B819-5E424D3EA82B}"/>
                 </a:ext>
               </a:extLst>
             </p:cNvPr>
@@ -8086,7 +7816,7 @@
             <a:p>
               <a:pPr algn="ctr"/>
               <a:r>
-                <a:rPr lang="en-US" sz="1400" smtClean="0">
+                <a:rPr lang="en-US" sz="1400">
                   <a:solidFill>
                     <a:prstClr val="black"/>
                   </a:solidFill>
@@ -8095,7 +7825,7 @@
                 <a:t>couple</a:t>
               </a:r>
               <a:r>
-                <a:rPr lang="tr-TR" sz="1400" smtClean="0">
+                <a:rPr lang="tr-TR" sz="1400">
                   <a:solidFill>
                     <a:prstClr val="black"/>
                   </a:solidFill>
@@ -8117,7 +7847,7 @@
             <p:cNvPr id="9" name="TextBox 8">
               <a:extLst>
                 <a:ext uri="{FF2B5EF4-FFF2-40B4-BE49-F238E27FC236}">
-                  <a16:creationId xmlns="" xmlns:a16="http://schemas.microsoft.com/office/drawing/2014/main" id="{27023699-3F88-844F-BB2C-08C957E4445B}"/>
+                  <a16:creationId xmlns:a16="http://schemas.microsoft.com/office/drawing/2014/main" id="{27023699-3F88-844F-BB2C-08C957E4445B}"/>
                 </a:ext>
               </a:extLst>
             </p:cNvPr>
@@ -8144,7 +7874,7 @@
             <a:p>
               <a:pPr algn="ctr"/>
               <a:r>
-                <a:rPr lang="en-US" sz="1400" smtClean="0">
+                <a:rPr lang="en-US" sz="1400">
                   <a:solidFill>
                     <a:prstClr val="black"/>
                   </a:solidFill>
@@ -8153,7 +7883,7 @@
                 <a:t>forcing</a:t>
               </a:r>
               <a:r>
-                <a:rPr lang="tr-TR" sz="1400" smtClean="0">
+                <a:rPr lang="tr-TR" sz="1400">
                   <a:solidFill>
                     <a:prstClr val="black"/>
                   </a:solidFill>
@@ -8175,7 +7905,7 @@
             <p:cNvPr id="10" name="TextBox 9">
               <a:extLst>
                 <a:ext uri="{FF2B5EF4-FFF2-40B4-BE49-F238E27FC236}">
-                  <a16:creationId xmlns="" xmlns:a16="http://schemas.microsoft.com/office/drawing/2014/main" id="{205BB8F7-9915-594A-A99D-719AF5D5B99F}"/>
+                  <a16:creationId xmlns:a16="http://schemas.microsoft.com/office/drawing/2014/main" id="{205BB8F7-9915-594A-A99D-719AF5D5B99F}"/>
                 </a:ext>
               </a:extLst>
             </p:cNvPr>
@@ -8202,7 +7932,7 @@
             <a:p>
               <a:pPr algn="ctr"/>
               <a:r>
-                <a:rPr lang="en-US" sz="1400" smtClean="0">
+                <a:rPr lang="en-US" sz="1400">
                   <a:solidFill>
                     <a:prstClr val="black"/>
                   </a:solidFill>
@@ -8211,7 +7941,7 @@
                 <a:t>input</a:t>
               </a:r>
               <a:r>
-                <a:rPr lang="tr-TR" sz="1400" smtClean="0">
+                <a:rPr lang="tr-TR" sz="1400">
                   <a:solidFill>
                     <a:prstClr val="black"/>
                   </a:solidFill>
@@ -8233,7 +7963,7 @@
             <p:cNvPr id="11" name="TextBox 10">
               <a:extLst>
                 <a:ext uri="{FF2B5EF4-FFF2-40B4-BE49-F238E27FC236}">
-                  <a16:creationId xmlns="" xmlns:a16="http://schemas.microsoft.com/office/drawing/2014/main" id="{B811468F-4AA6-6747-97E3-F3F0347D1E87}"/>
+                  <a16:creationId xmlns:a16="http://schemas.microsoft.com/office/drawing/2014/main" id="{B811468F-4AA6-6747-97E3-F3F0347D1E87}"/>
                 </a:ext>
               </a:extLst>
             </p:cNvPr>
@@ -8260,7 +7990,7 @@
             <a:p>
               <a:pPr algn="ctr"/>
               <a:r>
-                <a:rPr lang="en-US" sz="1400" smtClean="0">
+                <a:rPr lang="en-US" sz="1400">
                   <a:solidFill>
                     <a:prstClr val="black"/>
                   </a:solidFill>
@@ -8269,7 +7999,7 @@
                 <a:t>run_DATE</a:t>
               </a:r>
               <a:r>
-                <a:rPr lang="tr-TR" sz="1400" smtClean="0">
+                <a:rPr lang="tr-TR" sz="1400">
                   <a:solidFill>
                     <a:prstClr val="black"/>
                   </a:solidFill>
@@ -8291,7 +8021,7 @@
             <p:cNvPr id="12" name="TextBox 11">
               <a:extLst>
                 <a:ext uri="{FF2B5EF4-FFF2-40B4-BE49-F238E27FC236}">
-                  <a16:creationId xmlns="" xmlns:a16="http://schemas.microsoft.com/office/drawing/2014/main" id="{3454597B-E00D-C34E-B855-69BF54F50B79}"/>
+                  <a16:creationId xmlns:a16="http://schemas.microsoft.com/office/drawing/2014/main" id="{3454597B-E00D-C34E-B855-69BF54F50B79}"/>
                 </a:ext>
               </a:extLst>
             </p:cNvPr>
@@ -8334,7 +8064,7 @@
             <p:cNvPr id="13" name="TextBox 12">
               <a:extLst>
                 <a:ext uri="{FF2B5EF4-FFF2-40B4-BE49-F238E27FC236}">
-                  <a16:creationId xmlns="" xmlns:a16="http://schemas.microsoft.com/office/drawing/2014/main" id="{55C6F5D3-28D0-FC48-8D25-993234BD60D5}"/>
+                  <a16:creationId xmlns:a16="http://schemas.microsoft.com/office/drawing/2014/main" id="{55C6F5D3-28D0-FC48-8D25-993234BD60D5}"/>
                 </a:ext>
               </a:extLst>
             </p:cNvPr>
@@ -8361,7 +8091,7 @@
             <a:p>
               <a:pPr algn="ctr"/>
               <a:r>
-                <a:rPr lang="en-US" sz="1400" smtClean="0">
+                <a:rPr lang="en-US" sz="1400">
                   <a:solidFill>
                     <a:prstClr val="black"/>
                   </a:solidFill>
@@ -8370,7 +8100,7 @@
                 <a:t>outdata</a:t>
               </a:r>
               <a:r>
-                <a:rPr lang="tr-TR" sz="1400" smtClean="0">
+                <a:rPr lang="tr-TR" sz="1400">
                   <a:solidFill>
                     <a:prstClr val="black"/>
                   </a:solidFill>
@@ -8392,7 +8122,7 @@
             <p:cNvPr id="14" name="TextBox 13">
               <a:extLst>
                 <a:ext uri="{FF2B5EF4-FFF2-40B4-BE49-F238E27FC236}">
-                  <a16:creationId xmlns="" xmlns:a16="http://schemas.microsoft.com/office/drawing/2014/main" id="{35CC1ED3-2C06-1D45-81C4-83D9B46A0579}"/>
+                  <a16:creationId xmlns:a16="http://schemas.microsoft.com/office/drawing/2014/main" id="{35CC1ED3-2C06-1D45-81C4-83D9B46A0579}"/>
                 </a:ext>
               </a:extLst>
             </p:cNvPr>
@@ -8419,7 +8149,7 @@
             <a:p>
               <a:pPr algn="ctr"/>
               <a:r>
-                <a:rPr lang="en-US" sz="1400" smtClean="0">
+                <a:rPr lang="en-US" sz="1400">
                   <a:solidFill>
                     <a:prstClr val="black"/>
                   </a:solidFill>
@@ -8428,7 +8158,7 @@
                 <a:t>unknown</a:t>
               </a:r>
               <a:r>
-                <a:rPr lang="tr-TR" sz="1400" smtClean="0">
+                <a:rPr lang="tr-TR" sz="1400">
                   <a:solidFill>
                     <a:prstClr val="black"/>
                   </a:solidFill>
@@ -8451,7 +8181,7 @@
           <p:cNvPr id="15" name="TextBox 14">
             <a:extLst>
               <a:ext uri="{FF2B5EF4-FFF2-40B4-BE49-F238E27FC236}">
-                <a16:creationId xmlns="" xmlns:a16="http://schemas.microsoft.com/office/drawing/2014/main" id="{A2F89D73-C95F-E943-9A62-EDFFF37F37C8}"/>
+                <a16:creationId xmlns:a16="http://schemas.microsoft.com/office/drawing/2014/main" id="{A2F89D73-C95F-E943-9A62-EDFFF37F37C8}"/>
               </a:ext>
             </a:extLst>
           </p:cNvPr>
@@ -8488,15 +8218,7 @@
                   <a:prstClr val="black"/>
                 </a:solidFill>
               </a:rPr>
-              <a:t>experiment </a:t>
-            </a:r>
-            <a:r>
-              <a:rPr lang="en-US" sz="2400" b="1" smtClean="0">
-                <a:solidFill>
-                  <a:prstClr val="black"/>
-                </a:solidFill>
-              </a:rPr>
-              <a:t>folder</a:t>
+              <a:t>experiment folder</a:t>
             </a:r>
             <a:endParaRPr lang="en-US" sz="2400" b="1" dirty="0">
               <a:solidFill>
@@ -8511,7 +8233,7 @@
           <p:cNvPr id="17" name="TextBox 16">
             <a:extLst>
               <a:ext uri="{FF2B5EF4-FFF2-40B4-BE49-F238E27FC236}">
-                <a16:creationId xmlns="" xmlns:a16="http://schemas.microsoft.com/office/drawing/2014/main" id="{F85F4FE5-8509-2947-842B-A357260A65CB}"/>
+                <a16:creationId xmlns:a16="http://schemas.microsoft.com/office/drawing/2014/main" id="{F85F4FE5-8509-2947-842B-A357260A65CB}"/>
               </a:ext>
             </a:extLst>
           </p:cNvPr>
@@ -8540,15 +8262,7 @@
                   <a:prstClr val="black"/>
                 </a:solidFill>
               </a:rPr>
-              <a:t>Run </a:t>
-            </a:r>
-            <a:r>
-              <a:rPr lang="en-US" sz="2400" b="1" smtClean="0">
-                <a:solidFill>
-                  <a:prstClr val="black"/>
-                </a:solidFill>
-              </a:rPr>
-              <a:t>folder</a:t>
+              <a:t>Run folder</a:t>
             </a:r>
             <a:endParaRPr lang="en-US" sz="2400" b="1" dirty="0">
               <a:solidFill>
@@ -8563,7 +8277,7 @@
           <p:cNvPr id="51" name="Group 50">
             <a:extLst>
               <a:ext uri="{FF2B5EF4-FFF2-40B4-BE49-F238E27FC236}">
-                <a16:creationId xmlns="" xmlns:a16="http://schemas.microsoft.com/office/drawing/2014/main" id="{1B72B37A-0771-3C4D-9DDB-DB626307C315}"/>
+                <a16:creationId xmlns:a16="http://schemas.microsoft.com/office/drawing/2014/main" id="{1B72B37A-0771-3C4D-9DDB-DB626307C315}"/>
               </a:ext>
             </a:extLst>
           </p:cNvPr>
@@ -8583,7 +8297,7 @@
             <p:cNvPr id="28" name="TextBox 27">
               <a:extLst>
                 <a:ext uri="{FF2B5EF4-FFF2-40B4-BE49-F238E27FC236}">
-                  <a16:creationId xmlns="" xmlns:a16="http://schemas.microsoft.com/office/drawing/2014/main" id="{98A2E6B4-64DF-1045-8700-16A757530026}"/>
+                  <a16:creationId xmlns:a16="http://schemas.microsoft.com/office/drawing/2014/main" id="{98A2E6B4-64DF-1045-8700-16A757530026}"/>
                 </a:ext>
               </a:extLst>
             </p:cNvPr>
@@ -8610,7 +8324,7 @@
             <a:p>
               <a:pPr algn="ctr"/>
               <a:r>
-                <a:rPr lang="en-US" sz="1400" smtClean="0">
+                <a:rPr lang="en-US" sz="1400">
                   <a:solidFill>
                     <a:prstClr val="black"/>
                   </a:solidFill>
@@ -8619,7 +8333,7 @@
                 <a:t>config</a:t>
               </a:r>
               <a:r>
-                <a:rPr lang="tr-TR" sz="1400" smtClean="0">
+                <a:rPr lang="tr-TR" sz="1400">
                   <a:solidFill>
                     <a:prstClr val="black"/>
                   </a:solidFill>
@@ -8641,7 +8355,7 @@
             <p:cNvPr id="29" name="TextBox 28">
               <a:extLst>
                 <a:ext uri="{FF2B5EF4-FFF2-40B4-BE49-F238E27FC236}">
-                  <a16:creationId xmlns="" xmlns:a16="http://schemas.microsoft.com/office/drawing/2014/main" id="{5917BE89-7557-1640-9B01-F58D6A568E85}"/>
+                  <a16:creationId xmlns:a16="http://schemas.microsoft.com/office/drawing/2014/main" id="{5917BE89-7557-1640-9B01-F58D6A568E85}"/>
                 </a:ext>
               </a:extLst>
             </p:cNvPr>
@@ -8668,7 +8382,7 @@
             <a:p>
               <a:pPr algn="ctr"/>
               <a:r>
-                <a:rPr lang="en-US" sz="1400" smtClean="0">
+                <a:rPr lang="en-US" sz="1400">
                   <a:solidFill>
                     <a:prstClr val="black"/>
                   </a:solidFill>
@@ -8677,7 +8391,7 @@
                 <a:t>analysis</a:t>
               </a:r>
               <a:r>
-                <a:rPr lang="tr-TR" sz="1400" smtClean="0">
+                <a:rPr lang="tr-TR" sz="1400">
                   <a:solidFill>
                     <a:prstClr val="black"/>
                   </a:solidFill>
@@ -8699,7 +8413,7 @@
             <p:cNvPr id="30" name="TextBox 29">
               <a:extLst>
                 <a:ext uri="{FF2B5EF4-FFF2-40B4-BE49-F238E27FC236}">
-                  <a16:creationId xmlns="" xmlns:a16="http://schemas.microsoft.com/office/drawing/2014/main" id="{1F46CDD2-E1BB-D844-B23E-232DD02119B3}"/>
+                  <a16:creationId xmlns:a16="http://schemas.microsoft.com/office/drawing/2014/main" id="{1F46CDD2-E1BB-D844-B23E-232DD02119B3}"/>
                 </a:ext>
               </a:extLst>
             </p:cNvPr>
@@ -8726,7 +8440,7 @@
             <a:p>
               <a:pPr algn="ctr"/>
               <a:r>
-                <a:rPr lang="en-US" sz="1400" smtClean="0">
+                <a:rPr lang="en-US" sz="1400">
                   <a:solidFill>
                     <a:prstClr val="black"/>
                   </a:solidFill>
@@ -8735,7 +8449,7 @@
                 <a:t>bin</a:t>
               </a:r>
               <a:r>
-                <a:rPr lang="tr-TR" sz="1400" smtClean="0">
+                <a:rPr lang="tr-TR" sz="1400">
                   <a:solidFill>
                     <a:prstClr val="black"/>
                   </a:solidFill>
@@ -8757,7 +8471,7 @@
             <p:cNvPr id="31" name="TextBox 30">
               <a:extLst>
                 <a:ext uri="{FF2B5EF4-FFF2-40B4-BE49-F238E27FC236}">
-                  <a16:creationId xmlns="" xmlns:a16="http://schemas.microsoft.com/office/drawing/2014/main" id="{CC8DF00E-FAF2-E745-B1D4-EA42F9419E56}"/>
+                  <a16:creationId xmlns:a16="http://schemas.microsoft.com/office/drawing/2014/main" id="{CC8DF00E-FAF2-E745-B1D4-EA42F9419E56}"/>
                 </a:ext>
               </a:extLst>
             </p:cNvPr>
@@ -8784,7 +8498,7 @@
             <a:p>
               <a:pPr algn="ctr"/>
               <a:r>
-                <a:rPr lang="en-US" sz="1400" smtClean="0">
+                <a:rPr lang="en-US" sz="1400">
                   <a:solidFill>
                     <a:prstClr val="black"/>
                   </a:solidFill>
@@ -8793,7 +8507,7 @@
                 <a:t>couple</a:t>
               </a:r>
               <a:r>
-                <a:rPr lang="tr-TR" sz="1400" smtClean="0">
+                <a:rPr lang="tr-TR" sz="1400">
                   <a:solidFill>
                     <a:prstClr val="black"/>
                   </a:solidFill>
@@ -8815,7 +8529,7 @@
             <p:cNvPr id="32" name="TextBox 31">
               <a:extLst>
                 <a:ext uri="{FF2B5EF4-FFF2-40B4-BE49-F238E27FC236}">
-                  <a16:creationId xmlns="" xmlns:a16="http://schemas.microsoft.com/office/drawing/2014/main" id="{B6086CAD-CFA8-E244-8287-3B4E811E3407}"/>
+                  <a16:creationId xmlns:a16="http://schemas.microsoft.com/office/drawing/2014/main" id="{B6086CAD-CFA8-E244-8287-3B4E811E3407}"/>
                 </a:ext>
               </a:extLst>
             </p:cNvPr>
@@ -8847,7 +8561,7 @@
             <a:p>
               <a:pPr algn="ctr"/>
               <a:r>
-                <a:rPr lang="en-US" sz="1400" smtClean="0">
+                <a:rPr lang="en-US" sz="1400">
                   <a:solidFill>
                     <a:prstClr val="black"/>
                   </a:solidFill>
@@ -8856,7 +8570,7 @@
                 <a:t>work</a:t>
               </a:r>
               <a:r>
-                <a:rPr lang="tr-TR" sz="1400" smtClean="0">
+                <a:rPr lang="tr-TR" sz="1400">
                   <a:solidFill>
                     <a:prstClr val="black"/>
                   </a:solidFill>
@@ -8878,7 +8592,7 @@
             <p:cNvPr id="33" name="TextBox 32">
               <a:extLst>
                 <a:ext uri="{FF2B5EF4-FFF2-40B4-BE49-F238E27FC236}">
-                  <a16:creationId xmlns="" xmlns:a16="http://schemas.microsoft.com/office/drawing/2014/main" id="{BB1AC1B3-DFF3-C147-A790-4881893E3652}"/>
+                  <a16:creationId xmlns:a16="http://schemas.microsoft.com/office/drawing/2014/main" id="{BB1AC1B3-DFF3-C147-A790-4881893E3652}"/>
                 </a:ext>
               </a:extLst>
             </p:cNvPr>
@@ -8905,7 +8619,7 @@
             <a:p>
               <a:pPr algn="ctr"/>
               <a:r>
-                <a:rPr lang="en-US" sz="1400" smtClean="0">
+                <a:rPr lang="en-US" sz="1400">
                   <a:solidFill>
                     <a:prstClr val="black"/>
                   </a:solidFill>
@@ -8914,7 +8628,7 @@
                 <a:t>input</a:t>
               </a:r>
               <a:r>
-                <a:rPr lang="tr-TR" sz="1400" smtClean="0">
+                <a:rPr lang="tr-TR" sz="1400">
                   <a:solidFill>
                     <a:prstClr val="black"/>
                   </a:solidFill>
@@ -8936,7 +8650,7 @@
             <p:cNvPr id="35" name="TextBox 34">
               <a:extLst>
                 <a:ext uri="{FF2B5EF4-FFF2-40B4-BE49-F238E27FC236}">
-                  <a16:creationId xmlns="" xmlns:a16="http://schemas.microsoft.com/office/drawing/2014/main" id="{EDAF48B9-26B6-3642-BB9C-5DE48D3ACE23}"/>
+                  <a16:creationId xmlns:a16="http://schemas.microsoft.com/office/drawing/2014/main" id="{EDAF48B9-26B6-3642-BB9C-5DE48D3ACE23}"/>
                 </a:ext>
               </a:extLst>
             </p:cNvPr>
@@ -8963,7 +8677,7 @@
             <a:p>
               <a:pPr algn="ctr"/>
               <a:r>
-                <a:rPr lang="en-US" sz="1400" smtClean="0">
+                <a:rPr lang="en-US" sz="1400">
                   <a:solidFill>
                     <a:prstClr val="black"/>
                   </a:solidFill>
@@ -8972,7 +8686,7 @@
                 <a:t>restart</a:t>
               </a:r>
               <a:r>
-                <a:rPr lang="tr-TR" sz="1400" smtClean="0">
+                <a:rPr lang="tr-TR" sz="1400">
                   <a:solidFill>
                     <a:prstClr val="black"/>
                   </a:solidFill>
@@ -8994,7 +8708,7 @@
             <p:cNvPr id="36" name="TextBox 35">
               <a:extLst>
                 <a:ext uri="{FF2B5EF4-FFF2-40B4-BE49-F238E27FC236}">
-                  <a16:creationId xmlns="" xmlns:a16="http://schemas.microsoft.com/office/drawing/2014/main" id="{E9B59AD7-EB7C-7C47-AB8C-E586A646D249}"/>
+                  <a16:creationId xmlns:a16="http://schemas.microsoft.com/office/drawing/2014/main" id="{E9B59AD7-EB7C-7C47-AB8C-E586A646D249}"/>
                 </a:ext>
               </a:extLst>
             </p:cNvPr>
@@ -9021,7 +8735,7 @@
             <a:p>
               <a:pPr algn="ctr"/>
               <a:r>
-                <a:rPr lang="en-US" sz="1400" smtClean="0">
+                <a:rPr lang="en-US" sz="1400">
                   <a:solidFill>
                     <a:prstClr val="black"/>
                   </a:solidFill>
@@ -9030,7 +8744,7 @@
                 <a:t>outdata</a:t>
               </a:r>
               <a:r>
-                <a:rPr lang="tr-TR" sz="1400" smtClean="0">
+                <a:rPr lang="tr-TR" sz="1400">
                   <a:solidFill>
                     <a:prstClr val="black"/>
                   </a:solidFill>
@@ -9052,7 +8766,7 @@
             <p:cNvPr id="37" name="TextBox 36">
               <a:extLst>
                 <a:ext uri="{FF2B5EF4-FFF2-40B4-BE49-F238E27FC236}">
-                  <a16:creationId xmlns="" xmlns:a16="http://schemas.microsoft.com/office/drawing/2014/main" id="{FC311768-AE5E-7A47-A3B4-E6D842E167F9}"/>
+                  <a16:creationId xmlns:a16="http://schemas.microsoft.com/office/drawing/2014/main" id="{FC311768-AE5E-7A47-A3B4-E6D842E167F9}"/>
                 </a:ext>
               </a:extLst>
             </p:cNvPr>
@@ -9079,7 +8793,7 @@
             <a:p>
               <a:pPr algn="ctr"/>
               <a:r>
-                <a:rPr lang="en-US" sz="1400" smtClean="0">
+                <a:rPr lang="en-US" sz="1400">
                   <a:solidFill>
                     <a:prstClr val="black"/>
                   </a:solidFill>
@@ -9088,7 +8802,7 @@
                 <a:t>unknown</a:t>
               </a:r>
               <a:r>
-                <a:rPr lang="tr-TR" sz="1400" smtClean="0">
+                <a:rPr lang="tr-TR" sz="1400">
                   <a:solidFill>
                     <a:prstClr val="black"/>
                   </a:solidFill>
@@ -9110,7 +8824,7 @@
             <p:cNvPr id="49" name="TextBox 48">
               <a:extLst>
                 <a:ext uri="{FF2B5EF4-FFF2-40B4-BE49-F238E27FC236}">
-                  <a16:creationId xmlns="" xmlns:a16="http://schemas.microsoft.com/office/drawing/2014/main" id="{CF5FF889-727C-3C48-A044-6E1916D7825E}"/>
+                  <a16:creationId xmlns:a16="http://schemas.microsoft.com/office/drawing/2014/main" id="{CF5FF889-727C-3C48-A044-6E1916D7825E}"/>
                 </a:ext>
               </a:extLst>
             </p:cNvPr>
@@ -9137,7 +8851,7 @@
             <a:p>
               <a:pPr algn="ctr"/>
               <a:r>
-                <a:rPr lang="en-US" sz="1400" smtClean="0">
+                <a:rPr lang="en-US" sz="1400">
                   <a:solidFill>
                     <a:prstClr val="black"/>
                   </a:solidFill>
@@ -9146,7 +8860,7 @@
                 <a:t>forcing</a:t>
               </a:r>
               <a:r>
-                <a:rPr lang="tr-TR" sz="1400" smtClean="0">
+                <a:rPr lang="tr-TR" sz="1400">
                   <a:solidFill>
                     <a:prstClr val="black"/>
                   </a:solidFill>
@@ -9206,10 +8920,9 @@
           <a:lstStyle/>
           <a:p>
             <a:r>
-              <a:rPr lang="tr-TR" sz="4800" b="1" smtClean="0"/>
+              <a:rPr lang="tr-TR" sz="4800" b="1"/>
               <a:t>      Folder Structure</a:t>
             </a:r>
-            <a:endParaRPr lang="tr-TR" sz="4800" b="1"/>
           </a:p>
         </p:txBody>
       </p:sp>
@@ -9337,7 +9050,7 @@
           <p:cNvPr id="39" name="TextBox 38">
             <a:extLst>
               <a:ext uri="{FF2B5EF4-FFF2-40B4-BE49-F238E27FC236}">
-                <a16:creationId xmlns="" xmlns:a16="http://schemas.microsoft.com/office/drawing/2014/main" id="{5A6AC39F-60F3-024D-851F-8A08C3437913}"/>
+                <a16:creationId xmlns:a16="http://schemas.microsoft.com/office/drawing/2014/main" id="{5A6AC39F-60F3-024D-851F-8A08C3437913}"/>
               </a:ext>
             </a:extLst>
           </p:cNvPr>
@@ -9371,42 +9084,33 @@
                 </a:solidFill>
                 <a:latin typeface="Consolas" panose="020B0609020204030204" pitchFamily="49" charset="0"/>
               </a:rPr>
-              <a:t> </a:t>
-            </a:r>
-            <a:r>
-              <a:rPr lang="tr-TR" b="1" smtClean="0">
+              <a:t>      </a:t>
+            </a:r>
+            <a:r>
+              <a:rPr lang="en-US" b="1">
                 <a:solidFill>
                   <a:prstClr val="black"/>
                 </a:solidFill>
-                <a:latin typeface="Consolas" panose="020B0609020204030204" pitchFamily="49" charset="0"/>
-              </a:rPr>
-              <a:t>     </a:t>
-            </a:r>
-            <a:r>
-              <a:rPr lang="en-US" b="1" smtClean="0">
+              </a:rPr>
+              <a:t>in </a:t>
+            </a:r>
+            <a:r>
+              <a:rPr lang="en-US" b="1" dirty="0">
                 <a:solidFill>
                   <a:prstClr val="black"/>
                 </a:solidFill>
               </a:rPr>
-              <a:t>in </a:t>
-            </a:r>
-            <a:r>
-              <a:rPr lang="en-US" b="1" dirty="0">
+              <a:t>the run folder</a:t>
+            </a:r>
+            <a:r>
+              <a:rPr lang="en-US" b="1">
                 <a:solidFill>
                   <a:prstClr val="black"/>
                 </a:solidFill>
               </a:rPr>
-              <a:t>the run folder</a:t>
-            </a:r>
-            <a:r>
-              <a:rPr lang="en-US" b="1">
-                <a:solidFill>
-                  <a:prstClr val="black"/>
-                </a:solidFill>
-              </a:rPr>
               <a:t>: </a:t>
             </a:r>
-            <a:endParaRPr lang="tr-TR" b="1" smtClean="0">
+            <a:endParaRPr lang="tr-TR" b="1">
               <a:solidFill>
                 <a:prstClr val="black"/>
               </a:solidFill>
@@ -9415,7 +9119,7 @@
           <a:p>
             <a:pPr lvl="1" algn="just"/>
             <a:r>
-              <a:rPr lang="en-US" sz="1600" smtClean="0">
+              <a:rPr lang="en-US" sz="1600">
                 <a:solidFill>
                   <a:prstClr val="black"/>
                 </a:solidFill>
@@ -9434,7 +9138,7 @@
           <a:p>
             <a:pPr lvl="1" algn="just"/>
             <a:r>
-              <a:rPr lang="tr-TR" sz="1600" b="1" smtClean="0">
+              <a:rPr lang="tr-TR" sz="1600" b="1">
                 <a:solidFill>
                   <a:srgbClr val="FF0000"/>
                 </a:solidFill>
@@ -9442,7 +9146,7 @@
               <a:t>Before the run: </a:t>
             </a:r>
             <a:r>
-              <a:rPr lang="en-US" sz="1600" smtClean="0">
+              <a:rPr lang="en-US" sz="1600">
                 <a:solidFill>
                   <a:prstClr val="black"/>
                 </a:solidFill>
@@ -9469,7 +9173,7 @@
           <a:p>
             <a:pPr lvl="1" algn="just"/>
             <a:r>
-              <a:rPr lang="tr-TR" sz="1600" b="1" smtClean="0">
+              <a:rPr lang="tr-TR" sz="1600" b="1">
                 <a:solidFill>
                   <a:srgbClr val="FFC000"/>
                 </a:solidFill>
@@ -9477,7 +9181,7 @@
               <a:t>During the run: </a:t>
             </a:r>
             <a:r>
-              <a:rPr lang="en-US" sz="1600" smtClean="0">
+              <a:rPr lang="en-US" sz="1600">
                 <a:solidFill>
                   <a:prstClr val="black"/>
                 </a:solidFill>
@@ -9496,7 +9200,7 @@
           <a:p>
             <a:pPr lvl="1" algn="just"/>
             <a:r>
-              <a:rPr lang="tr-TR" sz="1600" b="1" smtClean="0">
+              <a:rPr lang="tr-TR" sz="1600" b="1">
                 <a:solidFill>
                   <a:srgbClr val="00B050"/>
                 </a:solidFill>
@@ -9504,7 +9208,7 @@
               <a:t>After the run: </a:t>
             </a:r>
             <a:r>
-              <a:rPr lang="en-US" sz="1600" smtClean="0">
+              <a:rPr lang="en-US" sz="1600">
                 <a:solidFill>
                   <a:prstClr val="black"/>
                 </a:solidFill>
@@ -9525,15 +9229,7 @@
                   <a:prstClr val="black"/>
                 </a:solidFill>
               </a:rPr>
-              <a:t>general </a:t>
-            </a:r>
-            <a:r>
-              <a:rPr lang="en-US" sz="1600" smtClean="0">
-                <a:solidFill>
-                  <a:prstClr val="black"/>
-                </a:solidFill>
-              </a:rPr>
-              <a:t>directory</a:t>
+              <a:t>general directory</a:t>
             </a:r>
             <a:endParaRPr lang="en-US" sz="1600" dirty="0">
               <a:solidFill>
@@ -9557,17 +9253,9 @@
                   <a:prstClr val="black"/>
                 </a:solidFill>
               </a:rPr>
-              <a:t>File </a:t>
-            </a:r>
-            <a:r>
-              <a:rPr lang="en-US" sz="1600" smtClean="0">
-                <a:solidFill>
-                  <a:prstClr val="black"/>
-                </a:solidFill>
-              </a:rPr>
-              <a:t>Dictionaries</a:t>
-            </a:r>
-            <a:endParaRPr lang="tr-TR" sz="1600" smtClean="0">
+              <a:t>File Dictionaries</a:t>
+            </a:r>
+            <a:endParaRPr lang="tr-TR" sz="1600">
               <a:solidFill>
                 <a:prstClr val="black"/>
               </a:solidFill>
@@ -9576,7 +9264,7 @@
           <a:p>
             <a:pPr lvl="2" algn="just"/>
             <a:r>
-              <a:rPr lang="en-US" sz="1600" smtClean="0">
+              <a:rPr lang="en-US" sz="1600">
                 <a:solidFill>
                   <a:prstClr val="black"/>
                 </a:solidFill>
@@ -9618,17 +9306,9 @@
                   <a:prstClr val="black"/>
                 </a:solidFill>
               </a:rPr>
-              <a:t>directory </a:t>
-            </a:r>
-            <a:r>
-              <a:rPr lang="en-US" sz="1600" smtClean="0">
-                <a:solidFill>
-                  <a:prstClr val="black"/>
-                </a:solidFill>
-              </a:rPr>
-              <a:t>structure:</a:t>
-            </a:r>
-            <a:endParaRPr lang="tr-TR" sz="1600" smtClean="0">
+              <a:t>directory structure:</a:t>
+            </a:r>
+            <a:endParaRPr lang="tr-TR" sz="1600">
               <a:solidFill>
                 <a:prstClr val="black"/>
               </a:solidFill>
@@ -9637,7 +9317,7 @@
           <a:p>
             <a:pPr lvl="2" algn="just"/>
             <a:r>
-              <a:rPr lang="en-US" sz="1600" smtClean="0">
+              <a:rPr lang="en-US" sz="1600">
                 <a:solidFill>
                   <a:prstClr val="black"/>
                 </a:solidFill>
@@ -9706,21 +9386,8 @@
             <a:pPr algn="ctr"/>
             <a:r>
               <a:rPr lang="tr-TR" sz="1000"/>
-              <a:t>6</a:t>
-            </a:r>
-            <a:r>
-              <a:rPr lang="tr-TR" sz="1000" smtClean="0"/>
-              <a:t> </a:t>
-            </a:r>
-            <a:r>
-              <a:rPr lang="tr-TR" sz="1000" smtClean="0"/>
-              <a:t>/ </a:t>
-            </a:r>
-            <a:r>
-              <a:rPr lang="tr-TR" sz="1000" smtClean="0"/>
-              <a:t>10</a:t>
-            </a:r>
-            <a:endParaRPr lang="tr-TR" sz="1000"/>
+              <a:t>6 / 10</a:t>
+            </a:r>
           </a:p>
         </p:txBody>
       </p:sp>
@@ -9729,7 +9396,7 @@
           <p:cNvPr id="38" name="TextBox 37">
             <a:extLst>
               <a:ext uri="{FF2B5EF4-FFF2-40B4-BE49-F238E27FC236}">
-                <a16:creationId xmlns="" xmlns:a16="http://schemas.microsoft.com/office/drawing/2014/main" id="{B6086CAD-CFA8-E244-8287-3B4E811E3407}"/>
+                <a16:creationId xmlns:a16="http://schemas.microsoft.com/office/drawing/2014/main" id="{B6086CAD-CFA8-E244-8287-3B4E811E3407}"/>
               </a:ext>
             </a:extLst>
           </p:cNvPr>
@@ -9759,7 +9426,7 @@
           <a:p>
             <a:pPr algn="ctr"/>
             <a:r>
-              <a:rPr lang="en-US" sz="1400" smtClean="0">
+              <a:rPr lang="en-US" sz="1400">
                 <a:solidFill>
                   <a:prstClr val="black"/>
                 </a:solidFill>
@@ -9768,7 +9435,7 @@
               <a:t>work</a:t>
             </a:r>
             <a:r>
-              <a:rPr lang="tr-TR" sz="1400" smtClean="0">
+              <a:rPr lang="tr-TR" sz="1400">
                 <a:solidFill>
                   <a:prstClr val="black"/>
                 </a:solidFill>
@@ -10071,13 +9738,6 @@
   <p:clrMapOvr>
     <a:masterClrMapping/>
   </p:clrMapOvr>
-  <p:timing>
-    <p:tnLst>
-      <p:par>
-        <p:cTn id="1" dur="indefinite" restart="never" nodeType="tmRoot"/>
-      </p:par>
-    </p:tnLst>
-  </p:timing>
 </p:sld>
 </file>
 
@@ -10103,7 +9763,7 @@
           <p:cNvPr id="2" name="Title 1">
             <a:extLst>
               <a:ext uri="{FF2B5EF4-FFF2-40B4-BE49-F238E27FC236}">
-                <a16:creationId xmlns="" xmlns:a16="http://schemas.microsoft.com/office/drawing/2014/main" id="{C34CAF2C-5DD6-794F-AE09-E05723759005}"/>
+                <a16:creationId xmlns:a16="http://schemas.microsoft.com/office/drawing/2014/main" id="{C34CAF2C-5DD6-794F-AE09-E05723759005}"/>
               </a:ext>
             </a:extLst>
           </p:cNvPr>
@@ -10131,7 +9791,7 @@
           <p:cNvPr id="40" name="Group 39">
             <a:extLst>
               <a:ext uri="{FF2B5EF4-FFF2-40B4-BE49-F238E27FC236}">
-                <a16:creationId xmlns="" xmlns:a16="http://schemas.microsoft.com/office/drawing/2014/main" id="{B90FDCAD-EC0D-E444-91BE-88C9BA56857D}"/>
+                <a16:creationId xmlns:a16="http://schemas.microsoft.com/office/drawing/2014/main" id="{B90FDCAD-EC0D-E444-91BE-88C9BA56857D}"/>
               </a:ext>
             </a:extLst>
           </p:cNvPr>
@@ -10151,7 +9811,7 @@
             <p:cNvPr id="5" name="TextBox 4">
               <a:extLst>
                 <a:ext uri="{FF2B5EF4-FFF2-40B4-BE49-F238E27FC236}">
-                  <a16:creationId xmlns="" xmlns:a16="http://schemas.microsoft.com/office/drawing/2014/main" id="{5FA700C0-B29D-8744-8841-0217243C87CC}"/>
+                  <a16:creationId xmlns:a16="http://schemas.microsoft.com/office/drawing/2014/main" id="{5FA700C0-B29D-8744-8841-0217243C87CC}"/>
                 </a:ext>
               </a:extLst>
             </p:cNvPr>
@@ -10178,7 +9838,7 @@
             <a:p>
               <a:pPr algn="ctr"/>
               <a:r>
-                <a:rPr lang="en-US" sz="1400" smtClean="0">
+                <a:rPr lang="en-US" sz="1400">
                   <a:solidFill>
                     <a:prstClr val="black"/>
                   </a:solidFill>
@@ -10187,7 +9847,7 @@
                 <a:t>config</a:t>
               </a:r>
               <a:r>
-                <a:rPr lang="tr-TR" sz="1400" smtClean="0">
+                <a:rPr lang="tr-TR" sz="1400">
                   <a:solidFill>
                     <a:prstClr val="black"/>
                   </a:solidFill>
@@ -10209,7 +9869,7 @@
             <p:cNvPr id="6" name="TextBox 5">
               <a:extLst>
                 <a:ext uri="{FF2B5EF4-FFF2-40B4-BE49-F238E27FC236}">
-                  <a16:creationId xmlns="" xmlns:a16="http://schemas.microsoft.com/office/drawing/2014/main" id="{68BDDE2C-6AE8-BD47-B13E-2C17D30237B8}"/>
+                  <a16:creationId xmlns:a16="http://schemas.microsoft.com/office/drawing/2014/main" id="{68BDDE2C-6AE8-BD47-B13E-2C17D30237B8}"/>
                 </a:ext>
               </a:extLst>
             </p:cNvPr>
@@ -10236,7 +9896,7 @@
             <a:p>
               <a:pPr algn="ctr"/>
               <a:r>
-                <a:rPr lang="en-US" sz="1400" smtClean="0">
+                <a:rPr lang="en-US" sz="1400">
                   <a:solidFill>
                     <a:prstClr val="black"/>
                   </a:solidFill>
@@ -10245,7 +9905,7 @@
                 <a:t>analysis</a:t>
               </a:r>
               <a:r>
-                <a:rPr lang="tr-TR" sz="1400" smtClean="0">
+                <a:rPr lang="tr-TR" sz="1400">
                   <a:solidFill>
                     <a:prstClr val="black"/>
                   </a:solidFill>
@@ -10267,7 +9927,7 @@
             <p:cNvPr id="7" name="TextBox 6">
               <a:extLst>
                 <a:ext uri="{FF2B5EF4-FFF2-40B4-BE49-F238E27FC236}">
-                  <a16:creationId xmlns="" xmlns:a16="http://schemas.microsoft.com/office/drawing/2014/main" id="{3515CAE6-F7B2-D64B-AD37-681245F7EA8B}"/>
+                  <a16:creationId xmlns:a16="http://schemas.microsoft.com/office/drawing/2014/main" id="{3515CAE6-F7B2-D64B-AD37-681245F7EA8B}"/>
                 </a:ext>
               </a:extLst>
             </p:cNvPr>
@@ -10294,7 +9954,7 @@
             <a:p>
               <a:pPr algn="ctr"/>
               <a:r>
-                <a:rPr lang="en-US" sz="1400" smtClean="0">
+                <a:rPr lang="en-US" sz="1400">
                   <a:solidFill>
                     <a:prstClr val="black"/>
                   </a:solidFill>
@@ -10303,7 +9963,7 @@
                 <a:t>bin</a:t>
               </a:r>
               <a:r>
-                <a:rPr lang="tr-TR" sz="1400" smtClean="0">
+                <a:rPr lang="tr-TR" sz="1400">
                   <a:solidFill>
                     <a:prstClr val="black"/>
                   </a:solidFill>
@@ -10325,7 +9985,7 @@
             <p:cNvPr id="8" name="TextBox 7">
               <a:extLst>
                 <a:ext uri="{FF2B5EF4-FFF2-40B4-BE49-F238E27FC236}">
-                  <a16:creationId xmlns="" xmlns:a16="http://schemas.microsoft.com/office/drawing/2014/main" id="{0309B048-4601-554B-B819-5E424D3EA82B}"/>
+                  <a16:creationId xmlns:a16="http://schemas.microsoft.com/office/drawing/2014/main" id="{0309B048-4601-554B-B819-5E424D3EA82B}"/>
                 </a:ext>
               </a:extLst>
             </p:cNvPr>
@@ -10352,7 +10012,7 @@
             <a:p>
               <a:pPr algn="ctr"/>
               <a:r>
-                <a:rPr lang="en-US" sz="1400" smtClean="0">
+                <a:rPr lang="en-US" sz="1400">
                   <a:solidFill>
                     <a:prstClr val="black"/>
                   </a:solidFill>
@@ -10361,7 +10021,7 @@
                 <a:t>couple</a:t>
               </a:r>
               <a:r>
-                <a:rPr lang="tr-TR" sz="1400" smtClean="0">
+                <a:rPr lang="tr-TR" sz="1400">
                   <a:solidFill>
                     <a:prstClr val="black"/>
                   </a:solidFill>
@@ -10383,7 +10043,7 @@
             <p:cNvPr id="9" name="TextBox 8">
               <a:extLst>
                 <a:ext uri="{FF2B5EF4-FFF2-40B4-BE49-F238E27FC236}">
-                  <a16:creationId xmlns="" xmlns:a16="http://schemas.microsoft.com/office/drawing/2014/main" id="{27023699-3F88-844F-BB2C-08C957E4445B}"/>
+                  <a16:creationId xmlns:a16="http://schemas.microsoft.com/office/drawing/2014/main" id="{27023699-3F88-844F-BB2C-08C957E4445B}"/>
                 </a:ext>
               </a:extLst>
             </p:cNvPr>
@@ -10410,7 +10070,7 @@
             <a:p>
               <a:pPr algn="ctr"/>
               <a:r>
-                <a:rPr lang="en-US" sz="1400" smtClean="0">
+                <a:rPr lang="en-US" sz="1400">
                   <a:solidFill>
                     <a:prstClr val="black"/>
                   </a:solidFill>
@@ -10419,7 +10079,7 @@
                 <a:t>forcing</a:t>
               </a:r>
               <a:r>
-                <a:rPr lang="tr-TR" sz="1400" smtClean="0">
+                <a:rPr lang="tr-TR" sz="1400">
                   <a:solidFill>
                     <a:prstClr val="black"/>
                   </a:solidFill>
@@ -10441,7 +10101,7 @@
             <p:cNvPr id="10" name="TextBox 9">
               <a:extLst>
                 <a:ext uri="{FF2B5EF4-FFF2-40B4-BE49-F238E27FC236}">
-                  <a16:creationId xmlns="" xmlns:a16="http://schemas.microsoft.com/office/drawing/2014/main" id="{205BB8F7-9915-594A-A99D-719AF5D5B99F}"/>
+                  <a16:creationId xmlns:a16="http://schemas.microsoft.com/office/drawing/2014/main" id="{205BB8F7-9915-594A-A99D-719AF5D5B99F}"/>
                 </a:ext>
               </a:extLst>
             </p:cNvPr>
@@ -10468,7 +10128,7 @@
             <a:p>
               <a:pPr algn="ctr"/>
               <a:r>
-                <a:rPr lang="en-US" sz="1400" smtClean="0">
+                <a:rPr lang="en-US" sz="1400">
                   <a:solidFill>
                     <a:prstClr val="black"/>
                   </a:solidFill>
@@ -10477,7 +10137,7 @@
                 <a:t>input</a:t>
               </a:r>
               <a:r>
-                <a:rPr lang="tr-TR" sz="1400" smtClean="0">
+                <a:rPr lang="tr-TR" sz="1400">
                   <a:solidFill>
                     <a:prstClr val="black"/>
                   </a:solidFill>
@@ -10499,7 +10159,7 @@
             <p:cNvPr id="11" name="TextBox 10">
               <a:extLst>
                 <a:ext uri="{FF2B5EF4-FFF2-40B4-BE49-F238E27FC236}">
-                  <a16:creationId xmlns="" xmlns:a16="http://schemas.microsoft.com/office/drawing/2014/main" id="{B811468F-4AA6-6747-97E3-F3F0347D1E87}"/>
+                  <a16:creationId xmlns:a16="http://schemas.microsoft.com/office/drawing/2014/main" id="{B811468F-4AA6-6747-97E3-F3F0347D1E87}"/>
                 </a:ext>
               </a:extLst>
             </p:cNvPr>
@@ -10526,7 +10186,7 @@
             <a:p>
               <a:pPr algn="ctr"/>
               <a:r>
-                <a:rPr lang="en-US" sz="1400" smtClean="0">
+                <a:rPr lang="en-US" sz="1400">
                   <a:solidFill>
                     <a:prstClr val="black"/>
                   </a:solidFill>
@@ -10535,7 +10195,7 @@
                 <a:t>run_DATE</a:t>
               </a:r>
               <a:r>
-                <a:rPr lang="tr-TR" sz="1400" smtClean="0">
+                <a:rPr lang="tr-TR" sz="1400">
                   <a:solidFill>
                     <a:prstClr val="black"/>
                   </a:solidFill>
@@ -10557,7 +10217,7 @@
             <p:cNvPr id="12" name="TextBox 11">
               <a:extLst>
                 <a:ext uri="{FF2B5EF4-FFF2-40B4-BE49-F238E27FC236}">
-                  <a16:creationId xmlns="" xmlns:a16="http://schemas.microsoft.com/office/drawing/2014/main" id="{3454597B-E00D-C34E-B855-69BF54F50B79}"/>
+                  <a16:creationId xmlns:a16="http://schemas.microsoft.com/office/drawing/2014/main" id="{3454597B-E00D-C34E-B855-69BF54F50B79}"/>
                 </a:ext>
               </a:extLst>
             </p:cNvPr>
@@ -10600,7 +10260,7 @@
             <p:cNvPr id="13" name="TextBox 12">
               <a:extLst>
                 <a:ext uri="{FF2B5EF4-FFF2-40B4-BE49-F238E27FC236}">
-                  <a16:creationId xmlns="" xmlns:a16="http://schemas.microsoft.com/office/drawing/2014/main" id="{55C6F5D3-28D0-FC48-8D25-993234BD60D5}"/>
+                  <a16:creationId xmlns:a16="http://schemas.microsoft.com/office/drawing/2014/main" id="{55C6F5D3-28D0-FC48-8D25-993234BD60D5}"/>
                 </a:ext>
               </a:extLst>
             </p:cNvPr>
@@ -10627,7 +10287,7 @@
             <a:p>
               <a:pPr algn="ctr"/>
               <a:r>
-                <a:rPr lang="en-US" sz="1400" smtClean="0">
+                <a:rPr lang="en-US" sz="1400">
                   <a:solidFill>
                     <a:prstClr val="black"/>
                   </a:solidFill>
@@ -10636,7 +10296,7 @@
                 <a:t>outdata</a:t>
               </a:r>
               <a:r>
-                <a:rPr lang="tr-TR" sz="1400" smtClean="0">
+                <a:rPr lang="tr-TR" sz="1400">
                   <a:solidFill>
                     <a:prstClr val="black"/>
                   </a:solidFill>
@@ -10658,7 +10318,7 @@
             <p:cNvPr id="14" name="TextBox 13">
               <a:extLst>
                 <a:ext uri="{FF2B5EF4-FFF2-40B4-BE49-F238E27FC236}">
-                  <a16:creationId xmlns="" xmlns:a16="http://schemas.microsoft.com/office/drawing/2014/main" id="{35CC1ED3-2C06-1D45-81C4-83D9B46A0579}"/>
+                  <a16:creationId xmlns:a16="http://schemas.microsoft.com/office/drawing/2014/main" id="{35CC1ED3-2C06-1D45-81C4-83D9B46A0579}"/>
                 </a:ext>
               </a:extLst>
             </p:cNvPr>
@@ -10685,7 +10345,7 @@
             <a:p>
               <a:pPr algn="ctr"/>
               <a:r>
-                <a:rPr lang="en-US" sz="1400" smtClean="0">
+                <a:rPr lang="en-US" sz="1400">
                   <a:solidFill>
                     <a:prstClr val="black"/>
                   </a:solidFill>
@@ -10694,7 +10354,7 @@
                 <a:t>unknown</a:t>
               </a:r>
               <a:r>
-                <a:rPr lang="tr-TR" sz="1400" smtClean="0">
+                <a:rPr lang="tr-TR" sz="1400">
                   <a:solidFill>
                     <a:prstClr val="black"/>
                   </a:solidFill>
@@ -10717,7 +10377,7 @@
           <p:cNvPr id="15" name="TextBox 14">
             <a:extLst>
               <a:ext uri="{FF2B5EF4-FFF2-40B4-BE49-F238E27FC236}">
-                <a16:creationId xmlns="" xmlns:a16="http://schemas.microsoft.com/office/drawing/2014/main" id="{A2F89D73-C95F-E943-9A62-EDFFF37F37C8}"/>
+                <a16:creationId xmlns:a16="http://schemas.microsoft.com/office/drawing/2014/main" id="{A2F89D73-C95F-E943-9A62-EDFFF37F37C8}"/>
               </a:ext>
             </a:extLst>
           </p:cNvPr>
@@ -10793,10 +10453,9 @@
           <a:lstStyle/>
           <a:p>
             <a:r>
-              <a:rPr lang="tr-TR" sz="4800" b="1" smtClean="0"/>
+              <a:rPr lang="tr-TR" sz="4800" b="1"/>
               <a:t>      Folder Structure</a:t>
             </a:r>
-            <a:endParaRPr lang="tr-TR" sz="4800" b="1"/>
           </a:p>
         </p:txBody>
       </p:sp>
@@ -10909,21 +10568,8 @@
             <a:pPr algn="ctr"/>
             <a:r>
               <a:rPr lang="tr-TR" sz="1000"/>
-              <a:t>7</a:t>
-            </a:r>
-            <a:r>
-              <a:rPr lang="tr-TR" sz="1000" smtClean="0"/>
-              <a:t> </a:t>
-            </a:r>
-            <a:r>
-              <a:rPr lang="tr-TR" sz="1000" smtClean="0"/>
-              <a:t>/ </a:t>
-            </a:r>
-            <a:r>
-              <a:rPr lang="tr-TR" sz="1000" smtClean="0"/>
-              <a:t>10</a:t>
-            </a:r>
-            <a:endParaRPr lang="tr-TR" sz="1000"/>
+              <a:t>7 / 10</a:t>
+            </a:r>
           </a:p>
         </p:txBody>
       </p:sp>
@@ -10932,7 +10578,7 @@
           <p:cNvPr id="41" name="Straight Arrow Connector 40">
             <a:extLst>
               <a:ext uri="{FF2B5EF4-FFF2-40B4-BE49-F238E27FC236}">
-                <a16:creationId xmlns="" xmlns:a16="http://schemas.microsoft.com/office/drawing/2014/main" id="{458E4AAE-EC37-A844-85A1-DDF973A7F2FF}"/>
+                <a16:creationId xmlns:a16="http://schemas.microsoft.com/office/drawing/2014/main" id="{458E4AAE-EC37-A844-85A1-DDF973A7F2FF}"/>
               </a:ext>
             </a:extLst>
           </p:cNvPr>
@@ -10976,7 +10622,7 @@
           <p:cNvPr id="42" name="Straight Arrow Connector 41">
             <a:extLst>
               <a:ext uri="{FF2B5EF4-FFF2-40B4-BE49-F238E27FC236}">
-                <a16:creationId xmlns="" xmlns:a16="http://schemas.microsoft.com/office/drawing/2014/main" id="{8412B553-5A5C-4B46-BE5E-48968E9B9BE2}"/>
+                <a16:creationId xmlns:a16="http://schemas.microsoft.com/office/drawing/2014/main" id="{8412B553-5A5C-4B46-BE5E-48968E9B9BE2}"/>
               </a:ext>
             </a:extLst>
           </p:cNvPr>
@@ -11021,7 +10667,7 @@
           <p:cNvPr id="43" name="TextBox 42">
             <a:extLst>
               <a:ext uri="{FF2B5EF4-FFF2-40B4-BE49-F238E27FC236}">
-                <a16:creationId xmlns="" xmlns:a16="http://schemas.microsoft.com/office/drawing/2014/main" id="{7B730B36-D76F-4A44-A477-5FF991D5CE04}"/>
+                <a16:creationId xmlns:a16="http://schemas.microsoft.com/office/drawing/2014/main" id="{7B730B36-D76F-4A44-A477-5FF991D5CE04}"/>
               </a:ext>
             </a:extLst>
           </p:cNvPr>
@@ -11068,7 +10714,7 @@
           <p:cNvPr id="45" name="Straight Arrow Connector 44">
             <a:extLst>
               <a:ext uri="{FF2B5EF4-FFF2-40B4-BE49-F238E27FC236}">
-                <a16:creationId xmlns="" xmlns:a16="http://schemas.microsoft.com/office/drawing/2014/main" id="{E0493198-0B09-2E48-BFB1-39B8E11FD941}"/>
+                <a16:creationId xmlns:a16="http://schemas.microsoft.com/office/drawing/2014/main" id="{E0493198-0B09-2E48-BFB1-39B8E11FD941}"/>
               </a:ext>
             </a:extLst>
           </p:cNvPr>
@@ -11112,7 +10758,7 @@
           <p:cNvPr id="48" name="TextBox 47">
             <a:extLst>
               <a:ext uri="{FF2B5EF4-FFF2-40B4-BE49-F238E27FC236}">
-                <a16:creationId xmlns="" xmlns:a16="http://schemas.microsoft.com/office/drawing/2014/main" id="{67F2869A-F430-594D-88BD-A1DD3F21E799}"/>
+                <a16:creationId xmlns:a16="http://schemas.microsoft.com/office/drawing/2014/main" id="{67F2869A-F430-594D-88BD-A1DD3F21E799}"/>
               </a:ext>
             </a:extLst>
           </p:cNvPr>
@@ -11219,7 +10865,7 @@
           <p:cNvPr id="46" name="TextBox 45">
             <a:extLst>
               <a:ext uri="{FF2B5EF4-FFF2-40B4-BE49-F238E27FC236}">
-                <a16:creationId xmlns="" xmlns:a16="http://schemas.microsoft.com/office/drawing/2014/main" id="{066F1147-892B-644A-946D-D282AA8B5897}"/>
+                <a16:creationId xmlns:a16="http://schemas.microsoft.com/office/drawing/2014/main" id="{066F1147-892B-644A-946D-D282AA8B5897}"/>
               </a:ext>
             </a:extLst>
           </p:cNvPr>
@@ -11300,7 +10946,7 @@
           <p:cNvPr id="39" name="TextBox 38">
             <a:extLst>
               <a:ext uri="{FF2B5EF4-FFF2-40B4-BE49-F238E27FC236}">
-                <a16:creationId xmlns="" xmlns:a16="http://schemas.microsoft.com/office/drawing/2014/main" id="{A4A4C87A-EB51-8144-8E9A-D53D459857FF}"/>
+                <a16:creationId xmlns:a16="http://schemas.microsoft.com/office/drawing/2014/main" id="{A4A4C87A-EB51-8144-8E9A-D53D459857FF}"/>
               </a:ext>
             </a:extLst>
           </p:cNvPr>
@@ -11332,34 +10978,25 @@
           <a:p>
             <a:pPr algn="ctr"/>
             <a:r>
-              <a:rPr lang="tr-TR" sz="1400" b="1" smtClean="0">
+              <a:rPr lang="tr-TR" sz="1400" b="1">
                 <a:solidFill>
                   <a:srgbClr val="00B050"/>
                 </a:solidFill>
                 <a:latin typeface="Consolas" panose="020B0609020204030204" pitchFamily="49" charset="0"/>
               </a:rPr>
-              <a:t>esm_</a:t>
+              <a:t>esm_t</a:t>
+            </a:r>
+            <a:r>
+              <a:rPr lang="en-US" sz="1400" b="1">
+                <a:solidFill>
+                  <a:srgbClr val="00B050"/>
+                </a:solidFill>
+                <a:latin typeface="Consolas" panose="020B0609020204030204" pitchFamily="49" charset="0"/>
+              </a:rPr>
+              <a:t>ools</a:t>
             </a:r>
             <a:r>
               <a:rPr lang="tr-TR" sz="1400" b="1">
-                <a:solidFill>
-                  <a:srgbClr val="00B050"/>
-                </a:solidFill>
-                <a:latin typeface="Consolas" panose="020B0609020204030204" pitchFamily="49" charset="0"/>
-              </a:rPr>
-              <a:t>t</a:t>
-            </a:r>
-            <a:r>
-              <a:rPr lang="en-US" sz="1400" b="1" smtClean="0">
-                <a:solidFill>
-                  <a:srgbClr val="00B050"/>
-                </a:solidFill>
-                <a:latin typeface="Consolas" panose="020B0609020204030204" pitchFamily="49" charset="0"/>
-              </a:rPr>
-              <a:t>ools</a:t>
-            </a:r>
-            <a:r>
-              <a:rPr lang="tr-TR" sz="1400" b="1" smtClean="0">
                 <a:solidFill>
                   <a:srgbClr val="00B050"/>
                 </a:solidFill>
@@ -11381,7 +11018,7 @@
           <p:cNvPr id="44" name="TextBox 43">
             <a:extLst>
               <a:ext uri="{FF2B5EF4-FFF2-40B4-BE49-F238E27FC236}">
-                <a16:creationId xmlns="" xmlns:a16="http://schemas.microsoft.com/office/drawing/2014/main" id="{BABD71F7-3732-8C4C-B3FC-9F685E4A99F6}"/>
+                <a16:creationId xmlns:a16="http://schemas.microsoft.com/office/drawing/2014/main" id="{BABD71F7-3732-8C4C-B3FC-9F685E4A99F6}"/>
               </a:ext>
             </a:extLst>
           </p:cNvPr>
@@ -11413,7 +11050,7 @@
           <a:p>
             <a:pPr algn="ctr"/>
             <a:r>
-              <a:rPr lang="tr-TR" sz="1400" b="1" smtClean="0">
+              <a:rPr lang="tr-TR" sz="1400" b="1">
                 <a:solidFill>
                   <a:srgbClr val="00B050"/>
                 </a:solidFill>
@@ -11425,7 +11062,7 @@
           <a:p>
             <a:pPr algn="ctr"/>
             <a:r>
-              <a:rPr lang="tr-TR" sz="1200" b="1" smtClean="0">
+              <a:rPr lang="tr-TR" sz="1200" b="1">
                 <a:solidFill>
                   <a:srgbClr val="00ACE6"/>
                 </a:solidFill>
@@ -11447,7 +11084,7 @@
           <p:cNvPr id="78" name="TextBox 77">
             <a:extLst>
               <a:ext uri="{FF2B5EF4-FFF2-40B4-BE49-F238E27FC236}">
-                <a16:creationId xmlns="" xmlns:a16="http://schemas.microsoft.com/office/drawing/2014/main" id="{F85F4FE5-8509-2947-842B-A357260A65CB}"/>
+                <a16:creationId xmlns:a16="http://schemas.microsoft.com/office/drawing/2014/main" id="{F85F4FE5-8509-2947-842B-A357260A65CB}"/>
               </a:ext>
             </a:extLst>
           </p:cNvPr>
@@ -11476,15 +11113,7 @@
                   <a:prstClr val="black"/>
                 </a:solidFill>
               </a:rPr>
-              <a:t>Run </a:t>
-            </a:r>
-            <a:r>
-              <a:rPr lang="en-US" sz="2400" b="1" smtClean="0">
-                <a:solidFill>
-                  <a:prstClr val="black"/>
-                </a:solidFill>
-              </a:rPr>
-              <a:t>folder</a:t>
+              <a:t>Run folder</a:t>
             </a:r>
             <a:endParaRPr lang="en-US" sz="2400" b="1" dirty="0">
               <a:solidFill>
@@ -11499,7 +11128,7 @@
           <p:cNvPr id="79" name="Group 78">
             <a:extLst>
               <a:ext uri="{FF2B5EF4-FFF2-40B4-BE49-F238E27FC236}">
-                <a16:creationId xmlns="" xmlns:a16="http://schemas.microsoft.com/office/drawing/2014/main" id="{1B72B37A-0771-3C4D-9DDB-DB626307C315}"/>
+                <a16:creationId xmlns:a16="http://schemas.microsoft.com/office/drawing/2014/main" id="{1B72B37A-0771-3C4D-9DDB-DB626307C315}"/>
               </a:ext>
             </a:extLst>
           </p:cNvPr>
@@ -11519,7 +11148,7 @@
             <p:cNvPr id="80" name="TextBox 79">
               <a:extLst>
                 <a:ext uri="{FF2B5EF4-FFF2-40B4-BE49-F238E27FC236}">
-                  <a16:creationId xmlns="" xmlns:a16="http://schemas.microsoft.com/office/drawing/2014/main" id="{98A2E6B4-64DF-1045-8700-16A757530026}"/>
+                  <a16:creationId xmlns:a16="http://schemas.microsoft.com/office/drawing/2014/main" id="{98A2E6B4-64DF-1045-8700-16A757530026}"/>
                 </a:ext>
               </a:extLst>
             </p:cNvPr>
@@ -11546,7 +11175,7 @@
             <a:p>
               <a:pPr algn="ctr"/>
               <a:r>
-                <a:rPr lang="en-US" sz="1400" smtClean="0">
+                <a:rPr lang="en-US" sz="1400">
                   <a:solidFill>
                     <a:prstClr val="black"/>
                   </a:solidFill>
@@ -11555,7 +11184,7 @@
                 <a:t>config</a:t>
               </a:r>
               <a:r>
-                <a:rPr lang="tr-TR" sz="1400" smtClean="0">
+                <a:rPr lang="tr-TR" sz="1400">
                   <a:solidFill>
                     <a:prstClr val="black"/>
                   </a:solidFill>
@@ -11577,7 +11206,7 @@
             <p:cNvPr id="81" name="TextBox 80">
               <a:extLst>
                 <a:ext uri="{FF2B5EF4-FFF2-40B4-BE49-F238E27FC236}">
-                  <a16:creationId xmlns="" xmlns:a16="http://schemas.microsoft.com/office/drawing/2014/main" id="{5917BE89-7557-1640-9B01-F58D6A568E85}"/>
+                  <a16:creationId xmlns:a16="http://schemas.microsoft.com/office/drawing/2014/main" id="{5917BE89-7557-1640-9B01-F58D6A568E85}"/>
                 </a:ext>
               </a:extLst>
             </p:cNvPr>
@@ -11604,7 +11233,7 @@
             <a:p>
               <a:pPr algn="ctr"/>
               <a:r>
-                <a:rPr lang="en-US" sz="1400" smtClean="0">
+                <a:rPr lang="en-US" sz="1400">
                   <a:solidFill>
                     <a:prstClr val="black"/>
                   </a:solidFill>
@@ -11613,7 +11242,7 @@
                 <a:t>analysis</a:t>
               </a:r>
               <a:r>
-                <a:rPr lang="tr-TR" sz="1400" smtClean="0">
+                <a:rPr lang="tr-TR" sz="1400">
                   <a:solidFill>
                     <a:prstClr val="black"/>
                   </a:solidFill>
@@ -11635,7 +11264,7 @@
             <p:cNvPr id="82" name="TextBox 81">
               <a:extLst>
                 <a:ext uri="{FF2B5EF4-FFF2-40B4-BE49-F238E27FC236}">
-                  <a16:creationId xmlns="" xmlns:a16="http://schemas.microsoft.com/office/drawing/2014/main" id="{1F46CDD2-E1BB-D844-B23E-232DD02119B3}"/>
+                  <a16:creationId xmlns:a16="http://schemas.microsoft.com/office/drawing/2014/main" id="{1F46CDD2-E1BB-D844-B23E-232DD02119B3}"/>
                 </a:ext>
               </a:extLst>
             </p:cNvPr>
@@ -11662,7 +11291,7 @@
             <a:p>
               <a:pPr algn="ctr"/>
               <a:r>
-                <a:rPr lang="en-US" sz="1400" smtClean="0">
+                <a:rPr lang="en-US" sz="1400">
                   <a:solidFill>
                     <a:prstClr val="black"/>
                   </a:solidFill>
@@ -11671,7 +11300,7 @@
                 <a:t>bin</a:t>
               </a:r>
               <a:r>
-                <a:rPr lang="tr-TR" sz="1400" smtClean="0">
+                <a:rPr lang="tr-TR" sz="1400">
                   <a:solidFill>
                     <a:prstClr val="black"/>
                   </a:solidFill>
@@ -11693,7 +11322,7 @@
             <p:cNvPr id="83" name="TextBox 82">
               <a:extLst>
                 <a:ext uri="{FF2B5EF4-FFF2-40B4-BE49-F238E27FC236}">
-                  <a16:creationId xmlns="" xmlns:a16="http://schemas.microsoft.com/office/drawing/2014/main" id="{CC8DF00E-FAF2-E745-B1D4-EA42F9419E56}"/>
+                  <a16:creationId xmlns:a16="http://schemas.microsoft.com/office/drawing/2014/main" id="{CC8DF00E-FAF2-E745-B1D4-EA42F9419E56}"/>
                 </a:ext>
               </a:extLst>
             </p:cNvPr>
@@ -11720,7 +11349,7 @@
             <a:p>
               <a:pPr algn="ctr"/>
               <a:r>
-                <a:rPr lang="en-US" sz="1400" smtClean="0">
+                <a:rPr lang="en-US" sz="1400">
                   <a:solidFill>
                     <a:prstClr val="black"/>
                   </a:solidFill>
@@ -11729,7 +11358,7 @@
                 <a:t>couple</a:t>
               </a:r>
               <a:r>
-                <a:rPr lang="tr-TR" sz="1400" smtClean="0">
+                <a:rPr lang="tr-TR" sz="1400">
                   <a:solidFill>
                     <a:prstClr val="black"/>
                   </a:solidFill>
@@ -11751,7 +11380,7 @@
             <p:cNvPr id="84" name="TextBox 83">
               <a:extLst>
                 <a:ext uri="{FF2B5EF4-FFF2-40B4-BE49-F238E27FC236}">
-                  <a16:creationId xmlns="" xmlns:a16="http://schemas.microsoft.com/office/drawing/2014/main" id="{B6086CAD-CFA8-E244-8287-3B4E811E3407}"/>
+                  <a16:creationId xmlns:a16="http://schemas.microsoft.com/office/drawing/2014/main" id="{B6086CAD-CFA8-E244-8287-3B4E811E3407}"/>
                 </a:ext>
               </a:extLst>
             </p:cNvPr>
@@ -11783,7 +11412,7 @@
             <a:p>
               <a:pPr algn="ctr"/>
               <a:r>
-                <a:rPr lang="en-US" sz="1400" smtClean="0">
+                <a:rPr lang="en-US" sz="1400">
                   <a:solidFill>
                     <a:prstClr val="black"/>
                   </a:solidFill>
@@ -11792,7 +11421,7 @@
                 <a:t>work</a:t>
               </a:r>
               <a:r>
-                <a:rPr lang="tr-TR" sz="1400" smtClean="0">
+                <a:rPr lang="tr-TR" sz="1400">
                   <a:solidFill>
                     <a:prstClr val="black"/>
                   </a:solidFill>
@@ -11814,7 +11443,7 @@
             <p:cNvPr id="85" name="TextBox 84">
               <a:extLst>
                 <a:ext uri="{FF2B5EF4-FFF2-40B4-BE49-F238E27FC236}">
-                  <a16:creationId xmlns="" xmlns:a16="http://schemas.microsoft.com/office/drawing/2014/main" id="{BB1AC1B3-DFF3-C147-A790-4881893E3652}"/>
+                  <a16:creationId xmlns:a16="http://schemas.microsoft.com/office/drawing/2014/main" id="{BB1AC1B3-DFF3-C147-A790-4881893E3652}"/>
                 </a:ext>
               </a:extLst>
             </p:cNvPr>
@@ -11841,7 +11470,7 @@
             <a:p>
               <a:pPr algn="ctr"/>
               <a:r>
-                <a:rPr lang="en-US" sz="1400" smtClean="0">
+                <a:rPr lang="en-US" sz="1400">
                   <a:solidFill>
                     <a:prstClr val="black"/>
                   </a:solidFill>
@@ -11850,7 +11479,7 @@
                 <a:t>input</a:t>
               </a:r>
               <a:r>
-                <a:rPr lang="tr-TR" sz="1400" smtClean="0">
+                <a:rPr lang="tr-TR" sz="1400">
                   <a:solidFill>
                     <a:prstClr val="black"/>
                   </a:solidFill>
@@ -11872,7 +11501,7 @@
             <p:cNvPr id="86" name="TextBox 85">
               <a:extLst>
                 <a:ext uri="{FF2B5EF4-FFF2-40B4-BE49-F238E27FC236}">
-                  <a16:creationId xmlns="" xmlns:a16="http://schemas.microsoft.com/office/drawing/2014/main" id="{EDAF48B9-26B6-3642-BB9C-5DE48D3ACE23}"/>
+                  <a16:creationId xmlns:a16="http://schemas.microsoft.com/office/drawing/2014/main" id="{EDAF48B9-26B6-3642-BB9C-5DE48D3ACE23}"/>
                 </a:ext>
               </a:extLst>
             </p:cNvPr>
@@ -11899,7 +11528,7 @@
             <a:p>
               <a:pPr algn="ctr"/>
               <a:r>
-                <a:rPr lang="en-US" sz="1400" smtClean="0">
+                <a:rPr lang="en-US" sz="1400">
                   <a:solidFill>
                     <a:prstClr val="black"/>
                   </a:solidFill>
@@ -11908,7 +11537,7 @@
                 <a:t>restart</a:t>
               </a:r>
               <a:r>
-                <a:rPr lang="tr-TR" sz="1400" smtClean="0">
+                <a:rPr lang="tr-TR" sz="1400">
                   <a:solidFill>
                     <a:prstClr val="black"/>
                   </a:solidFill>
@@ -11930,7 +11559,7 @@
             <p:cNvPr id="87" name="TextBox 86">
               <a:extLst>
                 <a:ext uri="{FF2B5EF4-FFF2-40B4-BE49-F238E27FC236}">
-                  <a16:creationId xmlns="" xmlns:a16="http://schemas.microsoft.com/office/drawing/2014/main" id="{E9B59AD7-EB7C-7C47-AB8C-E586A646D249}"/>
+                  <a16:creationId xmlns:a16="http://schemas.microsoft.com/office/drawing/2014/main" id="{E9B59AD7-EB7C-7C47-AB8C-E586A646D249}"/>
                 </a:ext>
               </a:extLst>
             </p:cNvPr>
@@ -11957,7 +11586,7 @@
             <a:p>
               <a:pPr algn="ctr"/>
               <a:r>
-                <a:rPr lang="en-US" sz="1400" smtClean="0">
+                <a:rPr lang="en-US" sz="1400">
                   <a:solidFill>
                     <a:prstClr val="black"/>
                   </a:solidFill>
@@ -11966,7 +11595,7 @@
                 <a:t>outdata</a:t>
               </a:r>
               <a:r>
-                <a:rPr lang="tr-TR" sz="1400" smtClean="0">
+                <a:rPr lang="tr-TR" sz="1400">
                   <a:solidFill>
                     <a:prstClr val="black"/>
                   </a:solidFill>
@@ -11988,7 +11617,7 @@
             <p:cNvPr id="88" name="TextBox 87">
               <a:extLst>
                 <a:ext uri="{FF2B5EF4-FFF2-40B4-BE49-F238E27FC236}">
-                  <a16:creationId xmlns="" xmlns:a16="http://schemas.microsoft.com/office/drawing/2014/main" id="{FC311768-AE5E-7A47-A3B4-E6D842E167F9}"/>
+                  <a16:creationId xmlns:a16="http://schemas.microsoft.com/office/drawing/2014/main" id="{FC311768-AE5E-7A47-A3B4-E6D842E167F9}"/>
                 </a:ext>
               </a:extLst>
             </p:cNvPr>
@@ -12015,7 +11644,7 @@
             <a:p>
               <a:pPr algn="ctr"/>
               <a:r>
-                <a:rPr lang="en-US" sz="1400" smtClean="0">
+                <a:rPr lang="en-US" sz="1400">
                   <a:solidFill>
                     <a:prstClr val="black"/>
                   </a:solidFill>
@@ -12024,7 +11653,7 @@
                 <a:t>unknown</a:t>
               </a:r>
               <a:r>
-                <a:rPr lang="tr-TR" sz="1400" smtClean="0">
+                <a:rPr lang="tr-TR" sz="1400">
                   <a:solidFill>
                     <a:prstClr val="black"/>
                   </a:solidFill>
@@ -12046,7 +11675,7 @@
             <p:cNvPr id="89" name="TextBox 88">
               <a:extLst>
                 <a:ext uri="{FF2B5EF4-FFF2-40B4-BE49-F238E27FC236}">
-                  <a16:creationId xmlns="" xmlns:a16="http://schemas.microsoft.com/office/drawing/2014/main" id="{CF5FF889-727C-3C48-A044-6E1916D7825E}"/>
+                  <a16:creationId xmlns:a16="http://schemas.microsoft.com/office/drawing/2014/main" id="{CF5FF889-727C-3C48-A044-6E1916D7825E}"/>
                 </a:ext>
               </a:extLst>
             </p:cNvPr>
@@ -12073,7 +11702,7 @@
             <a:p>
               <a:pPr algn="ctr"/>
               <a:r>
-                <a:rPr lang="en-US" sz="1400" smtClean="0">
+                <a:rPr lang="en-US" sz="1400">
                   <a:solidFill>
                     <a:prstClr val="black"/>
                   </a:solidFill>
@@ -12082,7 +11711,7 @@
                 <a:t>forcing</a:t>
               </a:r>
               <a:r>
-                <a:rPr lang="tr-TR" sz="1400" smtClean="0">
+                <a:rPr lang="tr-TR" sz="1400">
                   <a:solidFill>
                     <a:prstClr val="black"/>
                   </a:solidFill>
@@ -12145,13 +11774,6 @@
   <p:clrMapOvr>
     <a:masterClrMapping/>
   </p:clrMapOvr>
-  <p:timing>
-    <p:tnLst>
-      <p:par>
-        <p:cTn id="1" dur="indefinite" restart="never" nodeType="tmRoot"/>
-      </p:par>
-    </p:tnLst>
-  </p:timing>
 </p:sld>
 </file>
 
@@ -12247,7 +11869,7 @@
           <p:cNvPr id="2" name="Title 1">
             <a:extLst>
               <a:ext uri="{FF2B5EF4-FFF2-40B4-BE49-F238E27FC236}">
-                <a16:creationId xmlns="" xmlns:a16="http://schemas.microsoft.com/office/drawing/2014/main" id="{C34CAF2C-5DD6-794F-AE09-E05723759005}"/>
+                <a16:creationId xmlns:a16="http://schemas.microsoft.com/office/drawing/2014/main" id="{C34CAF2C-5DD6-794F-AE09-E05723759005}"/>
               </a:ext>
             </a:extLst>
           </p:cNvPr>
@@ -12275,7 +11897,7 @@
           <p:cNvPr id="40" name="Group 39">
             <a:extLst>
               <a:ext uri="{FF2B5EF4-FFF2-40B4-BE49-F238E27FC236}">
-                <a16:creationId xmlns="" xmlns:a16="http://schemas.microsoft.com/office/drawing/2014/main" id="{B90FDCAD-EC0D-E444-91BE-88C9BA56857D}"/>
+                <a16:creationId xmlns:a16="http://schemas.microsoft.com/office/drawing/2014/main" id="{B90FDCAD-EC0D-E444-91BE-88C9BA56857D}"/>
               </a:ext>
             </a:extLst>
           </p:cNvPr>
@@ -12295,7 +11917,7 @@
             <p:cNvPr id="5" name="TextBox 4">
               <a:extLst>
                 <a:ext uri="{FF2B5EF4-FFF2-40B4-BE49-F238E27FC236}">
-                  <a16:creationId xmlns="" xmlns:a16="http://schemas.microsoft.com/office/drawing/2014/main" id="{5FA700C0-B29D-8744-8841-0217243C87CC}"/>
+                  <a16:creationId xmlns:a16="http://schemas.microsoft.com/office/drawing/2014/main" id="{5FA700C0-B29D-8744-8841-0217243C87CC}"/>
                 </a:ext>
               </a:extLst>
             </p:cNvPr>
@@ -12322,7 +11944,7 @@
             <a:p>
               <a:pPr algn="ctr"/>
               <a:r>
-                <a:rPr lang="en-US" sz="1400" smtClean="0">
+                <a:rPr lang="en-US" sz="1400">
                   <a:solidFill>
                     <a:prstClr val="black"/>
                   </a:solidFill>
@@ -12331,7 +11953,7 @@
                 <a:t>config</a:t>
               </a:r>
               <a:r>
-                <a:rPr lang="tr-TR" sz="1400" smtClean="0">
+                <a:rPr lang="tr-TR" sz="1400">
                   <a:solidFill>
                     <a:prstClr val="black"/>
                   </a:solidFill>
@@ -12353,7 +11975,7 @@
             <p:cNvPr id="6" name="TextBox 5">
               <a:extLst>
                 <a:ext uri="{FF2B5EF4-FFF2-40B4-BE49-F238E27FC236}">
-                  <a16:creationId xmlns="" xmlns:a16="http://schemas.microsoft.com/office/drawing/2014/main" id="{68BDDE2C-6AE8-BD47-B13E-2C17D30237B8}"/>
+                  <a16:creationId xmlns:a16="http://schemas.microsoft.com/office/drawing/2014/main" id="{68BDDE2C-6AE8-BD47-B13E-2C17D30237B8}"/>
                 </a:ext>
               </a:extLst>
             </p:cNvPr>
@@ -12380,7 +12002,7 @@
             <a:p>
               <a:pPr algn="ctr"/>
               <a:r>
-                <a:rPr lang="en-US" sz="1400" smtClean="0">
+                <a:rPr lang="en-US" sz="1400">
                   <a:solidFill>
                     <a:prstClr val="black"/>
                   </a:solidFill>
@@ -12389,7 +12011,7 @@
                 <a:t>analysis</a:t>
               </a:r>
               <a:r>
-                <a:rPr lang="tr-TR" sz="1400" smtClean="0">
+                <a:rPr lang="tr-TR" sz="1400">
                   <a:solidFill>
                     <a:prstClr val="black"/>
                   </a:solidFill>
@@ -12411,7 +12033,7 @@
             <p:cNvPr id="7" name="TextBox 6">
               <a:extLst>
                 <a:ext uri="{FF2B5EF4-FFF2-40B4-BE49-F238E27FC236}">
-                  <a16:creationId xmlns="" xmlns:a16="http://schemas.microsoft.com/office/drawing/2014/main" id="{3515CAE6-F7B2-D64B-AD37-681245F7EA8B}"/>
+                  <a16:creationId xmlns:a16="http://schemas.microsoft.com/office/drawing/2014/main" id="{3515CAE6-F7B2-D64B-AD37-681245F7EA8B}"/>
                 </a:ext>
               </a:extLst>
             </p:cNvPr>
@@ -12438,7 +12060,7 @@
             <a:p>
               <a:pPr algn="ctr"/>
               <a:r>
-                <a:rPr lang="en-US" sz="1400" smtClean="0">
+                <a:rPr lang="en-US" sz="1400">
                   <a:solidFill>
                     <a:prstClr val="black"/>
                   </a:solidFill>
@@ -12447,7 +12069,7 @@
                 <a:t>bin</a:t>
               </a:r>
               <a:r>
-                <a:rPr lang="tr-TR" sz="1400" smtClean="0">
+                <a:rPr lang="tr-TR" sz="1400">
                   <a:solidFill>
                     <a:prstClr val="black"/>
                   </a:solidFill>
@@ -12469,7 +12091,7 @@
             <p:cNvPr id="8" name="TextBox 7">
               <a:extLst>
                 <a:ext uri="{FF2B5EF4-FFF2-40B4-BE49-F238E27FC236}">
-                  <a16:creationId xmlns="" xmlns:a16="http://schemas.microsoft.com/office/drawing/2014/main" id="{0309B048-4601-554B-B819-5E424D3EA82B}"/>
+                  <a16:creationId xmlns:a16="http://schemas.microsoft.com/office/drawing/2014/main" id="{0309B048-4601-554B-B819-5E424D3EA82B}"/>
                 </a:ext>
               </a:extLst>
             </p:cNvPr>
@@ -12496,7 +12118,7 @@
             <a:p>
               <a:pPr algn="ctr"/>
               <a:r>
-                <a:rPr lang="en-US" sz="1400" smtClean="0">
+                <a:rPr lang="en-US" sz="1400">
                   <a:solidFill>
                     <a:prstClr val="black"/>
                   </a:solidFill>
@@ -12505,7 +12127,7 @@
                 <a:t>couple</a:t>
               </a:r>
               <a:r>
-                <a:rPr lang="tr-TR" sz="1400" smtClean="0">
+                <a:rPr lang="tr-TR" sz="1400">
                   <a:solidFill>
                     <a:prstClr val="black"/>
                   </a:solidFill>
@@ -12527,7 +12149,7 @@
             <p:cNvPr id="9" name="TextBox 8">
               <a:extLst>
                 <a:ext uri="{FF2B5EF4-FFF2-40B4-BE49-F238E27FC236}">
-                  <a16:creationId xmlns="" xmlns:a16="http://schemas.microsoft.com/office/drawing/2014/main" id="{27023699-3F88-844F-BB2C-08C957E4445B}"/>
+                  <a16:creationId xmlns:a16="http://schemas.microsoft.com/office/drawing/2014/main" id="{27023699-3F88-844F-BB2C-08C957E4445B}"/>
                 </a:ext>
               </a:extLst>
             </p:cNvPr>
@@ -12554,7 +12176,7 @@
             <a:p>
               <a:pPr algn="ctr"/>
               <a:r>
-                <a:rPr lang="en-US" sz="1400" smtClean="0">
+                <a:rPr lang="en-US" sz="1400">
                   <a:solidFill>
                     <a:prstClr val="black"/>
                   </a:solidFill>
@@ -12563,7 +12185,7 @@
                 <a:t>forcing</a:t>
               </a:r>
               <a:r>
-                <a:rPr lang="tr-TR" sz="1400" smtClean="0">
+                <a:rPr lang="tr-TR" sz="1400">
                   <a:solidFill>
                     <a:prstClr val="black"/>
                   </a:solidFill>
@@ -12585,7 +12207,7 @@
             <p:cNvPr id="10" name="TextBox 9">
               <a:extLst>
                 <a:ext uri="{FF2B5EF4-FFF2-40B4-BE49-F238E27FC236}">
-                  <a16:creationId xmlns="" xmlns:a16="http://schemas.microsoft.com/office/drawing/2014/main" id="{205BB8F7-9915-594A-A99D-719AF5D5B99F}"/>
+                  <a16:creationId xmlns:a16="http://schemas.microsoft.com/office/drawing/2014/main" id="{205BB8F7-9915-594A-A99D-719AF5D5B99F}"/>
                 </a:ext>
               </a:extLst>
             </p:cNvPr>
@@ -12612,7 +12234,7 @@
             <a:p>
               <a:pPr algn="ctr"/>
               <a:r>
-                <a:rPr lang="en-US" sz="1400" smtClean="0">
+                <a:rPr lang="en-US" sz="1400">
                   <a:solidFill>
                     <a:prstClr val="black"/>
                   </a:solidFill>
@@ -12621,7 +12243,7 @@
                 <a:t>input</a:t>
               </a:r>
               <a:r>
-                <a:rPr lang="tr-TR" sz="1400" smtClean="0">
+                <a:rPr lang="tr-TR" sz="1400">
                   <a:solidFill>
                     <a:prstClr val="black"/>
                   </a:solidFill>
@@ -12643,7 +12265,7 @@
             <p:cNvPr id="11" name="TextBox 10">
               <a:extLst>
                 <a:ext uri="{FF2B5EF4-FFF2-40B4-BE49-F238E27FC236}">
-                  <a16:creationId xmlns="" xmlns:a16="http://schemas.microsoft.com/office/drawing/2014/main" id="{B811468F-4AA6-6747-97E3-F3F0347D1E87}"/>
+                  <a16:creationId xmlns:a16="http://schemas.microsoft.com/office/drawing/2014/main" id="{B811468F-4AA6-6747-97E3-F3F0347D1E87}"/>
                 </a:ext>
               </a:extLst>
             </p:cNvPr>
@@ -12670,7 +12292,7 @@
             <a:p>
               <a:pPr algn="ctr"/>
               <a:r>
-                <a:rPr lang="en-US" sz="1400" smtClean="0">
+                <a:rPr lang="en-US" sz="1400">
                   <a:solidFill>
                     <a:prstClr val="black"/>
                   </a:solidFill>
@@ -12679,7 +12301,7 @@
                 <a:t>run_DATE</a:t>
               </a:r>
               <a:r>
-                <a:rPr lang="tr-TR" sz="1400" smtClean="0">
+                <a:rPr lang="tr-TR" sz="1400">
                   <a:solidFill>
                     <a:prstClr val="black"/>
                   </a:solidFill>
@@ -12701,7 +12323,7 @@
             <p:cNvPr id="12" name="TextBox 11">
               <a:extLst>
                 <a:ext uri="{FF2B5EF4-FFF2-40B4-BE49-F238E27FC236}">
-                  <a16:creationId xmlns="" xmlns:a16="http://schemas.microsoft.com/office/drawing/2014/main" id="{3454597B-E00D-C34E-B855-69BF54F50B79}"/>
+                  <a16:creationId xmlns:a16="http://schemas.microsoft.com/office/drawing/2014/main" id="{3454597B-E00D-C34E-B855-69BF54F50B79}"/>
                 </a:ext>
               </a:extLst>
             </p:cNvPr>
@@ -12744,7 +12366,7 @@
             <p:cNvPr id="13" name="TextBox 12">
               <a:extLst>
                 <a:ext uri="{FF2B5EF4-FFF2-40B4-BE49-F238E27FC236}">
-                  <a16:creationId xmlns="" xmlns:a16="http://schemas.microsoft.com/office/drawing/2014/main" id="{55C6F5D3-28D0-FC48-8D25-993234BD60D5}"/>
+                  <a16:creationId xmlns:a16="http://schemas.microsoft.com/office/drawing/2014/main" id="{55C6F5D3-28D0-FC48-8D25-993234BD60D5}"/>
                 </a:ext>
               </a:extLst>
             </p:cNvPr>
@@ -12771,7 +12393,7 @@
             <a:p>
               <a:pPr algn="ctr"/>
               <a:r>
-                <a:rPr lang="en-US" sz="1400" smtClean="0">
+                <a:rPr lang="en-US" sz="1400">
                   <a:solidFill>
                     <a:prstClr val="black"/>
                   </a:solidFill>
@@ -12780,7 +12402,7 @@
                 <a:t>outdata</a:t>
               </a:r>
               <a:r>
-                <a:rPr lang="tr-TR" sz="1400" smtClean="0">
+                <a:rPr lang="tr-TR" sz="1400">
                   <a:solidFill>
                     <a:prstClr val="black"/>
                   </a:solidFill>
@@ -12802,7 +12424,7 @@
             <p:cNvPr id="14" name="TextBox 13">
               <a:extLst>
                 <a:ext uri="{FF2B5EF4-FFF2-40B4-BE49-F238E27FC236}">
-                  <a16:creationId xmlns="" xmlns:a16="http://schemas.microsoft.com/office/drawing/2014/main" id="{35CC1ED3-2C06-1D45-81C4-83D9B46A0579}"/>
+                  <a16:creationId xmlns:a16="http://schemas.microsoft.com/office/drawing/2014/main" id="{35CC1ED3-2C06-1D45-81C4-83D9B46A0579}"/>
                 </a:ext>
               </a:extLst>
             </p:cNvPr>
@@ -12829,7 +12451,7 @@
             <a:p>
               <a:pPr algn="ctr"/>
               <a:r>
-                <a:rPr lang="en-US" sz="1400" smtClean="0">
+                <a:rPr lang="en-US" sz="1400">
                   <a:solidFill>
                     <a:prstClr val="black"/>
                   </a:solidFill>
@@ -12838,7 +12460,7 @@
                 <a:t>unknown</a:t>
               </a:r>
               <a:r>
-                <a:rPr lang="tr-TR" sz="1400" smtClean="0">
+                <a:rPr lang="tr-TR" sz="1400">
                   <a:solidFill>
                     <a:prstClr val="black"/>
                   </a:solidFill>
@@ -12861,7 +12483,7 @@
           <p:cNvPr id="15" name="TextBox 14">
             <a:extLst>
               <a:ext uri="{FF2B5EF4-FFF2-40B4-BE49-F238E27FC236}">
-                <a16:creationId xmlns="" xmlns:a16="http://schemas.microsoft.com/office/drawing/2014/main" id="{A2F89D73-C95F-E943-9A62-EDFFF37F37C8}"/>
+                <a16:creationId xmlns:a16="http://schemas.microsoft.com/office/drawing/2014/main" id="{A2F89D73-C95F-E943-9A62-EDFFF37F37C8}"/>
               </a:ext>
             </a:extLst>
           </p:cNvPr>
@@ -12937,10 +12559,9 @@
           <a:lstStyle/>
           <a:p>
             <a:r>
-              <a:rPr lang="tr-TR" sz="4800" b="1" smtClean="0"/>
+              <a:rPr lang="tr-TR" sz="4800" b="1"/>
               <a:t>      Folder Structure</a:t>
             </a:r>
-            <a:endParaRPr lang="tr-TR" sz="4800" b="1"/>
           </a:p>
         </p:txBody>
       </p:sp>
@@ -13053,21 +12674,8 @@
             <a:pPr algn="ctr"/>
             <a:r>
               <a:rPr lang="tr-TR" sz="1000"/>
-              <a:t>8</a:t>
-            </a:r>
-            <a:r>
-              <a:rPr lang="tr-TR" sz="1000" smtClean="0"/>
-              <a:t> </a:t>
-            </a:r>
-            <a:r>
-              <a:rPr lang="tr-TR" sz="1000" smtClean="0"/>
-              <a:t>/ </a:t>
-            </a:r>
-            <a:r>
-              <a:rPr lang="tr-TR" sz="1000" smtClean="0"/>
-              <a:t>10</a:t>
-            </a:r>
-            <a:endParaRPr lang="tr-TR" sz="1000"/>
+              <a:t>8 / 10</a:t>
+            </a:r>
           </a:p>
         </p:txBody>
       </p:sp>
@@ -13076,7 +12684,7 @@
           <p:cNvPr id="57" name="TextBox 56">
             <a:extLst>
               <a:ext uri="{FF2B5EF4-FFF2-40B4-BE49-F238E27FC236}">
-                <a16:creationId xmlns="" xmlns:a16="http://schemas.microsoft.com/office/drawing/2014/main" id="{B89968B8-10AE-2C4D-911D-D94C22834B71}"/>
+                <a16:creationId xmlns:a16="http://schemas.microsoft.com/office/drawing/2014/main" id="{B89968B8-10AE-2C4D-911D-D94C22834B71}"/>
               </a:ext>
             </a:extLst>
           </p:cNvPr>
@@ -13153,7 +12761,7 @@
           <p:cNvPr id="62" name="TextBox 61">
             <a:extLst>
               <a:ext uri="{FF2B5EF4-FFF2-40B4-BE49-F238E27FC236}">
-                <a16:creationId xmlns="" xmlns:a16="http://schemas.microsoft.com/office/drawing/2014/main" id="{31EF599D-E954-9F4B-80AE-FA7311A62ECE}"/>
+                <a16:creationId xmlns:a16="http://schemas.microsoft.com/office/drawing/2014/main" id="{31EF599D-E954-9F4B-80AE-FA7311A62ECE}"/>
               </a:ext>
             </a:extLst>
           </p:cNvPr>
@@ -13189,15 +12797,7 @@
                   <a:prstClr val="black"/>
                 </a:solidFill>
               </a:rPr>
-              <a:t>output </a:t>
-            </a:r>
-            <a:r>
-              <a:rPr lang="en-US" smtClean="0">
-                <a:solidFill>
-                  <a:prstClr val="black"/>
-                </a:solidFill>
-              </a:rPr>
-              <a:t>data</a:t>
+              <a:t>output data</a:t>
             </a:r>
             <a:endParaRPr lang="en-US" sz="2400" dirty="0">
               <a:solidFill>
@@ -13248,7 +12848,7 @@
           <p:cNvPr id="55" name="TextBox 54">
             <a:extLst>
               <a:ext uri="{FF2B5EF4-FFF2-40B4-BE49-F238E27FC236}">
-                <a16:creationId xmlns="" xmlns:a16="http://schemas.microsoft.com/office/drawing/2014/main" id="{31EF599D-E954-9F4B-80AE-FA7311A62ECE}"/>
+                <a16:creationId xmlns:a16="http://schemas.microsoft.com/office/drawing/2014/main" id="{31EF599D-E954-9F4B-80AE-FA7311A62ECE}"/>
               </a:ext>
             </a:extLst>
           </p:cNvPr>
@@ -13279,7 +12879,7 @@
           <a:lstStyle/>
           <a:p>
             <a:r>
-              <a:rPr lang="en-US" smtClean="0">
+              <a:rPr lang="en-US">
                 <a:solidFill>
                   <a:prstClr val="black"/>
                 </a:solidFill>
@@ -13299,7 +12899,7 @@
           <p:cNvPr id="88" name="TextBox 87">
             <a:extLst>
               <a:ext uri="{FF2B5EF4-FFF2-40B4-BE49-F238E27FC236}">
-                <a16:creationId xmlns="" xmlns:a16="http://schemas.microsoft.com/office/drawing/2014/main" id="{5A6AC39F-60F3-024D-851F-8A08C3437913}"/>
+                <a16:creationId xmlns:a16="http://schemas.microsoft.com/office/drawing/2014/main" id="{5A6AC39F-60F3-024D-851F-8A08C3437913}"/>
               </a:ext>
             </a:extLst>
           </p:cNvPr>
@@ -13328,7 +12928,7 @@
           <a:p>
             <a:pPr lvl="1" algn="just"/>
             <a:r>
-              <a:rPr lang="tr-TR" sz="1600" smtClean="0">
+              <a:rPr lang="tr-TR" sz="1600">
                 <a:solidFill>
                   <a:prstClr val="black"/>
                 </a:solidFill>
@@ -13336,7 +12936,7 @@
               <a:t>Which files to be moved / copied are specified in YAML configuration files (eg. </a:t>
             </a:r>
             <a:r>
-              <a:rPr lang="tr-TR" sz="1600" smtClean="0">
+              <a:rPr lang="tr-TR" sz="1600">
                 <a:solidFill>
                   <a:prstClr val="black"/>
                 </a:solidFill>
@@ -13345,7 +12945,7 @@
               <a:t>model.yaml</a:t>
             </a:r>
             <a:r>
-              <a:rPr lang="tr-TR" sz="1600" smtClean="0">
+              <a:rPr lang="tr-TR" sz="1600">
                 <a:solidFill>
                   <a:prstClr val="black"/>
                 </a:solidFill>
@@ -13353,7 +12953,7 @@
               <a:t> or </a:t>
             </a:r>
             <a:r>
-              <a:rPr lang="tr-TR" sz="1600" smtClean="0">
+              <a:rPr lang="tr-TR" sz="1600">
                 <a:solidFill>
                   <a:prstClr val="black"/>
                 </a:solidFill>
@@ -13362,7 +12962,7 @@
               <a:t>setup.yaml</a:t>
             </a:r>
             <a:r>
-              <a:rPr lang="tr-TR" sz="1600" smtClean="0">
+              <a:rPr lang="tr-TR" sz="1600">
                 <a:solidFill>
                   <a:prstClr val="black"/>
                 </a:solidFill>
@@ -13372,7 +12972,7 @@
           </a:p>
           <a:p>
             <a:pPr lvl="1" algn="just"/>
-            <a:endParaRPr lang="tr-TR" sz="1600" smtClean="0">
+            <a:endParaRPr lang="tr-TR" sz="1600">
               <a:solidFill>
                 <a:prstClr val="black"/>
               </a:solidFill>
@@ -13381,7 +12981,7 @@
           <a:p>
             <a:pPr lvl="1" algn="just"/>
             <a:r>
-              <a:rPr lang="tr-TR" sz="1600" smtClean="0">
+              <a:rPr lang="tr-TR" sz="1600">
                 <a:solidFill>
                   <a:prstClr val="black"/>
                 </a:solidFill>
@@ -13389,7 +12989,7 @@
               <a:t>The process is repeated for the next restart period (eg. </a:t>
             </a:r>
             <a:r>
-              <a:rPr lang="tr-TR" sz="1600" smtClean="0">
+              <a:rPr lang="tr-TR" sz="1600">
                 <a:solidFill>
                   <a:prstClr val="black"/>
                 </a:solidFill>
@@ -13398,7 +12998,7 @@
               <a:t>run_DATE-NEW</a:t>
             </a:r>
             <a:r>
-              <a:rPr lang="tr-TR" sz="1600" smtClean="0">
+              <a:rPr lang="tr-TR" sz="1600">
                 <a:solidFill>
                   <a:prstClr val="black"/>
                 </a:solidFill>
@@ -13524,7 +13124,7 @@
           <p:cNvPr id="94" name="TextBox 93">
             <a:extLst>
               <a:ext uri="{FF2B5EF4-FFF2-40B4-BE49-F238E27FC236}">
-                <a16:creationId xmlns="" xmlns:a16="http://schemas.microsoft.com/office/drawing/2014/main" id="{F85F4FE5-8509-2947-842B-A357260A65CB}"/>
+                <a16:creationId xmlns:a16="http://schemas.microsoft.com/office/drawing/2014/main" id="{F85F4FE5-8509-2947-842B-A357260A65CB}"/>
               </a:ext>
             </a:extLst>
           </p:cNvPr>
@@ -13553,15 +13153,7 @@
                   <a:prstClr val="black"/>
                 </a:solidFill>
               </a:rPr>
-              <a:t>Run </a:t>
-            </a:r>
-            <a:r>
-              <a:rPr lang="en-US" sz="2400" b="1" smtClean="0">
-                <a:solidFill>
-                  <a:prstClr val="black"/>
-                </a:solidFill>
-              </a:rPr>
-              <a:t>folder</a:t>
+              <a:t>Run folder</a:t>
             </a:r>
             <a:endParaRPr lang="en-US" sz="2400" b="1" dirty="0">
               <a:solidFill>
@@ -13576,7 +13168,7 @@
           <p:cNvPr id="95" name="Group 94">
             <a:extLst>
               <a:ext uri="{FF2B5EF4-FFF2-40B4-BE49-F238E27FC236}">
-                <a16:creationId xmlns="" xmlns:a16="http://schemas.microsoft.com/office/drawing/2014/main" id="{1B72B37A-0771-3C4D-9DDB-DB626307C315}"/>
+                <a16:creationId xmlns:a16="http://schemas.microsoft.com/office/drawing/2014/main" id="{1B72B37A-0771-3C4D-9DDB-DB626307C315}"/>
               </a:ext>
             </a:extLst>
           </p:cNvPr>
@@ -13596,7 +13188,7 @@
             <p:cNvPr id="96" name="TextBox 95">
               <a:extLst>
                 <a:ext uri="{FF2B5EF4-FFF2-40B4-BE49-F238E27FC236}">
-                  <a16:creationId xmlns="" xmlns:a16="http://schemas.microsoft.com/office/drawing/2014/main" id="{98A2E6B4-64DF-1045-8700-16A757530026}"/>
+                  <a16:creationId xmlns:a16="http://schemas.microsoft.com/office/drawing/2014/main" id="{98A2E6B4-64DF-1045-8700-16A757530026}"/>
                 </a:ext>
               </a:extLst>
             </p:cNvPr>
@@ -13623,7 +13215,7 @@
             <a:p>
               <a:pPr algn="ctr"/>
               <a:r>
-                <a:rPr lang="en-US" sz="1400" smtClean="0">
+                <a:rPr lang="en-US" sz="1400">
                   <a:solidFill>
                     <a:prstClr val="black"/>
                   </a:solidFill>
@@ -13632,7 +13224,7 @@
                 <a:t>config</a:t>
               </a:r>
               <a:r>
-                <a:rPr lang="tr-TR" sz="1400" smtClean="0">
+                <a:rPr lang="tr-TR" sz="1400">
                   <a:solidFill>
                     <a:prstClr val="black"/>
                   </a:solidFill>
@@ -13654,7 +13246,7 @@
             <p:cNvPr id="97" name="TextBox 96">
               <a:extLst>
                 <a:ext uri="{FF2B5EF4-FFF2-40B4-BE49-F238E27FC236}">
-                  <a16:creationId xmlns="" xmlns:a16="http://schemas.microsoft.com/office/drawing/2014/main" id="{5917BE89-7557-1640-9B01-F58D6A568E85}"/>
+                  <a16:creationId xmlns:a16="http://schemas.microsoft.com/office/drawing/2014/main" id="{5917BE89-7557-1640-9B01-F58D6A568E85}"/>
                 </a:ext>
               </a:extLst>
             </p:cNvPr>
@@ -13681,7 +13273,7 @@
             <a:p>
               <a:pPr algn="ctr"/>
               <a:r>
-                <a:rPr lang="en-US" sz="1400" smtClean="0">
+                <a:rPr lang="en-US" sz="1400">
                   <a:solidFill>
                     <a:prstClr val="black"/>
                   </a:solidFill>
@@ -13690,7 +13282,7 @@
                 <a:t>analysis</a:t>
               </a:r>
               <a:r>
-                <a:rPr lang="tr-TR" sz="1400" smtClean="0">
+                <a:rPr lang="tr-TR" sz="1400">
                   <a:solidFill>
                     <a:prstClr val="black"/>
                   </a:solidFill>
@@ -13712,7 +13304,7 @@
             <p:cNvPr id="98" name="TextBox 97">
               <a:extLst>
                 <a:ext uri="{FF2B5EF4-FFF2-40B4-BE49-F238E27FC236}">
-                  <a16:creationId xmlns="" xmlns:a16="http://schemas.microsoft.com/office/drawing/2014/main" id="{1F46CDD2-E1BB-D844-B23E-232DD02119B3}"/>
+                  <a16:creationId xmlns:a16="http://schemas.microsoft.com/office/drawing/2014/main" id="{1F46CDD2-E1BB-D844-B23E-232DD02119B3}"/>
                 </a:ext>
               </a:extLst>
             </p:cNvPr>
@@ -13739,7 +13331,7 @@
             <a:p>
               <a:pPr algn="ctr"/>
               <a:r>
-                <a:rPr lang="en-US" sz="1400" smtClean="0">
+                <a:rPr lang="en-US" sz="1400">
                   <a:solidFill>
                     <a:prstClr val="black"/>
                   </a:solidFill>
@@ -13748,7 +13340,7 @@
                 <a:t>bin</a:t>
               </a:r>
               <a:r>
-                <a:rPr lang="tr-TR" sz="1400" smtClean="0">
+                <a:rPr lang="tr-TR" sz="1400">
                   <a:solidFill>
                     <a:prstClr val="black"/>
                   </a:solidFill>
@@ -13770,7 +13362,7 @@
             <p:cNvPr id="99" name="TextBox 98">
               <a:extLst>
                 <a:ext uri="{FF2B5EF4-FFF2-40B4-BE49-F238E27FC236}">
-                  <a16:creationId xmlns="" xmlns:a16="http://schemas.microsoft.com/office/drawing/2014/main" id="{CC8DF00E-FAF2-E745-B1D4-EA42F9419E56}"/>
+                  <a16:creationId xmlns:a16="http://schemas.microsoft.com/office/drawing/2014/main" id="{CC8DF00E-FAF2-E745-B1D4-EA42F9419E56}"/>
                 </a:ext>
               </a:extLst>
             </p:cNvPr>
@@ -13797,7 +13389,7 @@
             <a:p>
               <a:pPr algn="ctr"/>
               <a:r>
-                <a:rPr lang="en-US" sz="1400" smtClean="0">
+                <a:rPr lang="en-US" sz="1400">
                   <a:solidFill>
                     <a:prstClr val="black"/>
                   </a:solidFill>
@@ -13806,7 +13398,7 @@
                 <a:t>couple</a:t>
               </a:r>
               <a:r>
-                <a:rPr lang="tr-TR" sz="1400" smtClean="0">
+                <a:rPr lang="tr-TR" sz="1400">
                   <a:solidFill>
                     <a:prstClr val="black"/>
                   </a:solidFill>
@@ -13828,7 +13420,7 @@
             <p:cNvPr id="100" name="TextBox 99">
               <a:extLst>
                 <a:ext uri="{FF2B5EF4-FFF2-40B4-BE49-F238E27FC236}">
-                  <a16:creationId xmlns="" xmlns:a16="http://schemas.microsoft.com/office/drawing/2014/main" id="{B6086CAD-CFA8-E244-8287-3B4E811E3407}"/>
+                  <a16:creationId xmlns:a16="http://schemas.microsoft.com/office/drawing/2014/main" id="{B6086CAD-CFA8-E244-8287-3B4E811E3407}"/>
                 </a:ext>
               </a:extLst>
             </p:cNvPr>
@@ -13860,7 +13452,7 @@
             <a:p>
               <a:pPr algn="ctr"/>
               <a:r>
-                <a:rPr lang="en-US" sz="1400" smtClean="0">
+                <a:rPr lang="en-US" sz="1400">
                   <a:solidFill>
                     <a:prstClr val="black"/>
                   </a:solidFill>
@@ -13869,7 +13461,7 @@
                 <a:t>work</a:t>
               </a:r>
               <a:r>
-                <a:rPr lang="tr-TR" sz="1400" smtClean="0">
+                <a:rPr lang="tr-TR" sz="1400">
                   <a:solidFill>
                     <a:prstClr val="black"/>
                   </a:solidFill>
@@ -13891,7 +13483,7 @@
             <p:cNvPr id="101" name="TextBox 100">
               <a:extLst>
                 <a:ext uri="{FF2B5EF4-FFF2-40B4-BE49-F238E27FC236}">
-                  <a16:creationId xmlns="" xmlns:a16="http://schemas.microsoft.com/office/drawing/2014/main" id="{BB1AC1B3-DFF3-C147-A790-4881893E3652}"/>
+                  <a16:creationId xmlns:a16="http://schemas.microsoft.com/office/drawing/2014/main" id="{BB1AC1B3-DFF3-C147-A790-4881893E3652}"/>
                 </a:ext>
               </a:extLst>
             </p:cNvPr>
@@ -13918,7 +13510,7 @@
             <a:p>
               <a:pPr algn="ctr"/>
               <a:r>
-                <a:rPr lang="en-US" sz="1400" smtClean="0">
+                <a:rPr lang="en-US" sz="1400">
                   <a:solidFill>
                     <a:prstClr val="black"/>
                   </a:solidFill>
@@ -13927,7 +13519,7 @@
                 <a:t>input</a:t>
               </a:r>
               <a:r>
-                <a:rPr lang="tr-TR" sz="1400" smtClean="0">
+                <a:rPr lang="tr-TR" sz="1400">
                   <a:solidFill>
                     <a:prstClr val="black"/>
                   </a:solidFill>
@@ -13949,7 +13541,7 @@
             <p:cNvPr id="102" name="TextBox 101">
               <a:extLst>
                 <a:ext uri="{FF2B5EF4-FFF2-40B4-BE49-F238E27FC236}">
-                  <a16:creationId xmlns="" xmlns:a16="http://schemas.microsoft.com/office/drawing/2014/main" id="{EDAF48B9-26B6-3642-BB9C-5DE48D3ACE23}"/>
+                  <a16:creationId xmlns:a16="http://schemas.microsoft.com/office/drawing/2014/main" id="{EDAF48B9-26B6-3642-BB9C-5DE48D3ACE23}"/>
                 </a:ext>
               </a:extLst>
             </p:cNvPr>
@@ -13976,7 +13568,7 @@
             <a:p>
               <a:pPr algn="ctr"/>
               <a:r>
-                <a:rPr lang="en-US" sz="1400" smtClean="0">
+                <a:rPr lang="en-US" sz="1400">
                   <a:solidFill>
                     <a:prstClr val="black"/>
                   </a:solidFill>
@@ -13985,7 +13577,7 @@
                 <a:t>restart</a:t>
               </a:r>
               <a:r>
-                <a:rPr lang="tr-TR" sz="1400" smtClean="0">
+                <a:rPr lang="tr-TR" sz="1400">
                   <a:solidFill>
                     <a:prstClr val="black"/>
                   </a:solidFill>
@@ -14007,7 +13599,7 @@
             <p:cNvPr id="103" name="TextBox 102">
               <a:extLst>
                 <a:ext uri="{FF2B5EF4-FFF2-40B4-BE49-F238E27FC236}">
-                  <a16:creationId xmlns="" xmlns:a16="http://schemas.microsoft.com/office/drawing/2014/main" id="{E9B59AD7-EB7C-7C47-AB8C-E586A646D249}"/>
+                  <a16:creationId xmlns:a16="http://schemas.microsoft.com/office/drawing/2014/main" id="{E9B59AD7-EB7C-7C47-AB8C-E586A646D249}"/>
                 </a:ext>
               </a:extLst>
             </p:cNvPr>
@@ -14034,7 +13626,7 @@
             <a:p>
               <a:pPr algn="ctr"/>
               <a:r>
-                <a:rPr lang="en-US" sz="1400" smtClean="0">
+                <a:rPr lang="en-US" sz="1400">
                   <a:solidFill>
                     <a:prstClr val="black"/>
                   </a:solidFill>
@@ -14043,7 +13635,7 @@
                 <a:t>outdata</a:t>
               </a:r>
               <a:r>
-                <a:rPr lang="tr-TR" sz="1400" smtClean="0">
+                <a:rPr lang="tr-TR" sz="1400">
                   <a:solidFill>
                     <a:prstClr val="black"/>
                   </a:solidFill>
@@ -14065,7 +13657,7 @@
             <p:cNvPr id="104" name="TextBox 103">
               <a:extLst>
                 <a:ext uri="{FF2B5EF4-FFF2-40B4-BE49-F238E27FC236}">
-                  <a16:creationId xmlns="" xmlns:a16="http://schemas.microsoft.com/office/drawing/2014/main" id="{FC311768-AE5E-7A47-A3B4-E6D842E167F9}"/>
+                  <a16:creationId xmlns:a16="http://schemas.microsoft.com/office/drawing/2014/main" id="{FC311768-AE5E-7A47-A3B4-E6D842E167F9}"/>
                 </a:ext>
               </a:extLst>
             </p:cNvPr>
@@ -14092,7 +13684,7 @@
             <a:p>
               <a:pPr algn="ctr"/>
               <a:r>
-                <a:rPr lang="en-US" sz="1400" smtClean="0">
+                <a:rPr lang="en-US" sz="1400">
                   <a:solidFill>
                     <a:prstClr val="black"/>
                   </a:solidFill>
@@ -14101,7 +13693,7 @@
                 <a:t>unknown</a:t>
               </a:r>
               <a:r>
-                <a:rPr lang="tr-TR" sz="1400" smtClean="0">
+                <a:rPr lang="tr-TR" sz="1400">
                   <a:solidFill>
                     <a:prstClr val="black"/>
                   </a:solidFill>
@@ -14123,7 +13715,7 @@
             <p:cNvPr id="105" name="TextBox 104">
               <a:extLst>
                 <a:ext uri="{FF2B5EF4-FFF2-40B4-BE49-F238E27FC236}">
-                  <a16:creationId xmlns="" xmlns:a16="http://schemas.microsoft.com/office/drawing/2014/main" id="{CF5FF889-727C-3C48-A044-6E1916D7825E}"/>
+                  <a16:creationId xmlns:a16="http://schemas.microsoft.com/office/drawing/2014/main" id="{CF5FF889-727C-3C48-A044-6E1916D7825E}"/>
                 </a:ext>
               </a:extLst>
             </p:cNvPr>
@@ -14150,7 +13742,7 @@
             <a:p>
               <a:pPr algn="ctr"/>
               <a:r>
-                <a:rPr lang="en-US" sz="1400" smtClean="0">
+                <a:rPr lang="en-US" sz="1400">
                   <a:solidFill>
                     <a:prstClr val="black"/>
                   </a:solidFill>
@@ -14159,7 +13751,7 @@
                 <a:t>forcing</a:t>
               </a:r>
               <a:r>
-                <a:rPr lang="tr-TR" sz="1400" smtClean="0">
+                <a:rPr lang="tr-TR" sz="1400">
                   <a:solidFill>
                     <a:prstClr val="black"/>
                   </a:solidFill>
@@ -14268,13 +13860,6 @@
   <p:clrMapOvr>
     <a:masterClrMapping/>
   </p:clrMapOvr>
-  <p:timing>
-    <p:tnLst>
-      <p:par>
-        <p:cTn id="1" dur="indefinite" restart="never" nodeType="tmRoot"/>
-      </p:par>
-    </p:tnLst>
-  </p:timing>
 </p:sld>
 </file>
 
@@ -14300,7 +13885,7 @@
           <p:cNvPr id="2" name="Title 1">
             <a:extLst>
               <a:ext uri="{FF2B5EF4-FFF2-40B4-BE49-F238E27FC236}">
-                <a16:creationId xmlns="" xmlns:a16="http://schemas.microsoft.com/office/drawing/2014/main" id="{1049E8DC-5F37-594E-BD4A-0E7E77983795}"/>
+                <a16:creationId xmlns:a16="http://schemas.microsoft.com/office/drawing/2014/main" id="{1049E8DC-5F37-594E-BD4A-0E7E77983795}"/>
               </a:ext>
             </a:extLst>
           </p:cNvPr>
@@ -14334,37 +13919,79 @@
               </a:lnSpc>
             </a:pPr>
             <a:r>
-              <a:rPr lang="en-US" sz="1600">
+              <a:rPr lang="en-US" sz="1600" dirty="0" err="1">
                 <a:latin typeface="Consolas" panose="020B0609020204030204" pitchFamily="49" charset="0"/>
               </a:rPr>
-              <a:t>esm_runscripts -e tutorial </a:t>
-            </a:r>
-            <a:r>
-              <a:rPr lang="en-US" sz="1600" smtClean="0">
+              <a:t>esm_runscripts</a:t>
+            </a:r>
+            <a:r>
+              <a:rPr lang="en-US" sz="1600" dirty="0">
                 <a:latin typeface="Consolas" panose="020B0609020204030204" pitchFamily="49" charset="0"/>
               </a:rPr>
-              <a:t>fesom_run_initial_monthly.yaml</a:t>
-            </a:r>
-            <a:r>
-              <a:rPr lang="tr-TR" sz="1600" smtClean="0">
+              <a:t> </a:t>
+            </a:r>
+            <a:r>
+              <a:rPr lang="en-US" sz="1600" dirty="0" err="1">
                 <a:latin typeface="Consolas" panose="020B0609020204030204" pitchFamily="49" charset="0"/>
               </a:rPr>
+              <a:t>fesom_runscript.yaml</a:t>
+            </a:r>
+            <a:r>
+              <a:rPr lang="tr-TR" sz="1600" dirty="0">
+                <a:latin typeface="Consolas" panose="020B0609020204030204" pitchFamily="49" charset="0"/>
+              </a:rPr>
               <a:t> </a:t>
             </a:r>
             <a:r>
-              <a:rPr lang="tr-TR" sz="1600">
+              <a:rPr lang="en-US" sz="1600" dirty="0">
                 <a:latin typeface="Consolas" panose="020B0609020204030204" pitchFamily="49" charset="0"/>
               </a:rPr>
-              <a:t>--check </a:t>
-            </a:r>
-            <a:r>
-              <a:rPr lang="tr-TR" sz="1600">
+              <a:t>-e tutorial </a:t>
+            </a:r>
+            <a:r>
+              <a:rPr lang="tr-TR" sz="1600" dirty="0">
+                <a:latin typeface="Consolas" panose="020B0609020204030204" pitchFamily="49" charset="0"/>
+              </a:rPr>
+              <a:t>--</a:t>
+            </a:r>
+            <a:r>
+              <a:rPr lang="tr-TR" sz="1600" dirty="0" err="1">
+                <a:latin typeface="Consolas" panose="020B0609020204030204" pitchFamily="49" charset="0"/>
+              </a:rPr>
+              <a:t>check</a:t>
+            </a:r>
+            <a:r>
+              <a:rPr lang="tr-TR" sz="1600" dirty="0">
+                <a:latin typeface="Consolas" panose="020B0609020204030204" pitchFamily="49" charset="0"/>
+              </a:rPr>
+              <a:t> </a:t>
+            </a:r>
+            <a:r>
+              <a:rPr lang="tr-TR" sz="1600" dirty="0">
                 <a:solidFill>
                   <a:schemeClr val="accent2"/>
                 </a:solidFill>
                 <a:latin typeface="Consolas" panose="020B0609020204030204" pitchFamily="49" charset="0"/>
               </a:rPr>
-              <a:t>--verbose </a:t>
+              <a:t>--</a:t>
+            </a:r>
+            <a:r>
+              <a:rPr lang="tr-TR" sz="1600" dirty="0" err="1">
+                <a:solidFill>
+                  <a:schemeClr val="accent2"/>
+                </a:solidFill>
+                <a:latin typeface="Consolas" panose="020B0609020204030204" pitchFamily="49" charset="0"/>
+              </a:rPr>
+              <a:t>verbose</a:t>
+            </a:r>
+            <a:r>
+              <a:rPr lang="tr-TR" sz="1600" dirty="0">
+                <a:solidFill>
+                  <a:schemeClr val="accent2"/>
+                </a:solidFill>
+                <a:latin typeface="Consolas" panose="020B0609020204030204" pitchFamily="49" charset="0"/>
+              </a:rPr>
+              <a:t> </a:t>
             </a:r>
             <a:endParaRPr lang="en-US" sz="1600" dirty="0">
               <a:solidFill>
@@ -14417,10 +14044,9 @@
           <a:lstStyle/>
           <a:p>
             <a:r>
-              <a:rPr lang="tr-TR" sz="4800" b="1" smtClean="0"/>
+              <a:rPr lang="tr-TR" sz="4800" b="1"/>
               <a:t>      esm_runscripts: FESOM check run</a:t>
             </a:r>
-            <a:endParaRPr lang="tr-TR" sz="4800" b="1"/>
           </a:p>
         </p:txBody>
       </p:sp>
@@ -14467,18 +14093,13 @@
           <a:p>
             <a:pPr algn="ctr"/>
             <a:r>
-              <a:rPr lang="tr-TR" sz="3600" b="1" smtClean="0">
+              <a:rPr lang="tr-TR" sz="3600" b="1">
                 <a:solidFill>
                   <a:srgbClr val="00ACE6"/>
                 </a:solidFill>
               </a:rPr>
               <a:t>5</a:t>
             </a:r>
-            <a:endParaRPr lang="tr-TR" sz="3600" b="1">
-              <a:solidFill>
-                <a:srgbClr val="00ACE6"/>
-              </a:solidFill>
-            </a:endParaRPr>
           </a:p>
         </p:txBody>
       </p:sp>
@@ -14505,7 +14126,7 @@
           <a:p>
             <a:pPr algn="just"/>
             <a:r>
-              <a:rPr lang="tr-TR" smtClean="0">
+              <a:rPr lang="tr-TR">
                 <a:solidFill>
                   <a:srgbClr val="000000"/>
                 </a:solidFill>
@@ -14513,7 +14134,7 @@
               <a:t>Make a </a:t>
             </a:r>
             <a:r>
-              <a:rPr lang="tr-TR" b="1" smtClean="0">
+              <a:rPr lang="tr-TR" b="1">
                 <a:solidFill>
                   <a:srgbClr val="00B0F0"/>
                 </a:solidFill>
@@ -14521,7 +14142,7 @@
               <a:t>check run </a:t>
             </a:r>
             <a:r>
-              <a:rPr lang="tr-TR" smtClean="0">
+              <a:rPr lang="tr-TR">
                 <a:solidFill>
                   <a:srgbClr val="000000"/>
                 </a:solidFill>
@@ -14529,7 +14150,7 @@
               <a:t>and have a look at the </a:t>
             </a:r>
             <a:r>
-              <a:rPr lang="tr-TR" b="1" smtClean="0">
+              <a:rPr lang="tr-TR" b="1">
                 <a:solidFill>
                   <a:srgbClr val="00B0F0"/>
                 </a:solidFill>
@@ -14537,7 +14158,7 @@
               <a:t>finished config </a:t>
             </a:r>
             <a:r>
-              <a:rPr lang="tr-TR" smtClean="0">
+              <a:rPr lang="tr-TR">
                 <a:solidFill>
                   <a:srgbClr val="000000"/>
                 </a:solidFill>
@@ -14624,7 +14245,7 @@
           <a:lstStyle/>
           <a:p>
             <a:r>
-              <a:rPr lang="tr-TR" sz="2000" b="1" smtClean="0">
+              <a:rPr lang="tr-TR" sz="2000" b="1">
                 <a:solidFill>
                   <a:srgbClr val="000000"/>
                 </a:solidFill>
@@ -14658,7 +14279,7 @@
           <a:p>
             <a:pPr algn="just"/>
             <a:r>
-              <a:rPr lang="tr-TR" smtClean="0">
+              <a:rPr lang="tr-TR">
                 <a:solidFill>
                   <a:srgbClr val="000000"/>
                 </a:solidFill>
@@ -14728,7 +14349,7 @@
           <p:cNvPr id="11" name="Title 1">
             <a:extLst>
               <a:ext uri="{FF2B5EF4-FFF2-40B4-BE49-F238E27FC236}">
-                <a16:creationId xmlns="" xmlns:a16="http://schemas.microsoft.com/office/drawing/2014/main" id="{1049E8DC-5F37-594E-BD4A-0E7E77983795}"/>
+                <a16:creationId xmlns:a16="http://schemas.microsoft.com/office/drawing/2014/main" id="{1049E8DC-5F37-594E-BD4A-0E7E77983795}"/>
               </a:ext>
             </a:extLst>
           </p:cNvPr>
@@ -14781,25 +14402,91 @@
               </a:lnSpc>
             </a:pPr>
             <a:r>
-              <a:rPr lang="en-US" sz="1600" smtClean="0">
+              <a:rPr lang="en-US" sz="1600" dirty="0" err="1">
                 <a:latin typeface="Consolas" panose="020B0609020204030204" pitchFamily="49" charset="0"/>
               </a:rPr>
-              <a:t>esm_runscripts -e tutorial fesom_run_initial_monthly.yaml</a:t>
-            </a:r>
-            <a:r>
-              <a:rPr lang="tr-TR" sz="1600" smtClean="0">
+              <a:t>esm_runscripts</a:t>
+            </a:r>
+            <a:r>
+              <a:rPr lang="en-US" sz="1600" dirty="0">
                 <a:latin typeface="Consolas" panose="020B0609020204030204" pitchFamily="49" charset="0"/>
               </a:rPr>
-              <a:t> --check –verbose </a:t>
-            </a:r>
-            <a:r>
-              <a:rPr lang="tr-TR" sz="1600" smtClean="0">
+              <a:t> </a:t>
+            </a:r>
+            <a:r>
+              <a:rPr lang="en-US" sz="1600" dirty="0" err="1">
+                <a:latin typeface="Consolas" panose="020B0609020204030204" pitchFamily="49" charset="0"/>
+              </a:rPr>
+              <a:t>fesom_runscript.yaml</a:t>
+            </a:r>
+            <a:r>
+              <a:rPr lang="tr-TR" sz="1600" dirty="0">
+                <a:latin typeface="Consolas" panose="020B0609020204030204" pitchFamily="49" charset="0"/>
+              </a:rPr>
+              <a:t> </a:t>
+            </a:r>
+            <a:r>
+              <a:rPr lang="en-US" sz="1600" dirty="0">
+                <a:latin typeface="Consolas" panose="020B0609020204030204" pitchFamily="49" charset="0"/>
+              </a:rPr>
+              <a:t>-e tutorial </a:t>
+            </a:r>
+            <a:r>
+              <a:rPr lang="tr-TR" sz="1600" dirty="0">
+                <a:latin typeface="Consolas" panose="020B0609020204030204" pitchFamily="49" charset="0"/>
+              </a:rPr>
+              <a:t>--</a:t>
+            </a:r>
+            <a:r>
+              <a:rPr lang="tr-TR" sz="1600" dirty="0" err="1">
+                <a:latin typeface="Consolas" panose="020B0609020204030204" pitchFamily="49" charset="0"/>
+              </a:rPr>
+              <a:t>check</a:t>
+            </a:r>
+            <a:r>
+              <a:rPr lang="tr-TR" sz="1600" dirty="0">
+                <a:latin typeface="Consolas" panose="020B0609020204030204" pitchFamily="49" charset="0"/>
+              </a:rPr>
+              <a:t> –</a:t>
+            </a:r>
+            <a:r>
+              <a:rPr lang="tr-TR" sz="1600" dirty="0" err="1">
+                <a:latin typeface="Consolas" panose="020B0609020204030204" pitchFamily="49" charset="0"/>
+              </a:rPr>
+              <a:t>verbose</a:t>
+            </a:r>
+            <a:r>
+              <a:rPr lang="tr-TR" sz="1600" dirty="0">
+                <a:latin typeface="Consolas" panose="020B0609020204030204" pitchFamily="49" charset="0"/>
+              </a:rPr>
+              <a:t> </a:t>
+            </a:r>
+            <a:r>
+              <a:rPr lang="tr-TR" sz="1600" dirty="0">
                 <a:solidFill>
                   <a:schemeClr val="accent2"/>
                 </a:solidFill>
                 <a:latin typeface="Consolas" panose="020B0609020204030204" pitchFamily="49" charset="0"/>
               </a:rPr>
-              <a:t>&amp;&gt; check.log </a:t>
+              <a:t>&amp;&gt; </a:t>
+            </a:r>
+            <a:r>
+              <a:rPr lang="tr-TR" sz="1600" dirty="0" err="1">
+                <a:solidFill>
+                  <a:schemeClr val="accent2"/>
+                </a:solidFill>
+                <a:latin typeface="Consolas" panose="020B0609020204030204" pitchFamily="49" charset="0"/>
+              </a:rPr>
+              <a:t>check.log</a:t>
+            </a:r>
+            <a:r>
+              <a:rPr lang="tr-TR" sz="1600" dirty="0">
+                <a:solidFill>
+                  <a:schemeClr val="accent2"/>
+                </a:solidFill>
+                <a:latin typeface="Consolas" panose="020B0609020204030204" pitchFamily="49" charset="0"/>
+              </a:rPr>
+              <a:t> </a:t>
             </a:r>
             <a:endParaRPr lang="en-US" sz="1600" dirty="0">
               <a:solidFill>
@@ -14833,7 +14520,7 @@
           <a:p>
             <a:pPr algn="just"/>
             <a:r>
-              <a:rPr lang="tr-TR" smtClean="0">
+              <a:rPr lang="tr-TR">
                 <a:solidFill>
                   <a:srgbClr val="000000"/>
                 </a:solidFill>
@@ -14841,7 +14528,7 @@
               <a:t>Don’t forget to use </a:t>
             </a:r>
             <a:r>
-              <a:rPr lang="tr-TR" smtClean="0">
+              <a:rPr lang="tr-TR">
                 <a:solidFill>
                   <a:schemeClr val="accent2"/>
                 </a:solidFill>
@@ -14850,7 +14537,7 @@
               <a:t>--open-run </a:t>
             </a:r>
             <a:r>
-              <a:rPr lang="tr-TR" smtClean="0">
+              <a:rPr lang="tr-TR">
                 <a:solidFill>
                   <a:srgbClr val="000000"/>
                 </a:solidFill>
@@ -14858,7 +14545,7 @@
               <a:t>if you don’t have </a:t>
             </a:r>
             <a:r>
-              <a:rPr lang="tr-TR" smtClean="0">
+              <a:rPr lang="tr-TR">
                 <a:solidFill>
                   <a:schemeClr val="accent2"/>
                 </a:solidFill>
@@ -14867,7 +14554,7 @@
               <a:t>use_venv: false </a:t>
             </a:r>
             <a:r>
-              <a:rPr lang="tr-TR" smtClean="0">
+              <a:rPr lang="tr-TR">
                 <a:solidFill>
                   <a:srgbClr val="000000"/>
                 </a:solidFill>
@@ -14875,7 +14562,7 @@
               <a:t>in your </a:t>
             </a:r>
             <a:r>
-              <a:rPr lang="tr-TR" smtClean="0">
+              <a:rPr lang="tr-TR">
                 <a:solidFill>
                   <a:srgbClr val="000000"/>
                 </a:solidFill>
@@ -14884,7 +14571,7 @@
               <a:t>general</a:t>
             </a:r>
             <a:r>
-              <a:rPr lang="tr-TR" smtClean="0">
+              <a:rPr lang="tr-TR">
                 <a:solidFill>
                   <a:srgbClr val="000000"/>
                 </a:solidFill>
@@ -14956,30 +14643,214 @@
           <a:p>
             <a:pPr algn="just"/>
             <a:r>
-              <a:rPr lang="tr-TR" b="1" smtClean="0">
+              <a:rPr lang="tr-TR" b="1" dirty="0" err="1">
                 <a:solidFill>
                   <a:srgbClr val="FF0000"/>
                 </a:solidFill>
               </a:rPr>
-              <a:t>Exercise: </a:t>
-            </a:r>
-            <a:r>
-              <a:rPr lang="tr-TR" smtClean="0">
+              <a:t>Exercise</a:t>
+            </a:r>
+            <a:r>
+              <a:rPr lang="tr-TR" b="1" dirty="0">
+                <a:solidFill>
+                  <a:srgbClr val="FF0000"/>
+                </a:solidFill>
+              </a:rPr>
+              <a:t>: </a:t>
+            </a:r>
+            <a:r>
+              <a:rPr lang="tr-TR" dirty="0" err="1">
                 <a:solidFill>
                   <a:srgbClr val="000000"/>
                 </a:solidFill>
               </a:rPr>
-              <a:t>make a check run and look at the finished config file. Also observe directory structure</a:t>
-            </a:r>
-            <a:r>
-              <a:rPr lang="en-US">
+              <a:t>make</a:t>
+            </a:r>
+            <a:r>
+              <a:rPr lang="tr-TR" dirty="0">
                 <a:solidFill>
                   <a:srgbClr val="000000"/>
                 </a:solidFill>
               </a:rPr>
+              <a:t> a </a:t>
+            </a:r>
+            <a:r>
+              <a:rPr lang="tr-TR" dirty="0" err="1">
+                <a:solidFill>
+                  <a:srgbClr val="000000"/>
+                </a:solidFill>
+              </a:rPr>
+              <a:t>check</a:t>
+            </a:r>
+            <a:r>
+              <a:rPr lang="tr-TR" dirty="0">
+                <a:solidFill>
+                  <a:srgbClr val="000000"/>
+                </a:solidFill>
+              </a:rPr>
+              <a:t> </a:t>
+            </a:r>
+            <a:r>
+              <a:rPr lang="tr-TR" dirty="0" err="1">
+                <a:solidFill>
+                  <a:srgbClr val="000000"/>
+                </a:solidFill>
+              </a:rPr>
+              <a:t>run</a:t>
+            </a:r>
+            <a:r>
+              <a:rPr lang="tr-TR" dirty="0">
+                <a:solidFill>
+                  <a:srgbClr val="000000"/>
+                </a:solidFill>
+              </a:rPr>
+              <a:t> </a:t>
+            </a:r>
+            <a:r>
+              <a:rPr lang="tr-TR" dirty="0" err="1">
+                <a:solidFill>
+                  <a:srgbClr val="000000"/>
+                </a:solidFill>
+              </a:rPr>
+              <a:t>and</a:t>
+            </a:r>
+            <a:r>
+              <a:rPr lang="tr-TR" dirty="0">
+                <a:solidFill>
+                  <a:srgbClr val="000000"/>
+                </a:solidFill>
+              </a:rPr>
+              <a:t> </a:t>
+            </a:r>
+            <a:r>
+              <a:rPr lang="tr-TR" dirty="0" err="1">
+                <a:solidFill>
+                  <a:srgbClr val="000000"/>
+                </a:solidFill>
+              </a:rPr>
+              <a:t>look</a:t>
+            </a:r>
+            <a:r>
+              <a:rPr lang="tr-TR" dirty="0">
+                <a:solidFill>
+                  <a:srgbClr val="000000"/>
+                </a:solidFill>
+              </a:rPr>
+              <a:t> at </a:t>
+            </a:r>
+            <a:r>
+              <a:rPr lang="tr-TR" dirty="0" err="1">
+                <a:solidFill>
+                  <a:srgbClr val="000000"/>
+                </a:solidFill>
+              </a:rPr>
+              <a:t>the</a:t>
+            </a:r>
+            <a:r>
+              <a:rPr lang="tr-TR" dirty="0">
+                <a:solidFill>
+                  <a:srgbClr val="000000"/>
+                </a:solidFill>
+              </a:rPr>
+              <a:t> </a:t>
+            </a:r>
+            <a:r>
+              <a:rPr lang="tr-TR" dirty="0" err="1">
+                <a:solidFill>
+                  <a:srgbClr val="000000"/>
+                </a:solidFill>
+              </a:rPr>
+              <a:t>finished</a:t>
+            </a:r>
+            <a:r>
+              <a:rPr lang="tr-TR" dirty="0">
+                <a:solidFill>
+                  <a:srgbClr val="000000"/>
+                </a:solidFill>
+              </a:rPr>
+              <a:t> </a:t>
+            </a:r>
+            <a:r>
+              <a:rPr lang="tr-TR">
+                <a:solidFill>
+                  <a:srgbClr val="000000"/>
+                </a:solidFill>
+              </a:rPr>
+              <a:t>config</a:t>
+            </a:r>
+            <a:r>
+              <a:rPr lang="tr-TR" dirty="0">
+                <a:solidFill>
+                  <a:srgbClr val="000000"/>
+                </a:solidFill>
+              </a:rPr>
+              <a:t> file. </a:t>
+            </a:r>
+            <a:r>
+              <a:rPr lang="tr-TR" dirty="0" err="1">
+                <a:solidFill>
+                  <a:srgbClr val="000000"/>
+                </a:solidFill>
+              </a:rPr>
+              <a:t>Also</a:t>
+            </a:r>
+            <a:r>
+              <a:rPr lang="tr-TR" dirty="0">
+                <a:solidFill>
+                  <a:srgbClr val="000000"/>
+                </a:solidFill>
+              </a:rPr>
+              <a:t> </a:t>
+            </a:r>
+            <a:r>
+              <a:rPr lang="tr-TR" dirty="0" err="1">
+                <a:solidFill>
+                  <a:srgbClr val="000000"/>
+                </a:solidFill>
+              </a:rPr>
+              <a:t>observe</a:t>
+            </a:r>
+            <a:r>
+              <a:rPr lang="tr-TR" dirty="0">
+                <a:solidFill>
+                  <a:srgbClr val="000000"/>
+                </a:solidFill>
+              </a:rPr>
+              <a:t> </a:t>
+            </a:r>
+            <a:r>
+              <a:rPr lang="tr-TR" dirty="0" err="1">
+                <a:solidFill>
+                  <a:srgbClr val="000000"/>
+                </a:solidFill>
+              </a:rPr>
+              <a:t>directory</a:t>
+            </a:r>
+            <a:r>
+              <a:rPr lang="tr-TR" dirty="0">
+                <a:solidFill>
+                  <a:srgbClr val="000000"/>
+                </a:solidFill>
+              </a:rPr>
+              <a:t> </a:t>
+            </a:r>
+            <a:r>
+              <a:rPr lang="tr-TR" dirty="0" err="1">
+                <a:solidFill>
+                  <a:srgbClr val="000000"/>
+                </a:solidFill>
+              </a:rPr>
+              <a:t>structure</a:t>
+            </a:r>
+            <a:r>
+              <a:rPr lang="en-US" dirty="0">
+                <a:solidFill>
+                  <a:srgbClr val="000000"/>
+                </a:solidFill>
+              </a:rPr>
               <a:t> </a:t>
             </a:r>
-            <a:endParaRPr lang="tr-TR"/>
+            <a:endParaRPr lang="tr-TR" dirty="0"/>
           </a:p>
         </p:txBody>
       </p:sp>
@@ -15039,21 +14910,8 @@
             <a:pPr algn="ctr"/>
             <a:r>
               <a:rPr lang="tr-TR" sz="1000"/>
-              <a:t>9</a:t>
-            </a:r>
-            <a:r>
-              <a:rPr lang="tr-TR" sz="1000" smtClean="0"/>
-              <a:t> </a:t>
-            </a:r>
-            <a:r>
-              <a:rPr lang="tr-TR" sz="1000" smtClean="0"/>
-              <a:t>/ </a:t>
-            </a:r>
-            <a:r>
-              <a:rPr lang="tr-TR" sz="1000" smtClean="0"/>
-              <a:t>10</a:t>
-            </a:r>
-            <a:endParaRPr lang="tr-TR" sz="1000"/>
+              <a:t>9 / 10</a:t>
+            </a:r>
           </a:p>
         </p:txBody>
       </p:sp>
@@ -15067,13 +14925,6 @@
   <p:clrMapOvr>
     <a:masterClrMapping/>
   </p:clrMapOvr>
-  <p:timing>
-    <p:tnLst>
-      <p:par>
-        <p:cTn id="1" dur="indefinite" restart="never" nodeType="tmRoot"/>
-      </p:par>
-    </p:tnLst>
-  </p:timing>
 </p:sld>
 </file>
 
